--- a/Gabriela/Documentação/Modelo de Apresentação - eKran 1.pptx
+++ b/Gabriela/Documentação/Modelo de Apresentação - eKran 1.pptx
@@ -10,18 +10,20 @@
     <p:sldId id="258" r:id="rId4"/>
     <p:sldId id="273" r:id="rId5"/>
     <p:sldId id="260" r:id="rId6"/>
-    <p:sldId id="274" r:id="rId7"/>
-    <p:sldId id="262" r:id="rId8"/>
-    <p:sldId id="261" r:id="rId9"/>
-    <p:sldId id="264" r:id="rId10"/>
-    <p:sldId id="265" r:id="rId11"/>
-    <p:sldId id="263" r:id="rId12"/>
-    <p:sldId id="269" r:id="rId13"/>
-    <p:sldId id="276" r:id="rId14"/>
-    <p:sldId id="271" r:id="rId15"/>
-    <p:sldId id="275" r:id="rId16"/>
-    <p:sldId id="268" r:id="rId17"/>
-    <p:sldId id="272" r:id="rId18"/>
+    <p:sldId id="277" r:id="rId7"/>
+    <p:sldId id="278" r:id="rId8"/>
+    <p:sldId id="279" r:id="rId9"/>
+    <p:sldId id="274" r:id="rId10"/>
+    <p:sldId id="262" r:id="rId11"/>
+    <p:sldId id="261" r:id="rId12"/>
+    <p:sldId id="264" r:id="rId13"/>
+    <p:sldId id="265" r:id="rId14"/>
+    <p:sldId id="263" r:id="rId15"/>
+    <p:sldId id="269" r:id="rId16"/>
+    <p:sldId id="276" r:id="rId17"/>
+    <p:sldId id="275" r:id="rId18"/>
+    <p:sldId id="268" r:id="rId19"/>
+    <p:sldId id="272" r:id="rId20"/>
   </p:sldIdLst>
   <p:sldSz cx="12192000" cy="6858000"/>
   <p:notesSz cx="6858000" cy="9144000"/>
@@ -257,7 +259,7 @@
           <a:p>
             <a:fld id="{C4260AF4-58A3-4BD3-A15E-FB1E14564960}" type="datetimeFigureOut">
               <a:rPr lang="pt-BR" smtClean="0"/>
-              <a:t>04/09/2022</a:t>
+              <a:t>05/09/2022</a:t>
             </a:fld>
             <a:endParaRPr lang="pt-BR"/>
           </a:p>
@@ -299,7 +301,7 @@
           <a:p>
             <a:fld id="{C9EC80B2-1DF2-4E4B-BAB1-829225E54756}" type="slidenum">
               <a:rPr lang="pt-BR" smtClean="0"/>
-              <a:t>‹#›</a:t>
+              <a:t>‹nº›</a:t>
             </a:fld>
             <a:endParaRPr lang="pt-BR"/>
           </a:p>
@@ -425,7 +427,7 @@
           <a:p>
             <a:fld id="{C4260AF4-58A3-4BD3-A15E-FB1E14564960}" type="datetimeFigureOut">
               <a:rPr lang="pt-BR" smtClean="0"/>
-              <a:t>04/09/2022</a:t>
+              <a:t>05/09/2022</a:t>
             </a:fld>
             <a:endParaRPr lang="pt-BR"/>
           </a:p>
@@ -467,7 +469,7 @@
           <a:p>
             <a:fld id="{C9EC80B2-1DF2-4E4B-BAB1-829225E54756}" type="slidenum">
               <a:rPr lang="pt-BR" smtClean="0"/>
-              <a:t>‹#›</a:t>
+              <a:t>‹nº›</a:t>
             </a:fld>
             <a:endParaRPr lang="pt-BR"/>
           </a:p>
@@ -603,7 +605,7 @@
           <a:p>
             <a:fld id="{C4260AF4-58A3-4BD3-A15E-FB1E14564960}" type="datetimeFigureOut">
               <a:rPr lang="pt-BR" smtClean="0"/>
-              <a:t>04/09/2022</a:t>
+              <a:t>05/09/2022</a:t>
             </a:fld>
             <a:endParaRPr lang="pt-BR"/>
           </a:p>
@@ -645,7 +647,7 @@
           <a:p>
             <a:fld id="{C9EC80B2-1DF2-4E4B-BAB1-829225E54756}" type="slidenum">
               <a:rPr lang="pt-BR" smtClean="0"/>
-              <a:t>‹#›</a:t>
+              <a:t>‹nº›</a:t>
             </a:fld>
             <a:endParaRPr lang="pt-BR"/>
           </a:p>
@@ -771,7 +773,7 @@
           <a:p>
             <a:fld id="{C4260AF4-58A3-4BD3-A15E-FB1E14564960}" type="datetimeFigureOut">
               <a:rPr lang="pt-BR" smtClean="0"/>
-              <a:t>04/09/2022</a:t>
+              <a:t>05/09/2022</a:t>
             </a:fld>
             <a:endParaRPr lang="pt-BR"/>
           </a:p>
@@ -813,7 +815,7 @@
           <a:p>
             <a:fld id="{C9EC80B2-1DF2-4E4B-BAB1-829225E54756}" type="slidenum">
               <a:rPr lang="pt-BR" smtClean="0"/>
-              <a:t>‹#›</a:t>
+              <a:t>‹nº›</a:t>
             </a:fld>
             <a:endParaRPr lang="pt-BR"/>
           </a:p>
@@ -1016,7 +1018,7 @@
           <a:p>
             <a:fld id="{C4260AF4-58A3-4BD3-A15E-FB1E14564960}" type="datetimeFigureOut">
               <a:rPr lang="pt-BR" smtClean="0"/>
-              <a:t>04/09/2022</a:t>
+              <a:t>05/09/2022</a:t>
             </a:fld>
             <a:endParaRPr lang="pt-BR"/>
           </a:p>
@@ -1058,7 +1060,7 @@
           <a:p>
             <a:fld id="{C9EC80B2-1DF2-4E4B-BAB1-829225E54756}" type="slidenum">
               <a:rPr lang="pt-BR" smtClean="0"/>
-              <a:t>‹#›</a:t>
+              <a:t>‹nº›</a:t>
             </a:fld>
             <a:endParaRPr lang="pt-BR"/>
           </a:p>
@@ -1245,7 +1247,7 @@
           <a:p>
             <a:fld id="{C4260AF4-58A3-4BD3-A15E-FB1E14564960}" type="datetimeFigureOut">
               <a:rPr lang="pt-BR" smtClean="0"/>
-              <a:t>04/09/2022</a:t>
+              <a:t>05/09/2022</a:t>
             </a:fld>
             <a:endParaRPr lang="pt-BR"/>
           </a:p>
@@ -1287,7 +1289,7 @@
           <a:p>
             <a:fld id="{C9EC80B2-1DF2-4E4B-BAB1-829225E54756}" type="slidenum">
               <a:rPr lang="pt-BR" smtClean="0"/>
-              <a:t>‹#›</a:t>
+              <a:t>‹nº›</a:t>
             </a:fld>
             <a:endParaRPr lang="pt-BR"/>
           </a:p>
@@ -1609,7 +1611,7 @@
           <a:p>
             <a:fld id="{C4260AF4-58A3-4BD3-A15E-FB1E14564960}" type="datetimeFigureOut">
               <a:rPr lang="pt-BR" smtClean="0"/>
-              <a:t>04/09/2022</a:t>
+              <a:t>05/09/2022</a:t>
             </a:fld>
             <a:endParaRPr lang="pt-BR"/>
           </a:p>
@@ -1651,7 +1653,7 @@
           <a:p>
             <a:fld id="{C9EC80B2-1DF2-4E4B-BAB1-829225E54756}" type="slidenum">
               <a:rPr lang="pt-BR" smtClean="0"/>
-              <a:t>‹#›</a:t>
+              <a:t>‹nº›</a:t>
             </a:fld>
             <a:endParaRPr lang="pt-BR"/>
           </a:p>
@@ -1726,7 +1728,7 @@
           <a:p>
             <a:fld id="{C4260AF4-58A3-4BD3-A15E-FB1E14564960}" type="datetimeFigureOut">
               <a:rPr lang="pt-BR" smtClean="0"/>
-              <a:t>04/09/2022</a:t>
+              <a:t>05/09/2022</a:t>
             </a:fld>
             <a:endParaRPr lang="pt-BR"/>
           </a:p>
@@ -1768,7 +1770,7 @@
           <a:p>
             <a:fld id="{C9EC80B2-1DF2-4E4B-BAB1-829225E54756}" type="slidenum">
               <a:rPr lang="pt-BR" smtClean="0"/>
-              <a:t>‹#›</a:t>
+              <a:t>‹nº›</a:t>
             </a:fld>
             <a:endParaRPr lang="pt-BR"/>
           </a:p>
@@ -1821,7 +1823,7 @@
           <a:p>
             <a:fld id="{C4260AF4-58A3-4BD3-A15E-FB1E14564960}" type="datetimeFigureOut">
               <a:rPr lang="pt-BR" smtClean="0"/>
-              <a:t>04/09/2022</a:t>
+              <a:t>05/09/2022</a:t>
             </a:fld>
             <a:endParaRPr lang="pt-BR"/>
           </a:p>
@@ -1863,7 +1865,7 @@
           <a:p>
             <a:fld id="{C9EC80B2-1DF2-4E4B-BAB1-829225E54756}" type="slidenum">
               <a:rPr lang="pt-BR" smtClean="0"/>
-              <a:t>‹#›</a:t>
+              <a:t>‹nº›</a:t>
             </a:fld>
             <a:endParaRPr lang="pt-BR"/>
           </a:p>
@@ -2096,7 +2098,7 @@
           <a:p>
             <a:fld id="{C4260AF4-58A3-4BD3-A15E-FB1E14564960}" type="datetimeFigureOut">
               <a:rPr lang="pt-BR" smtClean="0"/>
-              <a:t>04/09/2022</a:t>
+              <a:t>05/09/2022</a:t>
             </a:fld>
             <a:endParaRPr lang="pt-BR"/>
           </a:p>
@@ -2138,7 +2140,7 @@
           <a:p>
             <a:fld id="{C9EC80B2-1DF2-4E4B-BAB1-829225E54756}" type="slidenum">
               <a:rPr lang="pt-BR" smtClean="0"/>
-              <a:t>‹#›</a:t>
+              <a:t>‹nº›</a:t>
             </a:fld>
             <a:endParaRPr lang="pt-BR"/>
           </a:p>
@@ -2348,7 +2350,7 @@
           <a:p>
             <a:fld id="{C4260AF4-58A3-4BD3-A15E-FB1E14564960}" type="datetimeFigureOut">
               <a:rPr lang="pt-BR" smtClean="0"/>
-              <a:t>04/09/2022</a:t>
+              <a:t>05/09/2022</a:t>
             </a:fld>
             <a:endParaRPr lang="pt-BR"/>
           </a:p>
@@ -2390,7 +2392,7 @@
           <a:p>
             <a:fld id="{C9EC80B2-1DF2-4E4B-BAB1-829225E54756}" type="slidenum">
               <a:rPr lang="pt-BR" smtClean="0"/>
-              <a:t>‹#›</a:t>
+              <a:t>‹nº›</a:t>
             </a:fld>
             <a:endParaRPr lang="pt-BR"/>
           </a:p>
@@ -2559,7 +2561,7 @@
           <a:p>
             <a:fld id="{C4260AF4-58A3-4BD3-A15E-FB1E14564960}" type="datetimeFigureOut">
               <a:rPr lang="pt-BR" smtClean="0"/>
-              <a:t>04/09/2022</a:t>
+              <a:t>05/09/2022</a:t>
             </a:fld>
             <a:endParaRPr lang="pt-BR"/>
           </a:p>
@@ -2637,7 +2639,7 @@
           <a:p>
             <a:fld id="{C9EC80B2-1DF2-4E4B-BAB1-829225E54756}" type="slidenum">
               <a:rPr lang="pt-BR" smtClean="0"/>
-              <a:t>‹#›</a:t>
+              <a:t>‹nº›</a:t>
             </a:fld>
             <a:endParaRPr lang="pt-BR"/>
           </a:p>
@@ -3136,29 +3138,6 @@
           </a:p>
         </p:txBody>
       </p:sp>
-      <p:pic>
-        <p:nvPicPr>
-          <p:cNvPr id="5" name="Imagem 4"/>
-          <p:cNvPicPr>
-            <a:picLocks noChangeAspect="1"/>
-          </p:cNvPicPr>
-          <p:nvPr/>
-        </p:nvPicPr>
-        <p:blipFill rotWithShape="1">
-          <a:blip r:embed="rId3"/>
-          <a:srcRect l="13166" t="30423" r="45687" b="40281"/>
-          <a:stretch/>
-        </p:blipFill>
-        <p:spPr>
-          <a:xfrm>
-            <a:off x="1127794" y="459979"/>
-            <a:ext cx="3148243" cy="1265789"/>
-          </a:xfrm>
-          <a:prstGeom prst="rect">
-            <a:avLst/>
-          </a:prstGeom>
-        </p:spPr>
-      </p:pic>
     </p:spTree>
     <p:extLst>
       <p:ext uri="{BB962C8B-B14F-4D97-AF65-F5344CB8AC3E}">
@@ -3169,6 +3148,9 @@
   <p:clrMapOvr>
     <a:masterClrMapping/>
   </p:clrMapOvr>
+  <p:transition spd="slow">
+    <p:cover/>
+  </p:transition>
 </p:sld>
 </file>
 
@@ -3189,6 +3171,52 @@
           <a:chExt cx="0" cy="0"/>
         </a:xfrm>
       </p:grpSpPr>
+      <p:pic>
+        <p:nvPicPr>
+          <p:cNvPr id="6" name="Picture 2" descr="Saiba tudo sobre tecnologia da informação e qual a sua importância – Blog  da EAD Unipar"/>
+          <p:cNvPicPr>
+            <a:picLocks noChangeAspect="1" noChangeArrowheads="1"/>
+          </p:cNvPicPr>
+          <p:nvPr/>
+        </p:nvPicPr>
+        <p:blipFill rotWithShape="1">
+          <a:blip r:embed="rId2">
+            <a:duotone>
+              <a:prstClr val="black"/>
+              <a:schemeClr val="accent5">
+                <a:tint val="45000"/>
+                <a:satMod val="400000"/>
+              </a:schemeClr>
+            </a:duotone>
+            <a:extLst>
+              <a:ext uri="{28A0092B-C50C-407E-A947-70E740481C1C}">
+                <a14:useLocalDpi xmlns:a14="http://schemas.microsoft.com/office/drawing/2010/main" val="0"/>
+              </a:ext>
+            </a:extLst>
+          </a:blip>
+          <a:srcRect l="13031" t="193" r="70788" b="-193"/>
+          <a:stretch/>
+        </p:blipFill>
+        <p:spPr bwMode="auto">
+          <a:xfrm>
+            <a:off x="9895268" y="0"/>
+            <a:ext cx="2309611" cy="6858000"/>
+          </a:xfrm>
+          <a:prstGeom prst="rect">
+            <a:avLst/>
+          </a:prstGeom>
+          <a:noFill/>
+          <a:extLst>
+            <a:ext uri="{909E8E84-426E-40DD-AFC4-6F175D3DCCD1}">
+              <a14:hiddenFill xmlns:a14="http://schemas.microsoft.com/office/drawing/2010/main">
+                <a:solidFill>
+                  <a:srgbClr val="FFFFFF"/>
+                </a:solidFill>
+              </a14:hiddenFill>
+            </a:ext>
+          </a:extLst>
+        </p:spPr>
+      </p:pic>
       <p:sp>
         <p:nvSpPr>
           <p:cNvPr id="4" name="Retângulo 3"/>
@@ -3197,8 +3225,8 @@
         </p:nvSpPr>
         <p:spPr>
           <a:xfrm>
-            <a:off x="0" y="0"/>
-            <a:ext cx="12192000" cy="1790163"/>
+            <a:off x="4688" y="0"/>
+            <a:ext cx="9890580" cy="6858000"/>
           </a:xfrm>
           <a:prstGeom prst="rect">
             <a:avLst/>
@@ -3211,6 +3239,13 @@
           <a:ln>
             <a:noFill/>
           </a:ln>
+          <a:effectLst>
+            <a:innerShdw blurRad="63500" dist="50800">
+              <a:prstClr val="black">
+                <a:alpha val="50000"/>
+              </a:prstClr>
+            </a:innerShdw>
+          </a:effectLst>
         </p:spPr>
         <p:style>
           <a:lnRef idx="2">
@@ -3239,14 +3274,14 @@
       </p:sp>
       <p:sp>
         <p:nvSpPr>
-          <p:cNvPr id="7" name="CaixaDeTexto 6"/>
+          <p:cNvPr id="5" name="CaixaDeTexto 4"/>
           <p:cNvSpPr txBox="1"/>
           <p:nvPr/>
         </p:nvSpPr>
         <p:spPr>
           <a:xfrm>
-            <a:off x="6866021" y="895081"/>
-            <a:ext cx="4634813" cy="707886"/>
+            <a:off x="6625389" y="5885645"/>
+            <a:ext cx="3269879" cy="707886"/>
           </a:xfrm>
           <a:prstGeom prst="rect">
             <a:avLst/>
@@ -3267,7 +3302,7 @@
                 <a:latin typeface="Georgia" panose="02040502050405020303" pitchFamily="18" charset="0"/>
                 <a:cs typeface="Aharoni" panose="02010803020104030203" pitchFamily="2" charset="-79"/>
               </a:rPr>
-              <a:t>Protótipo de site</a:t>
+              <a:t> User Story</a:t>
             </a:r>
           </a:p>
         </p:txBody>
@@ -3275,13 +3310,16 @@
     </p:spTree>
     <p:extLst>
       <p:ext uri="{BB962C8B-B14F-4D97-AF65-F5344CB8AC3E}">
-        <p14:creationId xmlns:p14="http://schemas.microsoft.com/office/powerpoint/2010/main" val="4137017189"/>
+        <p14:creationId xmlns:p14="http://schemas.microsoft.com/office/powerpoint/2010/main" val="1295864012"/>
       </p:ext>
     </p:extLst>
   </p:cSld>
   <p:clrMapOvr>
     <a:masterClrMapping/>
   </p:clrMapOvr>
+  <p:transition spd="med">
+    <p:pull/>
+  </p:transition>
 </p:sld>
 </file>
 
@@ -3302,6 +3340,52 @@
           <a:chExt cx="0" cy="0"/>
         </a:xfrm>
       </p:grpSpPr>
+      <p:pic>
+        <p:nvPicPr>
+          <p:cNvPr id="13314" name="Picture 2" descr="Viabilidade Jurídica | Nova Vida TI"/>
+          <p:cNvPicPr>
+            <a:picLocks noChangeAspect="1" noChangeArrowheads="1"/>
+          </p:cNvPicPr>
+          <p:nvPr/>
+        </p:nvPicPr>
+        <p:blipFill rotWithShape="1">
+          <a:blip r:embed="rId2">
+            <a:duotone>
+              <a:prstClr val="black"/>
+              <a:schemeClr val="accent5">
+                <a:tint val="45000"/>
+                <a:satMod val="400000"/>
+              </a:schemeClr>
+            </a:duotone>
+            <a:extLst>
+              <a:ext uri="{28A0092B-C50C-407E-A947-70E740481C1C}">
+                <a14:useLocalDpi xmlns:a14="http://schemas.microsoft.com/office/drawing/2010/main" val="0"/>
+              </a:ext>
+            </a:extLst>
+          </a:blip>
+          <a:srcRect r="81083"/>
+          <a:stretch/>
+        </p:blipFill>
+        <p:spPr bwMode="auto">
+          <a:xfrm>
+            <a:off x="-1" y="0"/>
+            <a:ext cx="2410918" cy="6858000"/>
+          </a:xfrm>
+          <a:prstGeom prst="rect">
+            <a:avLst/>
+          </a:prstGeom>
+          <a:noFill/>
+          <a:extLst>
+            <a:ext uri="{909E8E84-426E-40DD-AFC4-6F175D3DCCD1}">
+              <a14:hiddenFill xmlns:a14="http://schemas.microsoft.com/office/drawing/2010/main">
+                <a:solidFill>
+                  <a:srgbClr val="FFFFFF"/>
+                </a:solidFill>
+              </a14:hiddenFill>
+            </a:ext>
+          </a:extLst>
+        </p:spPr>
+      </p:pic>
       <p:sp>
         <p:nvSpPr>
           <p:cNvPr id="4" name="Retângulo 3"/>
@@ -3310,8 +3394,8 @@
         </p:nvSpPr>
         <p:spPr>
           <a:xfrm>
-            <a:off x="0" y="0"/>
-            <a:ext cx="12192000" cy="6858000"/>
+            <a:off x="2410917" y="0"/>
+            <a:ext cx="9781082" cy="6858000"/>
           </a:xfrm>
           <a:prstGeom prst="rect">
             <a:avLst/>
@@ -3325,7 +3409,7 @@
             <a:noFill/>
           </a:ln>
           <a:effectLst>
-            <a:innerShdw blurRad="63500" dist="50800" dir="8100000">
+            <a:innerShdw blurRad="63500" dist="50800" dir="10800000">
               <a:prstClr val="black">
                 <a:alpha val="50000"/>
               </a:prstClr>
@@ -3359,14 +3443,14 @@
       </p:sp>
       <p:sp>
         <p:nvSpPr>
-          <p:cNvPr id="5" name="CaixaDeTexto 4"/>
+          <p:cNvPr id="2" name="CaixaDeTexto 1"/>
           <p:cNvSpPr txBox="1"/>
           <p:nvPr/>
         </p:nvSpPr>
         <p:spPr>
           <a:xfrm>
-            <a:off x="344736" y="5298416"/>
-            <a:ext cx="5093538" cy="1323439"/>
+            <a:off x="2715717" y="5882482"/>
+            <a:ext cx="2369629" cy="707886"/>
           </a:xfrm>
           <a:prstGeom prst="rect">
             <a:avLst/>
@@ -3387,21 +3471,53 @@
                 <a:latin typeface="Georgia" panose="02040502050405020303" pitchFamily="18" charset="0"/>
                 <a:cs typeface="Aharoni" panose="02010803020104030203" pitchFamily="2" charset="-79"/>
               </a:rPr>
-              <a:t>Modelagem lógica de dados</a:t>
-            </a:r>
-          </a:p>
-        </p:txBody>
-      </p:sp>
+              <a:t>Planner</a:t>
+            </a:r>
+          </a:p>
+        </p:txBody>
+      </p:sp>
+      <p:pic>
+        <p:nvPicPr>
+          <p:cNvPr id="5" name="Imagem 4">
+            <a:extLst>
+              <a:ext uri="{FF2B5EF4-FFF2-40B4-BE49-F238E27FC236}">
+                <a16:creationId xmlns:a16="http://schemas.microsoft.com/office/drawing/2014/main" id="{ADE64BA2-AEF6-1224-7445-5C85E29B31B7}"/>
+              </a:ext>
+            </a:extLst>
+          </p:cNvPr>
+          <p:cNvPicPr>
+            <a:picLocks noChangeAspect="1"/>
+          </p:cNvPicPr>
+          <p:nvPr/>
+        </p:nvPicPr>
+        <p:blipFill rotWithShape="1">
+          <a:blip r:embed="rId3"/>
+          <a:srcRect t="6672"/>
+          <a:stretch/>
+        </p:blipFill>
+        <p:spPr>
+          <a:xfrm>
+            <a:off x="2861143" y="1393795"/>
+            <a:ext cx="8880629" cy="3819958"/>
+          </a:xfrm>
+          <a:prstGeom prst="rect">
+            <a:avLst/>
+          </a:prstGeom>
+        </p:spPr>
+      </p:pic>
     </p:spTree>
     <p:extLst>
       <p:ext uri="{BB962C8B-B14F-4D97-AF65-F5344CB8AC3E}">
-        <p14:creationId xmlns:p14="http://schemas.microsoft.com/office/powerpoint/2010/main" val="2038740508"/>
+        <p14:creationId xmlns:p14="http://schemas.microsoft.com/office/powerpoint/2010/main" val="1663349360"/>
       </p:ext>
     </p:extLst>
   </p:cSld>
   <p:clrMapOvr>
     <a:masterClrMapping/>
   </p:clrMapOvr>
+  <p:transition spd="med">
+    <p:pull/>
+  </p:transition>
 </p:sld>
 </file>
 
@@ -3430,8 +3546,8 @@
         </p:nvSpPr>
         <p:spPr>
           <a:xfrm>
-            <a:off x="0" y="5067837"/>
-            <a:ext cx="12192000" cy="1790163"/>
+            <a:off x="0" y="0"/>
+            <a:ext cx="9914021" cy="6858000"/>
           </a:xfrm>
           <a:prstGeom prst="rect">
             <a:avLst/>
@@ -3444,6 +3560,13 @@
           <a:ln>
             <a:noFill/>
           </a:ln>
+          <a:effectLst>
+            <a:innerShdw blurRad="63500" dist="50800">
+              <a:prstClr val="black">
+                <a:alpha val="50000"/>
+              </a:prstClr>
+            </a:innerShdw>
+          </a:effectLst>
         </p:spPr>
         <p:style>
           <a:lnRef idx="2">
@@ -3472,6 +3595,518 @@
       </p:sp>
       <p:sp>
         <p:nvSpPr>
+          <p:cNvPr id="5" name="CaixaDeTexto 4"/>
+          <p:cNvSpPr txBox="1"/>
+          <p:nvPr/>
+        </p:nvSpPr>
+        <p:spPr>
+          <a:xfrm>
+            <a:off x="5149517" y="5798369"/>
+            <a:ext cx="4553246" cy="707886"/>
+          </a:xfrm>
+          <a:prstGeom prst="rect">
+            <a:avLst/>
+          </a:prstGeom>
+          <a:noFill/>
+        </p:spPr>
+        <p:txBody>
+          <a:bodyPr wrap="square" rtlCol="0">
+            <a:spAutoFit/>
+          </a:bodyPr>
+          <a:lstStyle/>
+          <a:p>
+            <a:r>
+              <a:rPr lang="pt-BR" sz="4000" b="1" dirty="0">
+                <a:solidFill>
+                  <a:srgbClr val="004478"/>
+                </a:solidFill>
+                <a:latin typeface="Georgia" panose="02040502050405020303" pitchFamily="18" charset="0"/>
+                <a:cs typeface="Aharoni" panose="02010803020104030203" pitchFamily="2" charset="-79"/>
+              </a:rPr>
+              <a:t>Product Backlog</a:t>
+            </a:r>
+          </a:p>
+        </p:txBody>
+      </p:sp>
+      <p:pic>
+        <p:nvPicPr>
+          <p:cNvPr id="10242" name="Picture 2" descr="Tendências na advocacia: 10 mudanças que todo advogado precisa saber! -  Software Jurídico Software Jurídico Completo - ADVBOX"/>
+          <p:cNvPicPr>
+            <a:picLocks noChangeAspect="1" noChangeArrowheads="1"/>
+          </p:cNvPicPr>
+          <p:nvPr/>
+        </p:nvPicPr>
+        <p:blipFill rotWithShape="1">
+          <a:blip r:embed="rId2">
+            <a:duotone>
+              <a:prstClr val="black"/>
+              <a:schemeClr val="accent5">
+                <a:tint val="45000"/>
+                <a:satMod val="400000"/>
+              </a:schemeClr>
+            </a:duotone>
+            <a:extLst>
+              <a:ext uri="{28A0092B-C50C-407E-A947-70E740481C1C}">
+                <a14:useLocalDpi xmlns:a14="http://schemas.microsoft.com/office/drawing/2010/main" val="0"/>
+              </a:ext>
+            </a:extLst>
+          </a:blip>
+          <a:srcRect l="67447" t="-188" r="12035" b="188"/>
+          <a:stretch/>
+        </p:blipFill>
+        <p:spPr bwMode="auto">
+          <a:xfrm>
+            <a:off x="9914021" y="0"/>
+            <a:ext cx="2277979" cy="6862396"/>
+          </a:xfrm>
+          <a:prstGeom prst="rect">
+            <a:avLst/>
+          </a:prstGeom>
+          <a:noFill/>
+          <a:extLst>
+            <a:ext uri="{909E8E84-426E-40DD-AFC4-6F175D3DCCD1}">
+              <a14:hiddenFill xmlns:a14="http://schemas.microsoft.com/office/drawing/2010/main">
+                <a:solidFill>
+                  <a:srgbClr val="FFFFFF"/>
+                </a:solidFill>
+              </a14:hiddenFill>
+            </a:ext>
+          </a:extLst>
+        </p:spPr>
+      </p:pic>
+    </p:spTree>
+    <p:extLst>
+      <p:ext uri="{BB962C8B-B14F-4D97-AF65-F5344CB8AC3E}">
+        <p14:creationId xmlns:p14="http://schemas.microsoft.com/office/powerpoint/2010/main" val="3687702738"/>
+      </p:ext>
+    </p:extLst>
+  </p:cSld>
+  <p:clrMapOvr>
+    <a:masterClrMapping/>
+  </p:clrMapOvr>
+  <p:transition spd="med">
+    <p:pull/>
+  </p:transition>
+</p:sld>
+</file>
+
+<file path=ppt/slides/slide13.xml><?xml version="1.0" encoding="utf-8"?>
+<p:sld xmlns:a="http://schemas.openxmlformats.org/drawingml/2006/main" xmlns:r="http://schemas.openxmlformats.org/officeDocument/2006/relationships" xmlns:p="http://schemas.openxmlformats.org/presentationml/2006/main">
+  <p:cSld>
+    <p:spTree>
+      <p:nvGrpSpPr>
+        <p:cNvPr id="1" name=""/>
+        <p:cNvGrpSpPr/>
+        <p:nvPr/>
+      </p:nvGrpSpPr>
+      <p:grpSpPr>
+        <a:xfrm>
+          <a:off x="0" y="0"/>
+          <a:ext cx="0" cy="0"/>
+          <a:chOff x="0" y="0"/>
+          <a:chExt cx="0" cy="0"/>
+        </a:xfrm>
+      </p:grpSpPr>
+      <p:sp>
+        <p:nvSpPr>
+          <p:cNvPr id="4" name="Retângulo 3"/>
+          <p:cNvSpPr/>
+          <p:nvPr/>
+        </p:nvSpPr>
+        <p:spPr>
+          <a:xfrm>
+            <a:off x="0" y="0"/>
+            <a:ext cx="12192000" cy="1790163"/>
+          </a:xfrm>
+          <a:prstGeom prst="rect">
+            <a:avLst/>
+          </a:prstGeom>
+          <a:solidFill>
+            <a:schemeClr val="bg2">
+              <a:lumMod val="90000"/>
+            </a:schemeClr>
+          </a:solidFill>
+          <a:ln>
+            <a:noFill/>
+          </a:ln>
+        </p:spPr>
+        <p:style>
+          <a:lnRef idx="2">
+            <a:schemeClr val="accent1">
+              <a:shade val="50000"/>
+            </a:schemeClr>
+          </a:lnRef>
+          <a:fillRef idx="1">
+            <a:schemeClr val="accent1"/>
+          </a:fillRef>
+          <a:effectRef idx="0">
+            <a:schemeClr val="accent1"/>
+          </a:effectRef>
+          <a:fontRef idx="minor">
+            <a:schemeClr val="lt1"/>
+          </a:fontRef>
+        </p:style>
+        <p:txBody>
+          <a:bodyPr rtlCol="0" anchor="ctr"/>
+          <a:lstStyle/>
+          <a:p>
+            <a:pPr algn="ctr"/>
+            <a:endParaRPr lang="pt-BR"/>
+          </a:p>
+        </p:txBody>
+      </p:sp>
+      <p:sp>
+        <p:nvSpPr>
+          <p:cNvPr id="7" name="CaixaDeTexto 6"/>
+          <p:cNvSpPr txBox="1"/>
+          <p:nvPr/>
+        </p:nvSpPr>
+        <p:spPr>
+          <a:xfrm>
+            <a:off x="6866021" y="895081"/>
+            <a:ext cx="4634813" cy="707886"/>
+          </a:xfrm>
+          <a:prstGeom prst="rect">
+            <a:avLst/>
+          </a:prstGeom>
+          <a:noFill/>
+        </p:spPr>
+        <p:txBody>
+          <a:bodyPr wrap="square" rtlCol="0">
+            <a:spAutoFit/>
+          </a:bodyPr>
+          <a:lstStyle/>
+          <a:p>
+            <a:r>
+              <a:rPr lang="pt-BR" sz="4000" b="1" dirty="0">
+                <a:solidFill>
+                  <a:srgbClr val="004478"/>
+                </a:solidFill>
+                <a:latin typeface="Georgia" panose="02040502050405020303" pitchFamily="18" charset="0"/>
+                <a:cs typeface="Aharoni" panose="02010803020104030203" pitchFamily="2" charset="-79"/>
+              </a:rPr>
+              <a:t>Protótipo de site</a:t>
+            </a:r>
+          </a:p>
+        </p:txBody>
+      </p:sp>
+      <p:pic>
+        <p:nvPicPr>
+          <p:cNvPr id="3" name="Imagem 2">
+            <a:extLst>
+              <a:ext uri="{FF2B5EF4-FFF2-40B4-BE49-F238E27FC236}">
+                <a16:creationId xmlns:a16="http://schemas.microsoft.com/office/drawing/2014/main" id="{9145E80C-7A5E-0CCA-319B-8B28B7AFB945}"/>
+              </a:ext>
+            </a:extLst>
+          </p:cNvPr>
+          <p:cNvPicPr>
+            <a:picLocks noChangeAspect="1"/>
+          </p:cNvPicPr>
+          <p:nvPr/>
+        </p:nvPicPr>
+        <p:blipFill rotWithShape="1">
+          <a:blip r:embed="rId2"/>
+          <a:srcRect b="12330"/>
+          <a:stretch/>
+        </p:blipFill>
+        <p:spPr>
+          <a:xfrm>
+            <a:off x="0" y="1790163"/>
+            <a:ext cx="12192000" cy="5067837"/>
+          </a:xfrm>
+          <a:prstGeom prst="rect">
+            <a:avLst/>
+          </a:prstGeom>
+        </p:spPr>
+      </p:pic>
+    </p:spTree>
+    <p:extLst>
+      <p:ext uri="{BB962C8B-B14F-4D97-AF65-F5344CB8AC3E}">
+        <p14:creationId xmlns:p14="http://schemas.microsoft.com/office/powerpoint/2010/main" val="4137017189"/>
+      </p:ext>
+    </p:extLst>
+  </p:cSld>
+  <p:clrMapOvr>
+    <a:masterClrMapping/>
+  </p:clrMapOvr>
+  <p:transition spd="med">
+    <p:pull/>
+  </p:transition>
+</p:sld>
+</file>
+
+<file path=ppt/slides/slide14.xml><?xml version="1.0" encoding="utf-8"?>
+<p:sld xmlns:a="http://schemas.openxmlformats.org/drawingml/2006/main" xmlns:r="http://schemas.openxmlformats.org/officeDocument/2006/relationships" xmlns:p="http://schemas.openxmlformats.org/presentationml/2006/main">
+  <p:cSld>
+    <p:spTree>
+      <p:nvGrpSpPr>
+        <p:cNvPr id="1" name=""/>
+        <p:cNvGrpSpPr/>
+        <p:nvPr/>
+      </p:nvGrpSpPr>
+      <p:grpSpPr>
+        <a:xfrm>
+          <a:off x="0" y="0"/>
+          <a:ext cx="0" cy="0"/>
+          <a:chOff x="0" y="0"/>
+          <a:chExt cx="0" cy="0"/>
+        </a:xfrm>
+      </p:grpSpPr>
+      <p:sp>
+        <p:nvSpPr>
+          <p:cNvPr id="4" name="Retângulo 3"/>
+          <p:cNvSpPr/>
+          <p:nvPr/>
+        </p:nvSpPr>
+        <p:spPr>
+          <a:xfrm>
+            <a:off x="0" y="0"/>
+            <a:ext cx="12192000" cy="6858000"/>
+          </a:xfrm>
+          <a:prstGeom prst="rect">
+            <a:avLst/>
+          </a:prstGeom>
+          <a:solidFill>
+            <a:schemeClr val="bg2">
+              <a:lumMod val="90000"/>
+            </a:schemeClr>
+          </a:solidFill>
+          <a:ln>
+            <a:noFill/>
+          </a:ln>
+          <a:effectLst>
+            <a:innerShdw blurRad="63500" dist="50800" dir="8100000">
+              <a:prstClr val="black">
+                <a:alpha val="50000"/>
+              </a:prstClr>
+            </a:innerShdw>
+          </a:effectLst>
+        </p:spPr>
+        <p:style>
+          <a:lnRef idx="2">
+            <a:schemeClr val="accent1">
+              <a:shade val="50000"/>
+            </a:schemeClr>
+          </a:lnRef>
+          <a:fillRef idx="1">
+            <a:schemeClr val="accent1"/>
+          </a:fillRef>
+          <a:effectRef idx="0">
+            <a:schemeClr val="accent1"/>
+          </a:effectRef>
+          <a:fontRef idx="minor">
+            <a:schemeClr val="lt1"/>
+          </a:fontRef>
+        </p:style>
+        <p:txBody>
+          <a:bodyPr rtlCol="0" anchor="ctr"/>
+          <a:lstStyle/>
+          <a:p>
+            <a:pPr algn="ctr"/>
+            <a:endParaRPr lang="pt-BR"/>
+          </a:p>
+        </p:txBody>
+      </p:sp>
+      <p:sp>
+        <p:nvSpPr>
+          <p:cNvPr id="5" name="CaixaDeTexto 4"/>
+          <p:cNvSpPr txBox="1"/>
+          <p:nvPr/>
+        </p:nvSpPr>
+        <p:spPr>
+          <a:xfrm>
+            <a:off x="344736" y="5458216"/>
+            <a:ext cx="5093538" cy="1323439"/>
+          </a:xfrm>
+          <a:prstGeom prst="rect">
+            <a:avLst/>
+          </a:prstGeom>
+          <a:noFill/>
+        </p:spPr>
+        <p:txBody>
+          <a:bodyPr wrap="square" rtlCol="0">
+            <a:spAutoFit/>
+          </a:bodyPr>
+          <a:lstStyle/>
+          <a:p>
+            <a:r>
+              <a:rPr lang="pt-BR" sz="4000" b="1" dirty="0">
+                <a:solidFill>
+                  <a:srgbClr val="004478"/>
+                </a:solidFill>
+                <a:latin typeface="Georgia" panose="02040502050405020303" pitchFamily="18" charset="0"/>
+                <a:cs typeface="Aharoni" panose="02010803020104030203" pitchFamily="2" charset="-79"/>
+              </a:rPr>
+              <a:t>Modelagem lógica de dados</a:t>
+            </a:r>
+          </a:p>
+        </p:txBody>
+      </p:sp>
+      <p:pic>
+        <p:nvPicPr>
+          <p:cNvPr id="3" name="Imagem 2">
+            <a:extLst>
+              <a:ext uri="{FF2B5EF4-FFF2-40B4-BE49-F238E27FC236}">
+                <a16:creationId xmlns:a16="http://schemas.microsoft.com/office/drawing/2014/main" id="{C9AFDD5D-77F9-4EEE-6535-732AAF8E67FE}"/>
+              </a:ext>
+            </a:extLst>
+          </p:cNvPr>
+          <p:cNvPicPr>
+            <a:picLocks noChangeAspect="1"/>
+          </p:cNvPicPr>
+          <p:nvPr/>
+        </p:nvPicPr>
+        <p:blipFill>
+          <a:blip r:embed="rId2"/>
+          <a:stretch>
+            <a:fillRect/>
+          </a:stretch>
+        </p:blipFill>
+        <p:spPr>
+          <a:xfrm>
+            <a:off x="2290975" y="250590"/>
+            <a:ext cx="7323541" cy="5145482"/>
+          </a:xfrm>
+          <a:prstGeom prst="rect">
+            <a:avLst/>
+          </a:prstGeom>
+        </p:spPr>
+      </p:pic>
+    </p:spTree>
+    <p:extLst>
+      <p:ext uri="{BB962C8B-B14F-4D97-AF65-F5344CB8AC3E}">
+        <p14:creationId xmlns:p14="http://schemas.microsoft.com/office/powerpoint/2010/main" val="2038740508"/>
+      </p:ext>
+    </p:extLst>
+  </p:cSld>
+  <p:clrMapOvr>
+    <a:masterClrMapping/>
+  </p:clrMapOvr>
+  <p:transition spd="med">
+    <p:pull/>
+  </p:transition>
+</p:sld>
+</file>
+
+<file path=ppt/slides/slide15.xml><?xml version="1.0" encoding="utf-8"?>
+<p:sld xmlns:a="http://schemas.openxmlformats.org/drawingml/2006/main" xmlns:r="http://schemas.openxmlformats.org/officeDocument/2006/relationships" xmlns:p="http://schemas.openxmlformats.org/presentationml/2006/main">
+  <p:cSld>
+    <p:spTree>
+      <p:nvGrpSpPr>
+        <p:cNvPr id="1" name=""/>
+        <p:cNvGrpSpPr/>
+        <p:nvPr/>
+      </p:nvGrpSpPr>
+      <p:grpSpPr>
+        <a:xfrm>
+          <a:off x="0" y="0"/>
+          <a:ext cx="0" cy="0"/>
+          <a:chOff x="0" y="0"/>
+          <a:chExt cx="0" cy="0"/>
+        </a:xfrm>
+      </p:grpSpPr>
+      <p:sp>
+        <p:nvSpPr>
+          <p:cNvPr id="2" name="Retângulo 1">
+            <a:extLst>
+              <a:ext uri="{FF2B5EF4-FFF2-40B4-BE49-F238E27FC236}">
+                <a16:creationId xmlns:a16="http://schemas.microsoft.com/office/drawing/2014/main" id="{FBED525D-EEDE-D1F5-F0DE-54686BF9ECDC}"/>
+              </a:ext>
+            </a:extLst>
+          </p:cNvPr>
+          <p:cNvSpPr/>
+          <p:nvPr/>
+        </p:nvSpPr>
+        <p:spPr>
+          <a:xfrm>
+            <a:off x="0" y="0"/>
+            <a:ext cx="12192000" cy="5149049"/>
+          </a:xfrm>
+          <a:prstGeom prst="rect">
+            <a:avLst/>
+          </a:prstGeom>
+          <a:solidFill>
+            <a:srgbClr val="004478"/>
+          </a:solidFill>
+          <a:ln>
+            <a:noFill/>
+          </a:ln>
+        </p:spPr>
+        <p:style>
+          <a:lnRef idx="2">
+            <a:schemeClr val="accent1">
+              <a:shade val="50000"/>
+            </a:schemeClr>
+          </a:lnRef>
+          <a:fillRef idx="1">
+            <a:schemeClr val="accent1"/>
+          </a:fillRef>
+          <a:effectRef idx="0">
+            <a:schemeClr val="accent1"/>
+          </a:effectRef>
+          <a:fontRef idx="minor">
+            <a:schemeClr val="lt1"/>
+          </a:fontRef>
+        </p:style>
+        <p:txBody>
+          <a:bodyPr rtlCol="0" anchor="ctr"/>
+          <a:lstStyle/>
+          <a:p>
+            <a:pPr algn="ctr"/>
+            <a:endParaRPr lang="pt-BR"/>
+          </a:p>
+        </p:txBody>
+      </p:sp>
+      <p:sp>
+        <p:nvSpPr>
+          <p:cNvPr id="4" name="Retângulo 3"/>
+          <p:cNvSpPr/>
+          <p:nvPr/>
+        </p:nvSpPr>
+        <p:spPr>
+          <a:xfrm>
+            <a:off x="0" y="5067837"/>
+            <a:ext cx="12192000" cy="1790163"/>
+          </a:xfrm>
+          <a:prstGeom prst="rect">
+            <a:avLst/>
+          </a:prstGeom>
+          <a:solidFill>
+            <a:schemeClr val="bg2">
+              <a:lumMod val="90000"/>
+            </a:schemeClr>
+          </a:solidFill>
+          <a:ln>
+            <a:noFill/>
+          </a:ln>
+        </p:spPr>
+        <p:style>
+          <a:lnRef idx="2">
+            <a:schemeClr val="accent1">
+              <a:shade val="50000"/>
+            </a:schemeClr>
+          </a:lnRef>
+          <a:fillRef idx="1">
+            <a:schemeClr val="accent1"/>
+          </a:fillRef>
+          <a:effectRef idx="0">
+            <a:schemeClr val="accent1"/>
+          </a:effectRef>
+          <a:fontRef idx="minor">
+            <a:schemeClr val="lt1"/>
+          </a:fontRef>
+        </p:style>
+        <p:txBody>
+          <a:bodyPr rtlCol="0" anchor="ctr"/>
+          <a:lstStyle/>
+          <a:p>
+            <a:pPr algn="ctr"/>
+            <a:endParaRPr lang="pt-BR"/>
+          </a:p>
+        </p:txBody>
+      </p:sp>
+      <p:sp>
+        <p:nvSpPr>
           <p:cNvPr id="7" name="CaixaDeTexto 6"/>
           <p:cNvSpPr txBox="1"/>
           <p:nvPr/>
@@ -3505,6 +4140,53 @@
           </a:p>
         </p:txBody>
       </p:sp>
+      <p:pic>
+        <p:nvPicPr>
+          <p:cNvPr id="3074" name="Picture 2" descr="Linux Logo – PNG e Vetor – Download de Logo">
+            <a:extLst>
+              <a:ext uri="{FF2B5EF4-FFF2-40B4-BE49-F238E27FC236}">
+                <a16:creationId xmlns:a16="http://schemas.microsoft.com/office/drawing/2014/main" id="{E143C23B-5567-A46A-C873-F5E5F2278A16}"/>
+              </a:ext>
+            </a:extLst>
+          </p:cNvPr>
+          <p:cNvPicPr>
+            <a:picLocks noChangeAspect="1" noChangeArrowheads="1"/>
+          </p:cNvPicPr>
+          <p:nvPr/>
+        </p:nvPicPr>
+        <p:blipFill>
+          <a:blip r:embed="rId2" cstate="print">
+            <a:extLst>
+              <a:ext uri="{28A0092B-C50C-407E-A947-70E740481C1C}">
+                <a14:useLocalDpi xmlns:a14="http://schemas.microsoft.com/office/drawing/2010/main" val="0"/>
+              </a:ext>
+            </a:extLst>
+          </a:blip>
+          <a:srcRect/>
+          <a:stretch>
+            <a:fillRect/>
+          </a:stretch>
+        </p:blipFill>
+        <p:spPr bwMode="auto">
+          <a:xfrm>
+            <a:off x="2101048" y="1377473"/>
+            <a:ext cx="7989903" cy="2840161"/>
+          </a:xfrm>
+          <a:prstGeom prst="rect">
+            <a:avLst/>
+          </a:prstGeom>
+          <a:noFill/>
+          <a:extLst>
+            <a:ext uri="{909E8E84-426E-40DD-AFC4-6F175D3DCCD1}">
+              <a14:hiddenFill xmlns:a14="http://schemas.microsoft.com/office/drawing/2010/main">
+                <a:solidFill>
+                  <a:srgbClr val="FFFFFF"/>
+                </a:solidFill>
+              </a14:hiddenFill>
+            </a:ext>
+          </a:extLst>
+        </p:spPr>
+      </p:pic>
     </p:spTree>
     <p:extLst>
       <p:ext uri="{BB962C8B-B14F-4D97-AF65-F5344CB8AC3E}">
@@ -3515,10 +4197,13 @@
   <p:clrMapOvr>
     <a:masterClrMapping/>
   </p:clrMapOvr>
+  <p:transition spd="med">
+    <p:pull/>
+  </p:transition>
 </p:sld>
 </file>
 
-<file path=ppt/slides/slide13.xml><?xml version="1.0" encoding="utf-8"?>
+<file path=ppt/slides/slide16.xml><?xml version="1.0" encoding="utf-8"?>
 <p:sld xmlns:a="http://schemas.openxmlformats.org/drawingml/2006/main" xmlns:r="http://schemas.openxmlformats.org/officeDocument/2006/relationships" xmlns:p="http://schemas.openxmlformats.org/presentationml/2006/main">
   <p:cSld>
     <p:spTree>
@@ -3681,123 +4366,13 @@
   <p:clrMapOvr>
     <a:masterClrMapping/>
   </p:clrMapOvr>
+  <p:transition spd="med">
+    <p:pull/>
+  </p:transition>
 </p:sld>
 </file>
 
-<file path=ppt/slides/slide14.xml><?xml version="1.0" encoding="utf-8"?>
-<p:sld xmlns:a="http://schemas.openxmlformats.org/drawingml/2006/main" xmlns:r="http://schemas.openxmlformats.org/officeDocument/2006/relationships" xmlns:p="http://schemas.openxmlformats.org/presentationml/2006/main">
-  <p:cSld>
-    <p:spTree>
-      <p:nvGrpSpPr>
-        <p:cNvPr id="1" name=""/>
-        <p:cNvGrpSpPr/>
-        <p:nvPr/>
-      </p:nvGrpSpPr>
-      <p:grpSpPr>
-        <a:xfrm>
-          <a:off x="0" y="0"/>
-          <a:ext cx="0" cy="0"/>
-          <a:chOff x="0" y="0"/>
-          <a:chExt cx="0" cy="0"/>
-        </a:xfrm>
-      </p:grpSpPr>
-      <p:sp>
-        <p:nvSpPr>
-          <p:cNvPr id="4" name="Retângulo 3"/>
-          <p:cNvSpPr/>
-          <p:nvPr/>
-        </p:nvSpPr>
-        <p:spPr>
-          <a:xfrm>
-            <a:off x="0" y="5083879"/>
-            <a:ext cx="12192000" cy="1790163"/>
-          </a:xfrm>
-          <a:prstGeom prst="rect">
-            <a:avLst/>
-          </a:prstGeom>
-          <a:solidFill>
-            <a:schemeClr val="bg2">
-              <a:lumMod val="90000"/>
-            </a:schemeClr>
-          </a:solidFill>
-          <a:ln>
-            <a:noFill/>
-          </a:ln>
-        </p:spPr>
-        <p:style>
-          <a:lnRef idx="2">
-            <a:schemeClr val="accent1">
-              <a:shade val="50000"/>
-            </a:schemeClr>
-          </a:lnRef>
-          <a:fillRef idx="1">
-            <a:schemeClr val="accent1"/>
-          </a:fillRef>
-          <a:effectRef idx="0">
-            <a:schemeClr val="accent1"/>
-          </a:effectRef>
-          <a:fontRef idx="minor">
-            <a:schemeClr val="lt1"/>
-          </a:fontRef>
-        </p:style>
-        <p:txBody>
-          <a:bodyPr rtlCol="0" anchor="ctr"/>
-          <a:lstStyle/>
-          <a:p>
-            <a:pPr algn="ctr"/>
-            <a:endParaRPr lang="pt-BR"/>
-          </a:p>
-        </p:txBody>
-      </p:sp>
-      <p:sp>
-        <p:nvSpPr>
-          <p:cNvPr id="7" name="CaixaDeTexto 6"/>
-          <p:cNvSpPr txBox="1"/>
-          <p:nvPr/>
-        </p:nvSpPr>
-        <p:spPr>
-          <a:xfrm>
-            <a:off x="7469746" y="5962918"/>
-            <a:ext cx="4056845" cy="707886"/>
-          </a:xfrm>
-          <a:prstGeom prst="rect">
-            <a:avLst/>
-          </a:prstGeom>
-          <a:noFill/>
-        </p:spPr>
-        <p:txBody>
-          <a:bodyPr wrap="square" rtlCol="0">
-            <a:spAutoFit/>
-          </a:bodyPr>
-          <a:lstStyle/>
-          <a:p>
-            <a:r>
-              <a:rPr lang="pt-BR" sz="4000" b="1" dirty="0">
-                <a:solidFill>
-                  <a:srgbClr val="004478"/>
-                </a:solidFill>
-                <a:latin typeface="Georgia" panose="02040502050405020303" pitchFamily="18" charset="0"/>
-                <a:cs typeface="Aharoni" panose="02010803020104030203" pitchFamily="2" charset="-79"/>
-              </a:rPr>
-              <a:t>Slack + Pipefy</a:t>
-            </a:r>
-          </a:p>
-        </p:txBody>
-      </p:sp>
-    </p:spTree>
-    <p:extLst>
-      <p:ext uri="{BB962C8B-B14F-4D97-AF65-F5344CB8AC3E}">
-        <p14:creationId xmlns:p14="http://schemas.microsoft.com/office/powerpoint/2010/main" val="3692893660"/>
-      </p:ext>
-    </p:extLst>
-  </p:cSld>
-  <p:clrMapOvr>
-    <a:masterClrMapping/>
-  </p:clrMapOvr>
-</p:sld>
-</file>
-
-<file path=ppt/slides/slide15.xml><?xml version="1.0" encoding="utf-8"?>
+<file path=ppt/slides/slide17.xml><?xml version="1.0" encoding="utf-8"?>
 <p:sld xmlns:a="http://schemas.openxmlformats.org/drawingml/2006/main" xmlns:r="http://schemas.openxmlformats.org/officeDocument/2006/relationships" xmlns:p="http://schemas.openxmlformats.org/presentationml/2006/main">
   <p:cSld>
     <p:spTree>
@@ -3960,10 +4535,13 @@
   <p:clrMapOvr>
     <a:masterClrMapping/>
   </p:clrMapOvr>
+  <p:transition spd="med">
+    <p:pull/>
+  </p:transition>
 </p:sld>
 </file>
 
-<file path=ppt/slides/slide16.xml><?xml version="1.0" encoding="utf-8"?>
+<file path=ppt/slides/slide18.xml><?xml version="1.0" encoding="utf-8"?>
 <p:sld xmlns:a="http://schemas.openxmlformats.org/drawingml/2006/main" xmlns:r="http://schemas.openxmlformats.org/officeDocument/2006/relationships" xmlns:p="http://schemas.openxmlformats.org/presentationml/2006/main">
   <p:cSld>
     <p:spTree>
@@ -4126,10 +4704,13 @@
   <p:clrMapOvr>
     <a:masterClrMapping/>
   </p:clrMapOvr>
+  <p:transition spd="slow">
+    <p:push dir="u"/>
+  </p:transition>
 </p:sld>
 </file>
 
-<file path=ppt/slides/slide17.xml><?xml version="1.0" encoding="utf-8"?>
+<file path=ppt/slides/slide19.xml><?xml version="1.0" encoding="utf-8"?>
 <p:sld xmlns:a="http://schemas.openxmlformats.org/drawingml/2006/main" xmlns:r="http://schemas.openxmlformats.org/officeDocument/2006/relationships" xmlns:p="http://schemas.openxmlformats.org/presentationml/2006/main">
   <p:cSld>
     <p:spTree>
@@ -4293,6 +4874,9 @@
   <p:clrMapOvr>
     <a:masterClrMapping/>
   </p:clrMapOvr>
+  <p:transition spd="slow">
+    <p:push dir="u"/>
+  </p:transition>
 </p:sld>
 </file>
 
@@ -4444,8 +5028,787 @@
                 <a:latin typeface="Georgia" panose="02040502050405020303" pitchFamily="18" charset="0"/>
                 <a:cs typeface="Aharoni" panose="02010803020104030203" pitchFamily="2" charset="-79"/>
               </a:rPr>
-              <a:t>Introdução</a:t>
-            </a:r>
+              <a:t>Contexto</a:t>
+            </a:r>
+          </a:p>
+        </p:txBody>
+      </p:sp>
+      <p:sp>
+        <p:nvSpPr>
+          <p:cNvPr id="2" name="Oval 1">
+            <a:extLst>
+              <a:ext uri="{FF2B5EF4-FFF2-40B4-BE49-F238E27FC236}">
+                <a16:creationId xmlns:a16="http://schemas.microsoft.com/office/drawing/2014/main" id="{2E005A3A-2F77-D4C7-85AD-6F39F6B14397}"/>
+              </a:ext>
+            </a:extLst>
+          </p:cNvPr>
+          <p:cNvSpPr/>
+          <p:nvPr/>
+        </p:nvSpPr>
+        <p:spPr>
+          <a:xfrm>
+            <a:off x="892466" y="553530"/>
+            <a:ext cx="2817961" cy="2746074"/>
+          </a:xfrm>
+          <a:prstGeom prst="ellipse">
+            <a:avLst/>
+          </a:prstGeom>
+          <a:solidFill>
+            <a:srgbClr val="004478"/>
+          </a:solidFill>
+          <a:ln>
+            <a:noFill/>
+          </a:ln>
+        </p:spPr>
+        <p:style>
+          <a:lnRef idx="2">
+            <a:schemeClr val="accent1">
+              <a:shade val="50000"/>
+            </a:schemeClr>
+          </a:lnRef>
+          <a:fillRef idx="1">
+            <a:schemeClr val="accent1"/>
+          </a:fillRef>
+          <a:effectRef idx="0">
+            <a:schemeClr val="accent1"/>
+          </a:effectRef>
+          <a:fontRef idx="minor">
+            <a:schemeClr val="lt1"/>
+          </a:fontRef>
+        </p:style>
+        <p:txBody>
+          <a:bodyPr rtlCol="0" anchor="ctr"/>
+          <a:lstStyle>
+            <a:defPPr>
+              <a:defRPr lang="pt-BR"/>
+            </a:defPPr>
+            <a:lvl1pPr marL="0" algn="l" defTabSz="914400" rtl="0" eaLnBrk="1" latinLnBrk="0" hangingPunct="1">
+              <a:defRPr sz="1800" kern="1200">
+                <a:solidFill>
+                  <a:schemeClr val="lt1"/>
+                </a:solidFill>
+                <a:latin typeface="+mn-lt"/>
+                <a:ea typeface="+mn-ea"/>
+                <a:cs typeface="+mn-cs"/>
+              </a:defRPr>
+            </a:lvl1pPr>
+            <a:lvl2pPr marL="457200" algn="l" defTabSz="914400" rtl="0" eaLnBrk="1" latinLnBrk="0" hangingPunct="1">
+              <a:defRPr sz="1800" kern="1200">
+                <a:solidFill>
+                  <a:schemeClr val="lt1"/>
+                </a:solidFill>
+                <a:latin typeface="+mn-lt"/>
+                <a:ea typeface="+mn-ea"/>
+                <a:cs typeface="+mn-cs"/>
+              </a:defRPr>
+            </a:lvl2pPr>
+            <a:lvl3pPr marL="914400" algn="l" defTabSz="914400" rtl="0" eaLnBrk="1" latinLnBrk="0" hangingPunct="1">
+              <a:defRPr sz="1800" kern="1200">
+                <a:solidFill>
+                  <a:schemeClr val="lt1"/>
+                </a:solidFill>
+                <a:latin typeface="+mn-lt"/>
+                <a:ea typeface="+mn-ea"/>
+                <a:cs typeface="+mn-cs"/>
+              </a:defRPr>
+            </a:lvl3pPr>
+            <a:lvl4pPr marL="1371600" algn="l" defTabSz="914400" rtl="0" eaLnBrk="1" latinLnBrk="0" hangingPunct="1">
+              <a:defRPr sz="1800" kern="1200">
+                <a:solidFill>
+                  <a:schemeClr val="lt1"/>
+                </a:solidFill>
+                <a:latin typeface="+mn-lt"/>
+                <a:ea typeface="+mn-ea"/>
+                <a:cs typeface="+mn-cs"/>
+              </a:defRPr>
+            </a:lvl4pPr>
+            <a:lvl5pPr marL="1828800" algn="l" defTabSz="914400" rtl="0" eaLnBrk="1" latinLnBrk="0" hangingPunct="1">
+              <a:defRPr sz="1800" kern="1200">
+                <a:solidFill>
+                  <a:schemeClr val="lt1"/>
+                </a:solidFill>
+                <a:latin typeface="+mn-lt"/>
+                <a:ea typeface="+mn-ea"/>
+                <a:cs typeface="+mn-cs"/>
+              </a:defRPr>
+            </a:lvl5pPr>
+            <a:lvl6pPr marL="2286000" algn="l" defTabSz="914400" rtl="0" eaLnBrk="1" latinLnBrk="0" hangingPunct="1">
+              <a:defRPr sz="1800" kern="1200">
+                <a:solidFill>
+                  <a:schemeClr val="lt1"/>
+                </a:solidFill>
+                <a:latin typeface="+mn-lt"/>
+                <a:ea typeface="+mn-ea"/>
+                <a:cs typeface="+mn-cs"/>
+              </a:defRPr>
+            </a:lvl6pPr>
+            <a:lvl7pPr marL="2743200" algn="l" defTabSz="914400" rtl="0" eaLnBrk="1" latinLnBrk="0" hangingPunct="1">
+              <a:defRPr sz="1800" kern="1200">
+                <a:solidFill>
+                  <a:schemeClr val="lt1"/>
+                </a:solidFill>
+                <a:latin typeface="+mn-lt"/>
+                <a:ea typeface="+mn-ea"/>
+                <a:cs typeface="+mn-cs"/>
+              </a:defRPr>
+            </a:lvl7pPr>
+            <a:lvl8pPr marL="3200400" algn="l" defTabSz="914400" rtl="0" eaLnBrk="1" latinLnBrk="0" hangingPunct="1">
+              <a:defRPr sz="1800" kern="1200">
+                <a:solidFill>
+                  <a:schemeClr val="lt1"/>
+                </a:solidFill>
+                <a:latin typeface="+mn-lt"/>
+                <a:ea typeface="+mn-ea"/>
+                <a:cs typeface="+mn-cs"/>
+              </a:defRPr>
+            </a:lvl8pPr>
+            <a:lvl9pPr marL="3657600" algn="l" defTabSz="914400" rtl="0" eaLnBrk="1" latinLnBrk="0" hangingPunct="1">
+              <a:defRPr sz="1800" kern="1200">
+                <a:solidFill>
+                  <a:schemeClr val="lt1"/>
+                </a:solidFill>
+                <a:latin typeface="+mn-lt"/>
+                <a:ea typeface="+mn-ea"/>
+                <a:cs typeface="+mn-cs"/>
+              </a:defRPr>
+            </a:lvl9pPr>
+          </a:lstStyle>
+          <a:p>
+            <a:pPr algn="ctr"/>
+            <a:r>
+              <a:rPr lang="en-US" sz="2400" dirty="0">
+                <a:latin typeface="Georgia"/>
+                <a:ea typeface="Calibri"/>
+                <a:cs typeface="Calibri"/>
+              </a:rPr>
+              <a:t>Necessidade de mercado</a:t>
+            </a:r>
+          </a:p>
+        </p:txBody>
+      </p:sp>
+      <p:sp>
+        <p:nvSpPr>
+          <p:cNvPr id="3" name="Oval 2">
+            <a:extLst>
+              <a:ext uri="{FF2B5EF4-FFF2-40B4-BE49-F238E27FC236}">
+                <a16:creationId xmlns:a16="http://schemas.microsoft.com/office/drawing/2014/main" id="{959A2C9B-371B-A7B2-5B29-731FEFCD6AE5}"/>
+              </a:ext>
+            </a:extLst>
+          </p:cNvPr>
+          <p:cNvSpPr/>
+          <p:nvPr/>
+        </p:nvSpPr>
+        <p:spPr>
+          <a:xfrm>
+            <a:off x="4012353" y="553529"/>
+            <a:ext cx="2817961" cy="2746074"/>
+          </a:xfrm>
+          <a:prstGeom prst="ellipse">
+            <a:avLst/>
+          </a:prstGeom>
+          <a:solidFill>
+            <a:srgbClr val="004478"/>
+          </a:solidFill>
+          <a:ln>
+            <a:noFill/>
+          </a:ln>
+        </p:spPr>
+        <p:style>
+          <a:lnRef idx="2">
+            <a:schemeClr val="accent1">
+              <a:shade val="50000"/>
+            </a:schemeClr>
+          </a:lnRef>
+          <a:fillRef idx="1">
+            <a:schemeClr val="accent1"/>
+          </a:fillRef>
+          <a:effectRef idx="0">
+            <a:schemeClr val="accent1"/>
+          </a:effectRef>
+          <a:fontRef idx="minor">
+            <a:schemeClr val="lt1"/>
+          </a:fontRef>
+        </p:style>
+        <p:txBody>
+          <a:bodyPr lIns="91440" tIns="45720" rIns="91440" bIns="45720" rtlCol="0" anchor="ctr"/>
+          <a:lstStyle>
+            <a:defPPr>
+              <a:defRPr lang="pt-BR"/>
+            </a:defPPr>
+            <a:lvl1pPr marL="0" algn="l" defTabSz="914400" rtl="0" eaLnBrk="1" latinLnBrk="0" hangingPunct="1">
+              <a:defRPr sz="1800" kern="1200">
+                <a:solidFill>
+                  <a:schemeClr val="lt1"/>
+                </a:solidFill>
+                <a:latin typeface="+mn-lt"/>
+                <a:ea typeface="+mn-ea"/>
+                <a:cs typeface="+mn-cs"/>
+              </a:defRPr>
+            </a:lvl1pPr>
+            <a:lvl2pPr marL="457200" algn="l" defTabSz="914400" rtl="0" eaLnBrk="1" latinLnBrk="0" hangingPunct="1">
+              <a:defRPr sz="1800" kern="1200">
+                <a:solidFill>
+                  <a:schemeClr val="lt1"/>
+                </a:solidFill>
+                <a:latin typeface="+mn-lt"/>
+                <a:ea typeface="+mn-ea"/>
+                <a:cs typeface="+mn-cs"/>
+              </a:defRPr>
+            </a:lvl2pPr>
+            <a:lvl3pPr marL="914400" algn="l" defTabSz="914400" rtl="0" eaLnBrk="1" latinLnBrk="0" hangingPunct="1">
+              <a:defRPr sz="1800" kern="1200">
+                <a:solidFill>
+                  <a:schemeClr val="lt1"/>
+                </a:solidFill>
+                <a:latin typeface="+mn-lt"/>
+                <a:ea typeface="+mn-ea"/>
+                <a:cs typeface="+mn-cs"/>
+              </a:defRPr>
+            </a:lvl3pPr>
+            <a:lvl4pPr marL="1371600" algn="l" defTabSz="914400" rtl="0" eaLnBrk="1" latinLnBrk="0" hangingPunct="1">
+              <a:defRPr sz="1800" kern="1200">
+                <a:solidFill>
+                  <a:schemeClr val="lt1"/>
+                </a:solidFill>
+                <a:latin typeface="+mn-lt"/>
+                <a:ea typeface="+mn-ea"/>
+                <a:cs typeface="+mn-cs"/>
+              </a:defRPr>
+            </a:lvl4pPr>
+            <a:lvl5pPr marL="1828800" algn="l" defTabSz="914400" rtl="0" eaLnBrk="1" latinLnBrk="0" hangingPunct="1">
+              <a:defRPr sz="1800" kern="1200">
+                <a:solidFill>
+                  <a:schemeClr val="lt1"/>
+                </a:solidFill>
+                <a:latin typeface="+mn-lt"/>
+                <a:ea typeface="+mn-ea"/>
+                <a:cs typeface="+mn-cs"/>
+              </a:defRPr>
+            </a:lvl5pPr>
+            <a:lvl6pPr marL="2286000" algn="l" defTabSz="914400" rtl="0" eaLnBrk="1" latinLnBrk="0" hangingPunct="1">
+              <a:defRPr sz="1800" kern="1200">
+                <a:solidFill>
+                  <a:schemeClr val="lt1"/>
+                </a:solidFill>
+                <a:latin typeface="+mn-lt"/>
+                <a:ea typeface="+mn-ea"/>
+                <a:cs typeface="+mn-cs"/>
+              </a:defRPr>
+            </a:lvl6pPr>
+            <a:lvl7pPr marL="2743200" algn="l" defTabSz="914400" rtl="0" eaLnBrk="1" latinLnBrk="0" hangingPunct="1">
+              <a:defRPr sz="1800" kern="1200">
+                <a:solidFill>
+                  <a:schemeClr val="lt1"/>
+                </a:solidFill>
+                <a:latin typeface="+mn-lt"/>
+                <a:ea typeface="+mn-ea"/>
+                <a:cs typeface="+mn-cs"/>
+              </a:defRPr>
+            </a:lvl7pPr>
+            <a:lvl8pPr marL="3200400" algn="l" defTabSz="914400" rtl="0" eaLnBrk="1" latinLnBrk="0" hangingPunct="1">
+              <a:defRPr sz="1800" kern="1200">
+                <a:solidFill>
+                  <a:schemeClr val="lt1"/>
+                </a:solidFill>
+                <a:latin typeface="+mn-lt"/>
+                <a:ea typeface="+mn-ea"/>
+                <a:cs typeface="+mn-cs"/>
+              </a:defRPr>
+            </a:lvl8pPr>
+            <a:lvl9pPr marL="3657600" algn="l" defTabSz="914400" rtl="0" eaLnBrk="1" latinLnBrk="0" hangingPunct="1">
+              <a:defRPr sz="1800" kern="1200">
+                <a:solidFill>
+                  <a:schemeClr val="lt1"/>
+                </a:solidFill>
+                <a:latin typeface="+mn-lt"/>
+                <a:ea typeface="+mn-ea"/>
+                <a:cs typeface="+mn-cs"/>
+              </a:defRPr>
+            </a:lvl9pPr>
+          </a:lstStyle>
+          <a:p>
+            <a:pPr algn="ctr"/>
+            <a:r>
+              <a:rPr lang="en-US" sz="2400" dirty="0">
+                <a:latin typeface="Georgia"/>
+                <a:ea typeface="Calibri"/>
+                <a:cs typeface="Calibri"/>
+              </a:rPr>
+              <a:t>Pandemia de Covid-19</a:t>
+            </a:r>
+            <a:endParaRPr lang="en-US" sz="2400" dirty="0">
+              <a:latin typeface="Georgia"/>
+            </a:endParaRPr>
+          </a:p>
+        </p:txBody>
+      </p:sp>
+      <p:sp>
+        <p:nvSpPr>
+          <p:cNvPr id="6" name="Oval 3">
+            <a:extLst>
+              <a:ext uri="{FF2B5EF4-FFF2-40B4-BE49-F238E27FC236}">
+                <a16:creationId xmlns:a16="http://schemas.microsoft.com/office/drawing/2014/main" id="{44BA1CF4-357A-8409-6438-BE1A7A7EE53C}"/>
+              </a:ext>
+            </a:extLst>
+          </p:cNvPr>
+          <p:cNvSpPr/>
+          <p:nvPr/>
+        </p:nvSpPr>
+        <p:spPr>
+          <a:xfrm>
+            <a:off x="6830315" y="2178170"/>
+            <a:ext cx="2817961" cy="2746074"/>
+          </a:xfrm>
+          <a:prstGeom prst="ellipse">
+            <a:avLst/>
+          </a:prstGeom>
+          <a:solidFill>
+            <a:srgbClr val="004478"/>
+          </a:solidFill>
+          <a:ln>
+            <a:noFill/>
+          </a:ln>
+        </p:spPr>
+        <p:style>
+          <a:lnRef idx="2">
+            <a:schemeClr val="accent1">
+              <a:shade val="50000"/>
+            </a:schemeClr>
+          </a:lnRef>
+          <a:fillRef idx="1">
+            <a:schemeClr val="accent1"/>
+          </a:fillRef>
+          <a:effectRef idx="0">
+            <a:schemeClr val="accent1"/>
+          </a:effectRef>
+          <a:fontRef idx="minor">
+            <a:schemeClr val="lt1"/>
+          </a:fontRef>
+        </p:style>
+        <p:txBody>
+          <a:bodyPr lIns="91440" tIns="45720" rIns="91440" bIns="45720" rtlCol="0" anchor="ctr"/>
+          <a:lstStyle>
+            <a:defPPr>
+              <a:defRPr lang="pt-BR"/>
+            </a:defPPr>
+            <a:lvl1pPr marL="0" algn="l" defTabSz="914400" rtl="0" eaLnBrk="1" latinLnBrk="0" hangingPunct="1">
+              <a:defRPr sz="1800" kern="1200">
+                <a:solidFill>
+                  <a:schemeClr val="lt1"/>
+                </a:solidFill>
+                <a:latin typeface="+mn-lt"/>
+                <a:ea typeface="+mn-ea"/>
+                <a:cs typeface="+mn-cs"/>
+              </a:defRPr>
+            </a:lvl1pPr>
+            <a:lvl2pPr marL="457200" algn="l" defTabSz="914400" rtl="0" eaLnBrk="1" latinLnBrk="0" hangingPunct="1">
+              <a:defRPr sz="1800" kern="1200">
+                <a:solidFill>
+                  <a:schemeClr val="lt1"/>
+                </a:solidFill>
+                <a:latin typeface="+mn-lt"/>
+                <a:ea typeface="+mn-ea"/>
+                <a:cs typeface="+mn-cs"/>
+              </a:defRPr>
+            </a:lvl2pPr>
+            <a:lvl3pPr marL="914400" algn="l" defTabSz="914400" rtl="0" eaLnBrk="1" latinLnBrk="0" hangingPunct="1">
+              <a:defRPr sz="1800" kern="1200">
+                <a:solidFill>
+                  <a:schemeClr val="lt1"/>
+                </a:solidFill>
+                <a:latin typeface="+mn-lt"/>
+                <a:ea typeface="+mn-ea"/>
+                <a:cs typeface="+mn-cs"/>
+              </a:defRPr>
+            </a:lvl3pPr>
+            <a:lvl4pPr marL="1371600" algn="l" defTabSz="914400" rtl="0" eaLnBrk="1" latinLnBrk="0" hangingPunct="1">
+              <a:defRPr sz="1800" kern="1200">
+                <a:solidFill>
+                  <a:schemeClr val="lt1"/>
+                </a:solidFill>
+                <a:latin typeface="+mn-lt"/>
+                <a:ea typeface="+mn-ea"/>
+                <a:cs typeface="+mn-cs"/>
+              </a:defRPr>
+            </a:lvl4pPr>
+            <a:lvl5pPr marL="1828800" algn="l" defTabSz="914400" rtl="0" eaLnBrk="1" latinLnBrk="0" hangingPunct="1">
+              <a:defRPr sz="1800" kern="1200">
+                <a:solidFill>
+                  <a:schemeClr val="lt1"/>
+                </a:solidFill>
+                <a:latin typeface="+mn-lt"/>
+                <a:ea typeface="+mn-ea"/>
+                <a:cs typeface="+mn-cs"/>
+              </a:defRPr>
+            </a:lvl5pPr>
+            <a:lvl6pPr marL="2286000" algn="l" defTabSz="914400" rtl="0" eaLnBrk="1" latinLnBrk="0" hangingPunct="1">
+              <a:defRPr sz="1800" kern="1200">
+                <a:solidFill>
+                  <a:schemeClr val="lt1"/>
+                </a:solidFill>
+                <a:latin typeface="+mn-lt"/>
+                <a:ea typeface="+mn-ea"/>
+                <a:cs typeface="+mn-cs"/>
+              </a:defRPr>
+            </a:lvl6pPr>
+            <a:lvl7pPr marL="2743200" algn="l" defTabSz="914400" rtl="0" eaLnBrk="1" latinLnBrk="0" hangingPunct="1">
+              <a:defRPr sz="1800" kern="1200">
+                <a:solidFill>
+                  <a:schemeClr val="lt1"/>
+                </a:solidFill>
+                <a:latin typeface="+mn-lt"/>
+                <a:ea typeface="+mn-ea"/>
+                <a:cs typeface="+mn-cs"/>
+              </a:defRPr>
+            </a:lvl7pPr>
+            <a:lvl8pPr marL="3200400" algn="l" defTabSz="914400" rtl="0" eaLnBrk="1" latinLnBrk="0" hangingPunct="1">
+              <a:defRPr sz="1800" kern="1200">
+                <a:solidFill>
+                  <a:schemeClr val="lt1"/>
+                </a:solidFill>
+                <a:latin typeface="+mn-lt"/>
+                <a:ea typeface="+mn-ea"/>
+                <a:cs typeface="+mn-cs"/>
+              </a:defRPr>
+            </a:lvl8pPr>
+            <a:lvl9pPr marL="3657600" algn="l" defTabSz="914400" rtl="0" eaLnBrk="1" latinLnBrk="0" hangingPunct="1">
+              <a:defRPr sz="1800" kern="1200">
+                <a:solidFill>
+                  <a:schemeClr val="lt1"/>
+                </a:solidFill>
+                <a:latin typeface="+mn-lt"/>
+                <a:ea typeface="+mn-ea"/>
+                <a:cs typeface="+mn-cs"/>
+              </a:defRPr>
+            </a:lvl9pPr>
+          </a:lstStyle>
+          <a:p>
+            <a:pPr algn="ctr"/>
+            <a:r>
+              <a:rPr lang="en-US" sz="2400" dirty="0">
+                <a:latin typeface="Georgia"/>
+                <a:ea typeface="Calibri"/>
+                <a:cs typeface="Calibri"/>
+              </a:rPr>
+              <a:t>Praticidade e segurança</a:t>
+            </a:r>
+            <a:endParaRPr lang="en-US" sz="2400" dirty="0">
+              <a:latin typeface="Calibri" panose="020F0502020204030204"/>
+              <a:ea typeface="Calibri" panose="020F0502020204030204"/>
+              <a:cs typeface="Calibri" panose="020F0502020204030204"/>
+            </a:endParaRPr>
+          </a:p>
+        </p:txBody>
+      </p:sp>
+      <p:sp>
+        <p:nvSpPr>
+          <p:cNvPr id="7" name="Oval 4">
+            <a:extLst>
+              <a:ext uri="{FF2B5EF4-FFF2-40B4-BE49-F238E27FC236}">
+                <a16:creationId xmlns:a16="http://schemas.microsoft.com/office/drawing/2014/main" id="{D3E14520-1312-5C6C-2282-37E86E18F8FF}"/>
+              </a:ext>
+            </a:extLst>
+          </p:cNvPr>
+          <p:cNvSpPr/>
+          <p:nvPr/>
+        </p:nvSpPr>
+        <p:spPr>
+          <a:xfrm>
+            <a:off x="892465" y="3443377"/>
+            <a:ext cx="2817961" cy="2746074"/>
+          </a:xfrm>
+          <a:prstGeom prst="ellipse">
+            <a:avLst/>
+          </a:prstGeom>
+          <a:solidFill>
+            <a:srgbClr val="004478"/>
+          </a:solidFill>
+          <a:ln>
+            <a:noFill/>
+          </a:ln>
+        </p:spPr>
+        <p:style>
+          <a:lnRef idx="2">
+            <a:schemeClr val="accent1">
+              <a:shade val="50000"/>
+            </a:schemeClr>
+          </a:lnRef>
+          <a:fillRef idx="1">
+            <a:schemeClr val="accent1"/>
+          </a:fillRef>
+          <a:effectRef idx="0">
+            <a:schemeClr val="accent1"/>
+          </a:effectRef>
+          <a:fontRef idx="minor">
+            <a:schemeClr val="lt1"/>
+          </a:fontRef>
+        </p:style>
+        <p:txBody>
+          <a:bodyPr lIns="91440" tIns="45720" rIns="91440" bIns="45720" rtlCol="0" anchor="ctr"/>
+          <a:lstStyle>
+            <a:defPPr>
+              <a:defRPr lang="pt-BR"/>
+            </a:defPPr>
+            <a:lvl1pPr marL="0" algn="l" defTabSz="914400" rtl="0" eaLnBrk="1" latinLnBrk="0" hangingPunct="1">
+              <a:defRPr sz="1800" kern="1200">
+                <a:solidFill>
+                  <a:schemeClr val="lt1"/>
+                </a:solidFill>
+                <a:latin typeface="+mn-lt"/>
+                <a:ea typeface="+mn-ea"/>
+                <a:cs typeface="+mn-cs"/>
+              </a:defRPr>
+            </a:lvl1pPr>
+            <a:lvl2pPr marL="457200" algn="l" defTabSz="914400" rtl="0" eaLnBrk="1" latinLnBrk="0" hangingPunct="1">
+              <a:defRPr sz="1800" kern="1200">
+                <a:solidFill>
+                  <a:schemeClr val="lt1"/>
+                </a:solidFill>
+                <a:latin typeface="+mn-lt"/>
+                <a:ea typeface="+mn-ea"/>
+                <a:cs typeface="+mn-cs"/>
+              </a:defRPr>
+            </a:lvl2pPr>
+            <a:lvl3pPr marL="914400" algn="l" defTabSz="914400" rtl="0" eaLnBrk="1" latinLnBrk="0" hangingPunct="1">
+              <a:defRPr sz="1800" kern="1200">
+                <a:solidFill>
+                  <a:schemeClr val="lt1"/>
+                </a:solidFill>
+                <a:latin typeface="+mn-lt"/>
+                <a:ea typeface="+mn-ea"/>
+                <a:cs typeface="+mn-cs"/>
+              </a:defRPr>
+            </a:lvl3pPr>
+            <a:lvl4pPr marL="1371600" algn="l" defTabSz="914400" rtl="0" eaLnBrk="1" latinLnBrk="0" hangingPunct="1">
+              <a:defRPr sz="1800" kern="1200">
+                <a:solidFill>
+                  <a:schemeClr val="lt1"/>
+                </a:solidFill>
+                <a:latin typeface="+mn-lt"/>
+                <a:ea typeface="+mn-ea"/>
+                <a:cs typeface="+mn-cs"/>
+              </a:defRPr>
+            </a:lvl4pPr>
+            <a:lvl5pPr marL="1828800" algn="l" defTabSz="914400" rtl="0" eaLnBrk="1" latinLnBrk="0" hangingPunct="1">
+              <a:defRPr sz="1800" kern="1200">
+                <a:solidFill>
+                  <a:schemeClr val="lt1"/>
+                </a:solidFill>
+                <a:latin typeface="+mn-lt"/>
+                <a:ea typeface="+mn-ea"/>
+                <a:cs typeface="+mn-cs"/>
+              </a:defRPr>
+            </a:lvl5pPr>
+            <a:lvl6pPr marL="2286000" algn="l" defTabSz="914400" rtl="0" eaLnBrk="1" latinLnBrk="0" hangingPunct="1">
+              <a:defRPr sz="1800" kern="1200">
+                <a:solidFill>
+                  <a:schemeClr val="lt1"/>
+                </a:solidFill>
+                <a:latin typeface="+mn-lt"/>
+                <a:ea typeface="+mn-ea"/>
+                <a:cs typeface="+mn-cs"/>
+              </a:defRPr>
+            </a:lvl6pPr>
+            <a:lvl7pPr marL="2743200" algn="l" defTabSz="914400" rtl="0" eaLnBrk="1" latinLnBrk="0" hangingPunct="1">
+              <a:defRPr sz="1800" kern="1200">
+                <a:solidFill>
+                  <a:schemeClr val="lt1"/>
+                </a:solidFill>
+                <a:latin typeface="+mn-lt"/>
+                <a:ea typeface="+mn-ea"/>
+                <a:cs typeface="+mn-cs"/>
+              </a:defRPr>
+            </a:lvl7pPr>
+            <a:lvl8pPr marL="3200400" algn="l" defTabSz="914400" rtl="0" eaLnBrk="1" latinLnBrk="0" hangingPunct="1">
+              <a:defRPr sz="1800" kern="1200">
+                <a:solidFill>
+                  <a:schemeClr val="lt1"/>
+                </a:solidFill>
+                <a:latin typeface="+mn-lt"/>
+                <a:ea typeface="+mn-ea"/>
+                <a:cs typeface="+mn-cs"/>
+              </a:defRPr>
+            </a:lvl8pPr>
+            <a:lvl9pPr marL="3657600" algn="l" defTabSz="914400" rtl="0" eaLnBrk="1" latinLnBrk="0" hangingPunct="1">
+              <a:defRPr sz="1800" kern="1200">
+                <a:solidFill>
+                  <a:schemeClr val="lt1"/>
+                </a:solidFill>
+                <a:latin typeface="+mn-lt"/>
+                <a:ea typeface="+mn-ea"/>
+                <a:cs typeface="+mn-cs"/>
+              </a:defRPr>
+            </a:lvl9pPr>
+          </a:lstStyle>
+          <a:p>
+            <a:pPr algn="ctr"/>
+            <a:r>
+              <a:rPr lang="en-US" sz="2000" dirty="0">
+                <a:latin typeface="Georgia"/>
+                <a:ea typeface="Calibri"/>
+                <a:cs typeface="Calibri"/>
+              </a:rPr>
+              <a:t>Monitoramento</a:t>
+            </a:r>
+            <a:endParaRPr lang="en-US" sz="2000" dirty="0">
+              <a:latin typeface="Georgia"/>
+            </a:endParaRPr>
+          </a:p>
+        </p:txBody>
+      </p:sp>
+      <p:sp>
+        <p:nvSpPr>
+          <p:cNvPr id="8" name="Oval 5">
+            <a:extLst>
+              <a:ext uri="{FF2B5EF4-FFF2-40B4-BE49-F238E27FC236}">
+                <a16:creationId xmlns:a16="http://schemas.microsoft.com/office/drawing/2014/main" id="{BF387FBC-2799-1BE5-38D9-85E30D4D33AB}"/>
+              </a:ext>
+            </a:extLst>
+          </p:cNvPr>
+          <p:cNvSpPr/>
+          <p:nvPr/>
+        </p:nvSpPr>
+        <p:spPr>
+          <a:xfrm>
+            <a:off x="4012351" y="3558396"/>
+            <a:ext cx="2817961" cy="2746074"/>
+          </a:xfrm>
+          <a:prstGeom prst="ellipse">
+            <a:avLst/>
+          </a:prstGeom>
+          <a:solidFill>
+            <a:srgbClr val="004478"/>
+          </a:solidFill>
+          <a:ln>
+            <a:noFill/>
+          </a:ln>
+        </p:spPr>
+        <p:style>
+          <a:lnRef idx="2">
+            <a:schemeClr val="accent1">
+              <a:shade val="50000"/>
+            </a:schemeClr>
+          </a:lnRef>
+          <a:fillRef idx="1">
+            <a:schemeClr val="accent1"/>
+          </a:fillRef>
+          <a:effectRef idx="0">
+            <a:schemeClr val="accent1"/>
+          </a:effectRef>
+          <a:fontRef idx="minor">
+            <a:schemeClr val="lt1"/>
+          </a:fontRef>
+        </p:style>
+        <p:txBody>
+          <a:bodyPr lIns="91440" tIns="45720" rIns="91440" bIns="45720" rtlCol="0" anchor="ctr"/>
+          <a:lstStyle>
+            <a:defPPr>
+              <a:defRPr lang="pt-BR"/>
+            </a:defPPr>
+            <a:lvl1pPr marL="0" algn="l" defTabSz="914400" rtl="0" eaLnBrk="1" latinLnBrk="0" hangingPunct="1">
+              <a:defRPr sz="1800" kern="1200">
+                <a:solidFill>
+                  <a:schemeClr val="lt1"/>
+                </a:solidFill>
+                <a:latin typeface="+mn-lt"/>
+                <a:ea typeface="+mn-ea"/>
+                <a:cs typeface="+mn-cs"/>
+              </a:defRPr>
+            </a:lvl1pPr>
+            <a:lvl2pPr marL="457200" algn="l" defTabSz="914400" rtl="0" eaLnBrk="1" latinLnBrk="0" hangingPunct="1">
+              <a:defRPr sz="1800" kern="1200">
+                <a:solidFill>
+                  <a:schemeClr val="lt1"/>
+                </a:solidFill>
+                <a:latin typeface="+mn-lt"/>
+                <a:ea typeface="+mn-ea"/>
+                <a:cs typeface="+mn-cs"/>
+              </a:defRPr>
+            </a:lvl2pPr>
+            <a:lvl3pPr marL="914400" algn="l" defTabSz="914400" rtl="0" eaLnBrk="1" latinLnBrk="0" hangingPunct="1">
+              <a:defRPr sz="1800" kern="1200">
+                <a:solidFill>
+                  <a:schemeClr val="lt1"/>
+                </a:solidFill>
+                <a:latin typeface="+mn-lt"/>
+                <a:ea typeface="+mn-ea"/>
+                <a:cs typeface="+mn-cs"/>
+              </a:defRPr>
+            </a:lvl3pPr>
+            <a:lvl4pPr marL="1371600" algn="l" defTabSz="914400" rtl="0" eaLnBrk="1" latinLnBrk="0" hangingPunct="1">
+              <a:defRPr sz="1800" kern="1200">
+                <a:solidFill>
+                  <a:schemeClr val="lt1"/>
+                </a:solidFill>
+                <a:latin typeface="+mn-lt"/>
+                <a:ea typeface="+mn-ea"/>
+                <a:cs typeface="+mn-cs"/>
+              </a:defRPr>
+            </a:lvl4pPr>
+            <a:lvl5pPr marL="1828800" algn="l" defTabSz="914400" rtl="0" eaLnBrk="1" latinLnBrk="0" hangingPunct="1">
+              <a:defRPr sz="1800" kern="1200">
+                <a:solidFill>
+                  <a:schemeClr val="lt1"/>
+                </a:solidFill>
+                <a:latin typeface="+mn-lt"/>
+                <a:ea typeface="+mn-ea"/>
+                <a:cs typeface="+mn-cs"/>
+              </a:defRPr>
+            </a:lvl5pPr>
+            <a:lvl6pPr marL="2286000" algn="l" defTabSz="914400" rtl="0" eaLnBrk="1" latinLnBrk="0" hangingPunct="1">
+              <a:defRPr sz="1800" kern="1200">
+                <a:solidFill>
+                  <a:schemeClr val="lt1"/>
+                </a:solidFill>
+                <a:latin typeface="+mn-lt"/>
+                <a:ea typeface="+mn-ea"/>
+                <a:cs typeface="+mn-cs"/>
+              </a:defRPr>
+            </a:lvl6pPr>
+            <a:lvl7pPr marL="2743200" algn="l" defTabSz="914400" rtl="0" eaLnBrk="1" latinLnBrk="0" hangingPunct="1">
+              <a:defRPr sz="1800" kern="1200">
+                <a:solidFill>
+                  <a:schemeClr val="lt1"/>
+                </a:solidFill>
+                <a:latin typeface="+mn-lt"/>
+                <a:ea typeface="+mn-ea"/>
+                <a:cs typeface="+mn-cs"/>
+              </a:defRPr>
+            </a:lvl7pPr>
+            <a:lvl8pPr marL="3200400" algn="l" defTabSz="914400" rtl="0" eaLnBrk="1" latinLnBrk="0" hangingPunct="1">
+              <a:defRPr sz="1800" kern="1200">
+                <a:solidFill>
+                  <a:schemeClr val="lt1"/>
+                </a:solidFill>
+                <a:latin typeface="+mn-lt"/>
+                <a:ea typeface="+mn-ea"/>
+                <a:cs typeface="+mn-cs"/>
+              </a:defRPr>
+            </a:lvl8pPr>
+            <a:lvl9pPr marL="3657600" algn="l" defTabSz="914400" rtl="0" eaLnBrk="1" latinLnBrk="0" hangingPunct="1">
+              <a:defRPr sz="1800" kern="1200">
+                <a:solidFill>
+                  <a:schemeClr val="lt1"/>
+                </a:solidFill>
+                <a:latin typeface="+mn-lt"/>
+                <a:ea typeface="+mn-ea"/>
+                <a:cs typeface="+mn-cs"/>
+              </a:defRPr>
+            </a:lvl9pPr>
+          </a:lstStyle>
+          <a:p>
+            <a:pPr algn="ctr"/>
+            <a:r>
+              <a:rPr lang="en-US" sz="2400" dirty="0">
+                <a:latin typeface="Georgia"/>
+                <a:ea typeface="Calibri"/>
+                <a:cs typeface="Calibri"/>
+              </a:rPr>
+              <a:t>Plataforma de acesso</a:t>
+            </a:r>
+            <a:endParaRPr lang="en-US" sz="2400" dirty="0">
+              <a:latin typeface="Georgia"/>
+            </a:endParaRPr>
           </a:p>
         </p:txBody>
       </p:sp>
@@ -4459,6 +5822,9 @@
   <p:clrMapOvr>
     <a:masterClrMapping/>
   </p:clrMapOvr>
+  <p:transition spd="slow">
+    <p:cover/>
+  </p:transition>
 </p:sld>
 </file>
 
@@ -4615,6 +5981,477 @@
           </a:p>
         </p:txBody>
       </p:sp>
+      <p:sp>
+        <p:nvSpPr>
+          <p:cNvPr id="3" name="Oval 1">
+            <a:extLst>
+              <a:ext uri="{FF2B5EF4-FFF2-40B4-BE49-F238E27FC236}">
+                <a16:creationId xmlns:a16="http://schemas.microsoft.com/office/drawing/2014/main" id="{4DE91238-7875-067C-7DFE-DDE2D33A1390}"/>
+              </a:ext>
+            </a:extLst>
+          </p:cNvPr>
+          <p:cNvSpPr/>
+          <p:nvPr/>
+        </p:nvSpPr>
+        <p:spPr>
+          <a:xfrm>
+            <a:off x="2532675" y="2055963"/>
+            <a:ext cx="2817961" cy="2746074"/>
+          </a:xfrm>
+          <a:prstGeom prst="ellipse">
+            <a:avLst/>
+          </a:prstGeom>
+          <a:solidFill>
+            <a:srgbClr val="004478"/>
+          </a:solidFill>
+          <a:ln>
+            <a:noFill/>
+          </a:ln>
+        </p:spPr>
+        <p:style>
+          <a:lnRef idx="2">
+            <a:schemeClr val="accent1">
+              <a:shade val="50000"/>
+            </a:schemeClr>
+          </a:lnRef>
+          <a:fillRef idx="1">
+            <a:schemeClr val="accent1"/>
+          </a:fillRef>
+          <a:effectRef idx="0">
+            <a:schemeClr val="accent1"/>
+          </a:effectRef>
+          <a:fontRef idx="minor">
+            <a:schemeClr val="lt1"/>
+          </a:fontRef>
+        </p:style>
+        <p:txBody>
+          <a:bodyPr lIns="91440" tIns="45720" rIns="91440" bIns="45720" rtlCol="0" anchor="ctr"/>
+          <a:lstStyle>
+            <a:defPPr>
+              <a:defRPr lang="pt-BR"/>
+            </a:defPPr>
+            <a:lvl1pPr marL="0" algn="l" defTabSz="914400" rtl="0" eaLnBrk="1" latinLnBrk="0" hangingPunct="1">
+              <a:defRPr sz="1800" kern="1200">
+                <a:solidFill>
+                  <a:schemeClr val="lt1"/>
+                </a:solidFill>
+                <a:latin typeface="+mn-lt"/>
+                <a:ea typeface="+mn-ea"/>
+                <a:cs typeface="+mn-cs"/>
+              </a:defRPr>
+            </a:lvl1pPr>
+            <a:lvl2pPr marL="457200" algn="l" defTabSz="914400" rtl="0" eaLnBrk="1" latinLnBrk="0" hangingPunct="1">
+              <a:defRPr sz="1800" kern="1200">
+                <a:solidFill>
+                  <a:schemeClr val="lt1"/>
+                </a:solidFill>
+                <a:latin typeface="+mn-lt"/>
+                <a:ea typeface="+mn-ea"/>
+                <a:cs typeface="+mn-cs"/>
+              </a:defRPr>
+            </a:lvl2pPr>
+            <a:lvl3pPr marL="914400" algn="l" defTabSz="914400" rtl="0" eaLnBrk="1" latinLnBrk="0" hangingPunct="1">
+              <a:defRPr sz="1800" kern="1200">
+                <a:solidFill>
+                  <a:schemeClr val="lt1"/>
+                </a:solidFill>
+                <a:latin typeface="+mn-lt"/>
+                <a:ea typeface="+mn-ea"/>
+                <a:cs typeface="+mn-cs"/>
+              </a:defRPr>
+            </a:lvl3pPr>
+            <a:lvl4pPr marL="1371600" algn="l" defTabSz="914400" rtl="0" eaLnBrk="1" latinLnBrk="0" hangingPunct="1">
+              <a:defRPr sz="1800" kern="1200">
+                <a:solidFill>
+                  <a:schemeClr val="lt1"/>
+                </a:solidFill>
+                <a:latin typeface="+mn-lt"/>
+                <a:ea typeface="+mn-ea"/>
+                <a:cs typeface="+mn-cs"/>
+              </a:defRPr>
+            </a:lvl4pPr>
+            <a:lvl5pPr marL="1828800" algn="l" defTabSz="914400" rtl="0" eaLnBrk="1" latinLnBrk="0" hangingPunct="1">
+              <a:defRPr sz="1800" kern="1200">
+                <a:solidFill>
+                  <a:schemeClr val="lt1"/>
+                </a:solidFill>
+                <a:latin typeface="+mn-lt"/>
+                <a:ea typeface="+mn-ea"/>
+                <a:cs typeface="+mn-cs"/>
+              </a:defRPr>
+            </a:lvl5pPr>
+            <a:lvl6pPr marL="2286000" algn="l" defTabSz="914400" rtl="0" eaLnBrk="1" latinLnBrk="0" hangingPunct="1">
+              <a:defRPr sz="1800" kern="1200">
+                <a:solidFill>
+                  <a:schemeClr val="lt1"/>
+                </a:solidFill>
+                <a:latin typeface="+mn-lt"/>
+                <a:ea typeface="+mn-ea"/>
+                <a:cs typeface="+mn-cs"/>
+              </a:defRPr>
+            </a:lvl6pPr>
+            <a:lvl7pPr marL="2743200" algn="l" defTabSz="914400" rtl="0" eaLnBrk="1" latinLnBrk="0" hangingPunct="1">
+              <a:defRPr sz="1800" kern="1200">
+                <a:solidFill>
+                  <a:schemeClr val="lt1"/>
+                </a:solidFill>
+                <a:latin typeface="+mn-lt"/>
+                <a:ea typeface="+mn-ea"/>
+                <a:cs typeface="+mn-cs"/>
+              </a:defRPr>
+            </a:lvl7pPr>
+            <a:lvl8pPr marL="3200400" algn="l" defTabSz="914400" rtl="0" eaLnBrk="1" latinLnBrk="0" hangingPunct="1">
+              <a:defRPr sz="1800" kern="1200">
+                <a:solidFill>
+                  <a:schemeClr val="lt1"/>
+                </a:solidFill>
+                <a:latin typeface="+mn-lt"/>
+                <a:ea typeface="+mn-ea"/>
+                <a:cs typeface="+mn-cs"/>
+              </a:defRPr>
+            </a:lvl8pPr>
+            <a:lvl9pPr marL="3657600" algn="l" defTabSz="914400" rtl="0" eaLnBrk="1" latinLnBrk="0" hangingPunct="1">
+              <a:defRPr sz="1800" kern="1200">
+                <a:solidFill>
+                  <a:schemeClr val="lt1"/>
+                </a:solidFill>
+                <a:latin typeface="+mn-lt"/>
+                <a:ea typeface="+mn-ea"/>
+                <a:cs typeface="+mn-cs"/>
+              </a:defRPr>
+            </a:lvl9pPr>
+          </a:lstStyle>
+          <a:p>
+            <a:pPr algn="ctr"/>
+            <a:r>
+              <a:rPr lang="en-US" sz="2000" dirty="0">
+                <a:latin typeface="Georgia"/>
+                <a:ea typeface="Calibri"/>
+                <a:cs typeface="Calibri"/>
+              </a:rPr>
+              <a:t>Falhas e bugs </a:t>
+            </a:r>
+          </a:p>
+          <a:p>
+            <a:pPr algn="ctr"/>
+            <a:r>
+              <a:rPr lang="en-US" sz="2000" dirty="0">
+                <a:latin typeface="Georgia"/>
+                <a:ea typeface="Calibri"/>
+                <a:cs typeface="Calibri"/>
+              </a:rPr>
+              <a:t>de Sistema Operacional</a:t>
+            </a:r>
+          </a:p>
+        </p:txBody>
+      </p:sp>
+      <p:sp>
+        <p:nvSpPr>
+          <p:cNvPr id="5" name="Oval 2">
+            <a:extLst>
+              <a:ext uri="{FF2B5EF4-FFF2-40B4-BE49-F238E27FC236}">
+                <a16:creationId xmlns:a16="http://schemas.microsoft.com/office/drawing/2014/main" id="{A8CB3359-89AF-C5B7-3331-38506D9D8C90}"/>
+              </a:ext>
+            </a:extLst>
+          </p:cNvPr>
+          <p:cNvSpPr/>
+          <p:nvPr/>
+        </p:nvSpPr>
+        <p:spPr>
+          <a:xfrm>
+            <a:off x="5753202" y="2055962"/>
+            <a:ext cx="2817961" cy="2746074"/>
+          </a:xfrm>
+          <a:prstGeom prst="ellipse">
+            <a:avLst/>
+          </a:prstGeom>
+          <a:solidFill>
+            <a:srgbClr val="004478"/>
+          </a:solidFill>
+          <a:ln>
+            <a:noFill/>
+          </a:ln>
+        </p:spPr>
+        <p:style>
+          <a:lnRef idx="2">
+            <a:schemeClr val="accent1">
+              <a:shade val="50000"/>
+            </a:schemeClr>
+          </a:lnRef>
+          <a:fillRef idx="1">
+            <a:schemeClr val="accent1"/>
+          </a:fillRef>
+          <a:effectRef idx="0">
+            <a:schemeClr val="accent1"/>
+          </a:effectRef>
+          <a:fontRef idx="minor">
+            <a:schemeClr val="lt1"/>
+          </a:fontRef>
+        </p:style>
+        <p:txBody>
+          <a:bodyPr lIns="91440" tIns="45720" rIns="91440" bIns="45720" rtlCol="0" anchor="ctr"/>
+          <a:lstStyle>
+            <a:defPPr>
+              <a:defRPr lang="pt-BR"/>
+            </a:defPPr>
+            <a:lvl1pPr marL="0" algn="l" defTabSz="914400" rtl="0" eaLnBrk="1" latinLnBrk="0" hangingPunct="1">
+              <a:defRPr sz="1800" kern="1200">
+                <a:solidFill>
+                  <a:schemeClr val="lt1"/>
+                </a:solidFill>
+                <a:latin typeface="+mn-lt"/>
+                <a:ea typeface="+mn-ea"/>
+                <a:cs typeface="+mn-cs"/>
+              </a:defRPr>
+            </a:lvl1pPr>
+            <a:lvl2pPr marL="457200" algn="l" defTabSz="914400" rtl="0" eaLnBrk="1" latinLnBrk="0" hangingPunct="1">
+              <a:defRPr sz="1800" kern="1200">
+                <a:solidFill>
+                  <a:schemeClr val="lt1"/>
+                </a:solidFill>
+                <a:latin typeface="+mn-lt"/>
+                <a:ea typeface="+mn-ea"/>
+                <a:cs typeface="+mn-cs"/>
+              </a:defRPr>
+            </a:lvl2pPr>
+            <a:lvl3pPr marL="914400" algn="l" defTabSz="914400" rtl="0" eaLnBrk="1" latinLnBrk="0" hangingPunct="1">
+              <a:defRPr sz="1800" kern="1200">
+                <a:solidFill>
+                  <a:schemeClr val="lt1"/>
+                </a:solidFill>
+                <a:latin typeface="+mn-lt"/>
+                <a:ea typeface="+mn-ea"/>
+                <a:cs typeface="+mn-cs"/>
+              </a:defRPr>
+            </a:lvl3pPr>
+            <a:lvl4pPr marL="1371600" algn="l" defTabSz="914400" rtl="0" eaLnBrk="1" latinLnBrk="0" hangingPunct="1">
+              <a:defRPr sz="1800" kern="1200">
+                <a:solidFill>
+                  <a:schemeClr val="lt1"/>
+                </a:solidFill>
+                <a:latin typeface="+mn-lt"/>
+                <a:ea typeface="+mn-ea"/>
+                <a:cs typeface="+mn-cs"/>
+              </a:defRPr>
+            </a:lvl4pPr>
+            <a:lvl5pPr marL="1828800" algn="l" defTabSz="914400" rtl="0" eaLnBrk="1" latinLnBrk="0" hangingPunct="1">
+              <a:defRPr sz="1800" kern="1200">
+                <a:solidFill>
+                  <a:schemeClr val="lt1"/>
+                </a:solidFill>
+                <a:latin typeface="+mn-lt"/>
+                <a:ea typeface="+mn-ea"/>
+                <a:cs typeface="+mn-cs"/>
+              </a:defRPr>
+            </a:lvl5pPr>
+            <a:lvl6pPr marL="2286000" algn="l" defTabSz="914400" rtl="0" eaLnBrk="1" latinLnBrk="0" hangingPunct="1">
+              <a:defRPr sz="1800" kern="1200">
+                <a:solidFill>
+                  <a:schemeClr val="lt1"/>
+                </a:solidFill>
+                <a:latin typeface="+mn-lt"/>
+                <a:ea typeface="+mn-ea"/>
+                <a:cs typeface="+mn-cs"/>
+              </a:defRPr>
+            </a:lvl6pPr>
+            <a:lvl7pPr marL="2743200" algn="l" defTabSz="914400" rtl="0" eaLnBrk="1" latinLnBrk="0" hangingPunct="1">
+              <a:defRPr sz="1800" kern="1200">
+                <a:solidFill>
+                  <a:schemeClr val="lt1"/>
+                </a:solidFill>
+                <a:latin typeface="+mn-lt"/>
+                <a:ea typeface="+mn-ea"/>
+                <a:cs typeface="+mn-cs"/>
+              </a:defRPr>
+            </a:lvl7pPr>
+            <a:lvl8pPr marL="3200400" algn="l" defTabSz="914400" rtl="0" eaLnBrk="1" latinLnBrk="0" hangingPunct="1">
+              <a:defRPr sz="1800" kern="1200">
+                <a:solidFill>
+                  <a:schemeClr val="lt1"/>
+                </a:solidFill>
+                <a:latin typeface="+mn-lt"/>
+                <a:ea typeface="+mn-ea"/>
+                <a:cs typeface="+mn-cs"/>
+              </a:defRPr>
+            </a:lvl8pPr>
+            <a:lvl9pPr marL="3657600" algn="l" defTabSz="914400" rtl="0" eaLnBrk="1" latinLnBrk="0" hangingPunct="1">
+              <a:defRPr sz="1800" kern="1200">
+                <a:solidFill>
+                  <a:schemeClr val="lt1"/>
+                </a:solidFill>
+                <a:latin typeface="+mn-lt"/>
+                <a:ea typeface="+mn-ea"/>
+                <a:cs typeface="+mn-cs"/>
+              </a:defRPr>
+            </a:lvl9pPr>
+          </a:lstStyle>
+          <a:p>
+            <a:pPr algn="ctr"/>
+            <a:r>
+              <a:rPr lang="en-US" sz="2000" dirty="0">
+                <a:latin typeface="Georgia"/>
+                <a:ea typeface="Calibri"/>
+                <a:cs typeface="Calibri"/>
+              </a:rPr>
+              <a:t>Falta de monitoramento</a:t>
+            </a:r>
+          </a:p>
+        </p:txBody>
+      </p:sp>
+      <p:sp>
+        <p:nvSpPr>
+          <p:cNvPr id="6" name="Oval 3">
+            <a:extLst>
+              <a:ext uri="{FF2B5EF4-FFF2-40B4-BE49-F238E27FC236}">
+                <a16:creationId xmlns:a16="http://schemas.microsoft.com/office/drawing/2014/main" id="{ED8E5689-633C-0702-BD2C-F258C6098E5A}"/>
+              </a:ext>
+            </a:extLst>
+          </p:cNvPr>
+          <p:cNvSpPr/>
+          <p:nvPr/>
+        </p:nvSpPr>
+        <p:spPr>
+          <a:xfrm>
+            <a:off x="8829958" y="2055963"/>
+            <a:ext cx="2817961" cy="2746074"/>
+          </a:xfrm>
+          <a:prstGeom prst="ellipse">
+            <a:avLst/>
+          </a:prstGeom>
+          <a:solidFill>
+            <a:srgbClr val="004478"/>
+          </a:solidFill>
+          <a:ln>
+            <a:noFill/>
+          </a:ln>
+        </p:spPr>
+        <p:style>
+          <a:lnRef idx="2">
+            <a:schemeClr val="accent1">
+              <a:shade val="50000"/>
+            </a:schemeClr>
+          </a:lnRef>
+          <a:fillRef idx="1">
+            <a:schemeClr val="accent1"/>
+          </a:fillRef>
+          <a:effectRef idx="0">
+            <a:schemeClr val="accent1"/>
+          </a:effectRef>
+          <a:fontRef idx="minor">
+            <a:schemeClr val="lt1"/>
+          </a:fontRef>
+        </p:style>
+        <p:txBody>
+          <a:bodyPr lIns="91440" tIns="45720" rIns="91440" bIns="45720" rtlCol="0" anchor="ctr"/>
+          <a:lstStyle>
+            <a:defPPr>
+              <a:defRPr lang="pt-BR"/>
+            </a:defPPr>
+            <a:lvl1pPr marL="0" algn="l" defTabSz="914400" rtl="0" eaLnBrk="1" latinLnBrk="0" hangingPunct="1">
+              <a:defRPr sz="1800" kern="1200">
+                <a:solidFill>
+                  <a:schemeClr val="lt1"/>
+                </a:solidFill>
+                <a:latin typeface="+mn-lt"/>
+                <a:ea typeface="+mn-ea"/>
+                <a:cs typeface="+mn-cs"/>
+              </a:defRPr>
+            </a:lvl1pPr>
+            <a:lvl2pPr marL="457200" algn="l" defTabSz="914400" rtl="0" eaLnBrk="1" latinLnBrk="0" hangingPunct="1">
+              <a:defRPr sz="1800" kern="1200">
+                <a:solidFill>
+                  <a:schemeClr val="lt1"/>
+                </a:solidFill>
+                <a:latin typeface="+mn-lt"/>
+                <a:ea typeface="+mn-ea"/>
+                <a:cs typeface="+mn-cs"/>
+              </a:defRPr>
+            </a:lvl2pPr>
+            <a:lvl3pPr marL="914400" algn="l" defTabSz="914400" rtl="0" eaLnBrk="1" latinLnBrk="0" hangingPunct="1">
+              <a:defRPr sz="1800" kern="1200">
+                <a:solidFill>
+                  <a:schemeClr val="lt1"/>
+                </a:solidFill>
+                <a:latin typeface="+mn-lt"/>
+                <a:ea typeface="+mn-ea"/>
+                <a:cs typeface="+mn-cs"/>
+              </a:defRPr>
+            </a:lvl3pPr>
+            <a:lvl4pPr marL="1371600" algn="l" defTabSz="914400" rtl="0" eaLnBrk="1" latinLnBrk="0" hangingPunct="1">
+              <a:defRPr sz="1800" kern="1200">
+                <a:solidFill>
+                  <a:schemeClr val="lt1"/>
+                </a:solidFill>
+                <a:latin typeface="+mn-lt"/>
+                <a:ea typeface="+mn-ea"/>
+                <a:cs typeface="+mn-cs"/>
+              </a:defRPr>
+            </a:lvl4pPr>
+            <a:lvl5pPr marL="1828800" algn="l" defTabSz="914400" rtl="0" eaLnBrk="1" latinLnBrk="0" hangingPunct="1">
+              <a:defRPr sz="1800" kern="1200">
+                <a:solidFill>
+                  <a:schemeClr val="lt1"/>
+                </a:solidFill>
+                <a:latin typeface="+mn-lt"/>
+                <a:ea typeface="+mn-ea"/>
+                <a:cs typeface="+mn-cs"/>
+              </a:defRPr>
+            </a:lvl5pPr>
+            <a:lvl6pPr marL="2286000" algn="l" defTabSz="914400" rtl="0" eaLnBrk="1" latinLnBrk="0" hangingPunct="1">
+              <a:defRPr sz="1800" kern="1200">
+                <a:solidFill>
+                  <a:schemeClr val="lt1"/>
+                </a:solidFill>
+                <a:latin typeface="+mn-lt"/>
+                <a:ea typeface="+mn-ea"/>
+                <a:cs typeface="+mn-cs"/>
+              </a:defRPr>
+            </a:lvl6pPr>
+            <a:lvl7pPr marL="2743200" algn="l" defTabSz="914400" rtl="0" eaLnBrk="1" latinLnBrk="0" hangingPunct="1">
+              <a:defRPr sz="1800" kern="1200">
+                <a:solidFill>
+                  <a:schemeClr val="lt1"/>
+                </a:solidFill>
+                <a:latin typeface="+mn-lt"/>
+                <a:ea typeface="+mn-ea"/>
+                <a:cs typeface="+mn-cs"/>
+              </a:defRPr>
+            </a:lvl7pPr>
+            <a:lvl8pPr marL="3200400" algn="l" defTabSz="914400" rtl="0" eaLnBrk="1" latinLnBrk="0" hangingPunct="1">
+              <a:defRPr sz="1800" kern="1200">
+                <a:solidFill>
+                  <a:schemeClr val="lt1"/>
+                </a:solidFill>
+                <a:latin typeface="+mn-lt"/>
+                <a:ea typeface="+mn-ea"/>
+                <a:cs typeface="+mn-cs"/>
+              </a:defRPr>
+            </a:lvl8pPr>
+            <a:lvl9pPr marL="3657600" algn="l" defTabSz="914400" rtl="0" eaLnBrk="1" latinLnBrk="0" hangingPunct="1">
+              <a:defRPr sz="1800" kern="1200">
+                <a:solidFill>
+                  <a:schemeClr val="lt1"/>
+                </a:solidFill>
+                <a:latin typeface="+mn-lt"/>
+                <a:ea typeface="+mn-ea"/>
+                <a:cs typeface="+mn-cs"/>
+              </a:defRPr>
+            </a:lvl9pPr>
+          </a:lstStyle>
+          <a:p>
+            <a:pPr algn="ctr"/>
+            <a:r>
+              <a:rPr lang="en-US" sz="2400" dirty="0">
+                <a:latin typeface="Georgia"/>
+                <a:ea typeface="Calibri"/>
+                <a:cs typeface="Calibri"/>
+              </a:rPr>
+              <a:t>Prejuízos silênciosos</a:t>
+            </a:r>
+            <a:endParaRPr lang="en-US" dirty="0"/>
+          </a:p>
+        </p:txBody>
+      </p:sp>
     </p:spTree>
     <p:extLst>
       <p:ext uri="{BB962C8B-B14F-4D97-AF65-F5344CB8AC3E}">
@@ -4625,6 +6462,9 @@
   <p:clrMapOvr>
     <a:masterClrMapping/>
   </p:clrMapOvr>
+  <p:transition spd="med">
+    <p:pull/>
+  </p:transition>
 </p:sld>
 </file>
 
@@ -4781,6 +6621,43 @@
           </a:p>
         </p:txBody>
       </p:sp>
+      <p:pic>
+        <p:nvPicPr>
+          <p:cNvPr id="2" name="Imagem 1">
+            <a:extLst>
+              <a:ext uri="{FF2B5EF4-FFF2-40B4-BE49-F238E27FC236}">
+                <a16:creationId xmlns:a16="http://schemas.microsoft.com/office/drawing/2014/main" id="{13C3505C-35E6-B3CD-A7F0-DAA004D9C3E7}"/>
+              </a:ext>
+            </a:extLst>
+          </p:cNvPr>
+          <p:cNvPicPr>
+            <a:picLocks noChangeAspect="1"/>
+          </p:cNvPicPr>
+          <p:nvPr/>
+        </p:nvPicPr>
+        <p:blipFill rotWithShape="1">
+          <a:blip r:embed="rId3"/>
+          <a:srcRect t="577"/>
+          <a:stretch/>
+        </p:blipFill>
+        <p:spPr bwMode="auto">
+          <a:xfrm>
+            <a:off x="315428" y="545777"/>
+            <a:ext cx="9368151" cy="5260221"/>
+          </a:xfrm>
+          <a:prstGeom prst="rect">
+            <a:avLst/>
+          </a:prstGeom>
+          <a:ln>
+            <a:noFill/>
+          </a:ln>
+          <a:extLst>
+            <a:ext uri="{53640926-AAD7-44D8-BBD7-CCE9431645EC}">
+              <a14:shadowObscured xmlns:a14="http://schemas.microsoft.com/office/drawing/2010/main"/>
+            </a:ext>
+          </a:extLst>
+        </p:spPr>
+      </p:pic>
     </p:spTree>
     <p:extLst>
       <p:ext uri="{BB962C8B-B14F-4D97-AF65-F5344CB8AC3E}">
@@ -4791,6 +6668,9 @@
   <p:clrMapOvr>
     <a:masterClrMapping/>
   </p:clrMapOvr>
+  <p:transition spd="med">
+    <p:pull/>
+  </p:transition>
 </p:sld>
 </file>
 
@@ -4947,26 +6827,840 @@
           </a:p>
         </p:txBody>
       </p:sp>
-      <p:sp>
-        <p:nvSpPr>
-          <p:cNvPr id="3" name="Retângulo 2"/>
+      <p:pic>
+        <p:nvPicPr>
+          <p:cNvPr id="1026" name="Picture 2">
+            <a:extLst>
+              <a:ext uri="{FF2B5EF4-FFF2-40B4-BE49-F238E27FC236}">
+                <a16:creationId xmlns:a16="http://schemas.microsoft.com/office/drawing/2014/main" id="{DFF05C9B-0542-C814-B767-58619745BCCF}"/>
+              </a:ext>
+            </a:extLst>
+          </p:cNvPr>
+          <p:cNvPicPr>
+            <a:picLocks noChangeAspect="1" noChangeArrowheads="1"/>
+          </p:cNvPicPr>
+          <p:nvPr/>
+        </p:nvPicPr>
+        <p:blipFill>
+          <a:blip r:embed="rId3">
+            <a:extLst>
+              <a:ext uri="{28A0092B-C50C-407E-A947-70E740481C1C}">
+                <a14:useLocalDpi xmlns:a14="http://schemas.microsoft.com/office/drawing/2010/main" val="0"/>
+              </a:ext>
+            </a:extLst>
+          </a:blip>
+          <a:srcRect/>
+          <a:stretch>
+            <a:fillRect/>
+          </a:stretch>
+        </p:blipFill>
+        <p:spPr bwMode="auto">
+          <a:xfrm>
+            <a:off x="414404" y="2233612"/>
+            <a:ext cx="2609850" cy="2390775"/>
+          </a:xfrm>
+          <a:prstGeom prst="rect">
+            <a:avLst/>
+          </a:prstGeom>
+          <a:noFill/>
+          <a:extLst>
+            <a:ext uri="{909E8E84-426E-40DD-AFC4-6F175D3DCCD1}">
+              <a14:hiddenFill xmlns:a14="http://schemas.microsoft.com/office/drawing/2010/main">
+                <a:solidFill>
+                  <a:srgbClr val="FFFFFF"/>
+                </a:solidFill>
+              </a14:hiddenFill>
+            </a:ext>
+          </a:extLst>
+        </p:spPr>
+      </p:pic>
+      <p:sp>
+        <p:nvSpPr>
+          <p:cNvPr id="6" name="TextBox 1">
+            <a:extLst>
+              <a:ext uri="{FF2B5EF4-FFF2-40B4-BE49-F238E27FC236}">
+                <a16:creationId xmlns:a16="http://schemas.microsoft.com/office/drawing/2014/main" id="{41E1A918-2EAA-B615-FAFF-6C2CA2BDBE34}"/>
+              </a:ext>
+            </a:extLst>
+          </p:cNvPr>
+          <p:cNvSpPr txBox="1"/>
+          <p:nvPr/>
+        </p:nvSpPr>
+        <p:spPr>
+          <a:xfrm>
+            <a:off x="3972063" y="602945"/>
+            <a:ext cx="7894320" cy="5030673"/>
+          </a:xfrm>
+          <a:prstGeom prst="rect">
+            <a:avLst/>
+          </a:prstGeom>
+          <a:noFill/>
+        </p:spPr>
+        <p:txBody>
+          <a:bodyPr rot="0" spcFirstLastPara="0" vert="horz" wrap="square" lIns="91440" tIns="45720" rIns="91440" bIns="45720" numCol="1" spcCol="0" rtlCol="0" fromWordArt="0" anchor="t" anchorCtr="0" forceAA="0" compatLnSpc="1">
+            <a:prstTxWarp prst="textNoShape">
+              <a:avLst/>
+            </a:prstTxWarp>
+            <a:spAutoFit/>
+          </a:bodyPr>
+          <a:lstStyle>
+            <a:defPPr>
+              <a:defRPr lang="pt-BR"/>
+            </a:defPPr>
+            <a:lvl1pPr marL="0" algn="l" defTabSz="914400" rtl="0" eaLnBrk="1" latinLnBrk="0" hangingPunct="1">
+              <a:defRPr sz="1800" kern="1200">
+                <a:solidFill>
+                  <a:schemeClr val="tx1"/>
+                </a:solidFill>
+                <a:latin typeface="+mn-lt"/>
+                <a:ea typeface="+mn-ea"/>
+                <a:cs typeface="+mn-cs"/>
+              </a:defRPr>
+            </a:lvl1pPr>
+            <a:lvl2pPr marL="457200" algn="l" defTabSz="914400" rtl="0" eaLnBrk="1" latinLnBrk="0" hangingPunct="1">
+              <a:defRPr sz="1800" kern="1200">
+                <a:solidFill>
+                  <a:schemeClr val="tx1"/>
+                </a:solidFill>
+                <a:latin typeface="+mn-lt"/>
+                <a:ea typeface="+mn-ea"/>
+                <a:cs typeface="+mn-cs"/>
+              </a:defRPr>
+            </a:lvl2pPr>
+            <a:lvl3pPr marL="914400" algn="l" defTabSz="914400" rtl="0" eaLnBrk="1" latinLnBrk="0" hangingPunct="1">
+              <a:defRPr sz="1800" kern="1200">
+                <a:solidFill>
+                  <a:schemeClr val="tx1"/>
+                </a:solidFill>
+                <a:latin typeface="+mn-lt"/>
+                <a:ea typeface="+mn-ea"/>
+                <a:cs typeface="+mn-cs"/>
+              </a:defRPr>
+            </a:lvl3pPr>
+            <a:lvl4pPr marL="1371600" algn="l" defTabSz="914400" rtl="0" eaLnBrk="1" latinLnBrk="0" hangingPunct="1">
+              <a:defRPr sz="1800" kern="1200">
+                <a:solidFill>
+                  <a:schemeClr val="tx1"/>
+                </a:solidFill>
+                <a:latin typeface="+mn-lt"/>
+                <a:ea typeface="+mn-ea"/>
+                <a:cs typeface="+mn-cs"/>
+              </a:defRPr>
+            </a:lvl4pPr>
+            <a:lvl5pPr marL="1828800" algn="l" defTabSz="914400" rtl="0" eaLnBrk="1" latinLnBrk="0" hangingPunct="1">
+              <a:defRPr sz="1800" kern="1200">
+                <a:solidFill>
+                  <a:schemeClr val="tx1"/>
+                </a:solidFill>
+                <a:latin typeface="+mn-lt"/>
+                <a:ea typeface="+mn-ea"/>
+                <a:cs typeface="+mn-cs"/>
+              </a:defRPr>
+            </a:lvl5pPr>
+            <a:lvl6pPr marL="2286000" algn="l" defTabSz="914400" rtl="0" eaLnBrk="1" latinLnBrk="0" hangingPunct="1">
+              <a:defRPr sz="1800" kern="1200">
+                <a:solidFill>
+                  <a:schemeClr val="tx1"/>
+                </a:solidFill>
+                <a:latin typeface="+mn-lt"/>
+                <a:ea typeface="+mn-ea"/>
+                <a:cs typeface="+mn-cs"/>
+              </a:defRPr>
+            </a:lvl6pPr>
+            <a:lvl7pPr marL="2743200" algn="l" defTabSz="914400" rtl="0" eaLnBrk="1" latinLnBrk="0" hangingPunct="1">
+              <a:defRPr sz="1800" kern="1200">
+                <a:solidFill>
+                  <a:schemeClr val="tx1"/>
+                </a:solidFill>
+                <a:latin typeface="+mn-lt"/>
+                <a:ea typeface="+mn-ea"/>
+                <a:cs typeface="+mn-cs"/>
+              </a:defRPr>
+            </a:lvl7pPr>
+            <a:lvl8pPr marL="3200400" algn="l" defTabSz="914400" rtl="0" eaLnBrk="1" latinLnBrk="0" hangingPunct="1">
+              <a:defRPr sz="1800" kern="1200">
+                <a:solidFill>
+                  <a:schemeClr val="tx1"/>
+                </a:solidFill>
+                <a:latin typeface="+mn-lt"/>
+                <a:ea typeface="+mn-ea"/>
+                <a:cs typeface="+mn-cs"/>
+              </a:defRPr>
+            </a:lvl8pPr>
+            <a:lvl9pPr marL="3657600" algn="l" defTabSz="914400" rtl="0" eaLnBrk="1" latinLnBrk="0" hangingPunct="1">
+              <a:defRPr sz="1800" kern="1200">
+                <a:solidFill>
+                  <a:schemeClr val="tx1"/>
+                </a:solidFill>
+                <a:latin typeface="+mn-lt"/>
+                <a:ea typeface="+mn-ea"/>
+                <a:cs typeface="+mn-cs"/>
+              </a:defRPr>
+            </a:lvl9pPr>
+          </a:lstStyle>
+          <a:p>
+            <a:endParaRPr lang="en-US" sz="3200" dirty="0">
+              <a:latin typeface="Georgia"/>
+              <a:cs typeface="Calibri"/>
+            </a:endParaRPr>
+          </a:p>
+          <a:p>
+            <a:pPr marL="285750" indent="-285750">
+              <a:lnSpc>
+                <a:spcPct val="150000"/>
+              </a:lnSpc>
+              <a:buFont typeface="Arial"/>
+              <a:buChar char="•"/>
+            </a:pPr>
+            <a:r>
+              <a:rPr lang="en-US" sz="2800" dirty="0" err="1">
+                <a:latin typeface="Georgia"/>
+                <a:cs typeface="Calibri"/>
+              </a:rPr>
+              <a:t>Organização</a:t>
+            </a:r>
+            <a:r>
+              <a:rPr lang="en-US" sz="2800" dirty="0">
+                <a:latin typeface="Georgia"/>
+                <a:cs typeface="Calibri"/>
+              </a:rPr>
+              <a:t>;</a:t>
+            </a:r>
+          </a:p>
+          <a:p>
+            <a:pPr marL="285750" indent="-285750">
+              <a:lnSpc>
+                <a:spcPct val="150000"/>
+              </a:lnSpc>
+              <a:buFont typeface="Arial"/>
+              <a:buChar char="•"/>
+            </a:pPr>
+            <a:r>
+              <a:rPr lang="en-US" sz="2800" dirty="0">
+                <a:latin typeface="Georgia"/>
+                <a:cs typeface="Calibri"/>
+              </a:rPr>
+              <a:t>Segue </a:t>
+            </a:r>
+            <a:r>
+              <a:rPr lang="en-US" sz="2800" dirty="0" err="1">
+                <a:latin typeface="Georgia"/>
+                <a:cs typeface="Calibri"/>
+              </a:rPr>
+              <a:t>cronogramas</a:t>
+            </a:r>
+            <a:r>
+              <a:rPr lang="en-US" sz="2800" dirty="0">
+                <a:latin typeface="Georgia"/>
+                <a:cs typeface="Calibri"/>
+              </a:rPr>
+              <a:t> e </a:t>
+            </a:r>
+            <a:r>
+              <a:rPr lang="en-US" sz="2800" dirty="0" err="1">
+                <a:latin typeface="Georgia"/>
+                <a:cs typeface="Calibri"/>
+              </a:rPr>
+              <a:t>regras</a:t>
+            </a:r>
+            <a:r>
+              <a:rPr lang="en-US" sz="2800" dirty="0">
+                <a:latin typeface="Georgia"/>
+                <a:cs typeface="Calibri"/>
+              </a:rPr>
+              <a:t>;</a:t>
+            </a:r>
+          </a:p>
+          <a:p>
+            <a:pPr marL="285750" indent="-285750">
+              <a:lnSpc>
+                <a:spcPct val="150000"/>
+              </a:lnSpc>
+              <a:buFont typeface="Arial"/>
+              <a:buChar char="•"/>
+            </a:pPr>
+            <a:r>
+              <a:rPr lang="en-US" sz="2800" dirty="0" err="1">
+                <a:latin typeface="Georgia"/>
+                <a:cs typeface="Calibri"/>
+              </a:rPr>
+              <a:t>Não</a:t>
+            </a:r>
+            <a:r>
+              <a:rPr lang="en-US" sz="2800" dirty="0">
+                <a:latin typeface="Georgia"/>
+                <a:cs typeface="Calibri"/>
+              </a:rPr>
+              <a:t> </a:t>
+            </a:r>
+            <a:r>
+              <a:rPr lang="en-US" sz="2800" dirty="0" err="1">
+                <a:latin typeface="Georgia"/>
+                <a:cs typeface="Calibri"/>
+              </a:rPr>
+              <a:t>gosta</a:t>
+            </a:r>
+            <a:r>
+              <a:rPr lang="en-US" sz="2800" dirty="0">
+                <a:latin typeface="Georgia"/>
+                <a:cs typeface="Calibri"/>
+              </a:rPr>
+              <a:t> de </a:t>
+            </a:r>
+            <a:r>
+              <a:rPr lang="en-US" sz="2800" dirty="0" err="1">
+                <a:latin typeface="Georgia"/>
+                <a:cs typeface="Calibri"/>
+              </a:rPr>
+              <a:t>impulsividade</a:t>
+            </a:r>
+            <a:r>
+              <a:rPr lang="en-US" sz="2800" dirty="0">
+                <a:latin typeface="Georgia"/>
+                <a:cs typeface="Calibri"/>
+              </a:rPr>
+              <a:t> e age com </a:t>
+            </a:r>
+            <a:r>
+              <a:rPr lang="en-US" sz="2800" dirty="0" err="1">
+                <a:latin typeface="Georgia"/>
+                <a:cs typeface="Calibri"/>
+              </a:rPr>
+              <a:t>planejamento</a:t>
+            </a:r>
+            <a:r>
+              <a:rPr lang="en-US" sz="2800" dirty="0">
+                <a:latin typeface="Georgia"/>
+                <a:cs typeface="Calibri"/>
+              </a:rPr>
+              <a:t>;</a:t>
+            </a:r>
+          </a:p>
+          <a:p>
+            <a:pPr marL="285750" indent="-285750">
+              <a:lnSpc>
+                <a:spcPct val="150000"/>
+              </a:lnSpc>
+              <a:buFont typeface="Arial"/>
+              <a:buChar char="•"/>
+            </a:pPr>
+            <a:r>
+              <a:rPr lang="en-US" sz="2800" dirty="0">
+                <a:latin typeface="Georgia"/>
+                <a:cs typeface="Calibri"/>
+              </a:rPr>
+              <a:t>Faz a </a:t>
+            </a:r>
+            <a:r>
+              <a:rPr lang="en-US" sz="2800" dirty="0" err="1">
+                <a:latin typeface="Georgia"/>
+                <a:cs typeface="Calibri"/>
+              </a:rPr>
+              <a:t>solicitação</a:t>
+            </a:r>
+            <a:r>
+              <a:rPr lang="en-US" sz="2800" dirty="0">
+                <a:latin typeface="Georgia"/>
+                <a:cs typeface="Calibri"/>
+              </a:rPr>
+              <a:t> para </a:t>
+            </a:r>
+            <a:r>
+              <a:rPr lang="en-US" sz="2800" dirty="0" err="1">
+                <a:latin typeface="Georgia"/>
+                <a:cs typeface="Calibri"/>
+              </a:rPr>
+              <a:t>ajuste</a:t>
+            </a:r>
+            <a:r>
+              <a:rPr lang="en-US" sz="2800" dirty="0">
+                <a:latin typeface="Georgia"/>
+                <a:cs typeface="Calibri"/>
+              </a:rPr>
+              <a:t> de </a:t>
+            </a:r>
+            <a:r>
+              <a:rPr lang="en-US" sz="2800" dirty="0" err="1">
+                <a:latin typeface="Georgia"/>
+                <a:cs typeface="Calibri"/>
+              </a:rPr>
+              <a:t>problemas</a:t>
+            </a:r>
+            <a:r>
+              <a:rPr lang="en-US" sz="2800" dirty="0">
+                <a:latin typeface="Georgia"/>
+                <a:cs typeface="Calibri"/>
+              </a:rPr>
+              <a:t>;</a:t>
+            </a:r>
+          </a:p>
+          <a:p>
+            <a:pPr marL="285750" indent="-285750">
+              <a:lnSpc>
+                <a:spcPct val="150000"/>
+              </a:lnSpc>
+              <a:buFont typeface="Arial"/>
+              <a:buChar char="•"/>
+            </a:pPr>
+            <a:r>
+              <a:rPr lang="en-US" sz="2800" dirty="0" err="1">
+                <a:latin typeface="Georgia"/>
+                <a:cs typeface="Calibri"/>
+              </a:rPr>
+              <a:t>Comprometimento</a:t>
+            </a:r>
+            <a:r>
+              <a:rPr lang="en-US" sz="2800" dirty="0">
+                <a:latin typeface="Georgia"/>
+                <a:cs typeface="Calibri"/>
+              </a:rPr>
+              <a:t> total coma </a:t>
+            </a:r>
+            <a:r>
+              <a:rPr lang="en-US" sz="2800" dirty="0" err="1">
+                <a:latin typeface="Georgia"/>
+                <a:cs typeface="Calibri"/>
+              </a:rPr>
+              <a:t>tarefa</a:t>
+            </a:r>
+            <a:r>
+              <a:rPr lang="en-US" sz="2800" dirty="0">
+                <a:latin typeface="Georgia"/>
+                <a:cs typeface="Calibri"/>
+              </a:rPr>
+              <a:t>;</a:t>
+            </a:r>
+          </a:p>
+          <a:p>
+            <a:pPr marL="285750" indent="-285750">
+              <a:lnSpc>
+                <a:spcPct val="150000"/>
+              </a:lnSpc>
+              <a:buFont typeface="Arial"/>
+              <a:buChar char="•"/>
+            </a:pPr>
+            <a:r>
+              <a:rPr lang="en-US" sz="2800" dirty="0" err="1">
+                <a:latin typeface="Georgia"/>
+                <a:cs typeface="Calibri"/>
+              </a:rPr>
+              <a:t>Impaciente</a:t>
+            </a:r>
+            <a:r>
+              <a:rPr lang="en-US" sz="2800" dirty="0">
+                <a:latin typeface="Georgia"/>
+                <a:cs typeface="Calibri"/>
+              </a:rPr>
+              <a:t>;</a:t>
+            </a:r>
+          </a:p>
+        </p:txBody>
+      </p:sp>
+      <p:sp>
+        <p:nvSpPr>
+          <p:cNvPr id="7" name="TextBox 1">
+            <a:extLst>
+              <a:ext uri="{FF2B5EF4-FFF2-40B4-BE49-F238E27FC236}">
+                <a16:creationId xmlns:a16="http://schemas.microsoft.com/office/drawing/2014/main" id="{DAB26954-309D-8C26-12C8-EA29E90FE7C3}"/>
+              </a:ext>
+            </a:extLst>
+          </p:cNvPr>
+          <p:cNvSpPr txBox="1"/>
+          <p:nvPr/>
+        </p:nvSpPr>
+        <p:spPr>
+          <a:xfrm>
+            <a:off x="3977640" y="411159"/>
+            <a:ext cx="4236720" cy="584775"/>
+          </a:xfrm>
+          <a:prstGeom prst="rect">
+            <a:avLst/>
+          </a:prstGeom>
+          <a:noFill/>
+        </p:spPr>
+        <p:txBody>
+          <a:bodyPr rot="0" spcFirstLastPara="0" vert="horz" wrap="square" lIns="91440" tIns="45720" rIns="91440" bIns="45720" numCol="1" spcCol="0" rtlCol="0" fromWordArt="0" anchor="t" anchorCtr="0" forceAA="0" compatLnSpc="1">
+            <a:prstTxWarp prst="textNoShape">
+              <a:avLst/>
+            </a:prstTxWarp>
+            <a:spAutoFit/>
+          </a:bodyPr>
+          <a:lstStyle>
+            <a:defPPr>
+              <a:defRPr lang="pt-BR"/>
+            </a:defPPr>
+            <a:lvl1pPr marL="0" algn="l" defTabSz="914400" rtl="0" eaLnBrk="1" latinLnBrk="0" hangingPunct="1">
+              <a:defRPr sz="1800" kern="1200">
+                <a:solidFill>
+                  <a:schemeClr val="tx1"/>
+                </a:solidFill>
+                <a:latin typeface="+mn-lt"/>
+                <a:ea typeface="+mn-ea"/>
+                <a:cs typeface="+mn-cs"/>
+              </a:defRPr>
+            </a:lvl1pPr>
+            <a:lvl2pPr marL="457200" algn="l" defTabSz="914400" rtl="0" eaLnBrk="1" latinLnBrk="0" hangingPunct="1">
+              <a:defRPr sz="1800" kern="1200">
+                <a:solidFill>
+                  <a:schemeClr val="tx1"/>
+                </a:solidFill>
+                <a:latin typeface="+mn-lt"/>
+                <a:ea typeface="+mn-ea"/>
+                <a:cs typeface="+mn-cs"/>
+              </a:defRPr>
+            </a:lvl2pPr>
+            <a:lvl3pPr marL="914400" algn="l" defTabSz="914400" rtl="0" eaLnBrk="1" latinLnBrk="0" hangingPunct="1">
+              <a:defRPr sz="1800" kern="1200">
+                <a:solidFill>
+                  <a:schemeClr val="tx1"/>
+                </a:solidFill>
+                <a:latin typeface="+mn-lt"/>
+                <a:ea typeface="+mn-ea"/>
+                <a:cs typeface="+mn-cs"/>
+              </a:defRPr>
+            </a:lvl3pPr>
+            <a:lvl4pPr marL="1371600" algn="l" defTabSz="914400" rtl="0" eaLnBrk="1" latinLnBrk="0" hangingPunct="1">
+              <a:defRPr sz="1800" kern="1200">
+                <a:solidFill>
+                  <a:schemeClr val="tx1"/>
+                </a:solidFill>
+                <a:latin typeface="+mn-lt"/>
+                <a:ea typeface="+mn-ea"/>
+                <a:cs typeface="+mn-cs"/>
+              </a:defRPr>
+            </a:lvl4pPr>
+            <a:lvl5pPr marL="1828800" algn="l" defTabSz="914400" rtl="0" eaLnBrk="1" latinLnBrk="0" hangingPunct="1">
+              <a:defRPr sz="1800" kern="1200">
+                <a:solidFill>
+                  <a:schemeClr val="tx1"/>
+                </a:solidFill>
+                <a:latin typeface="+mn-lt"/>
+                <a:ea typeface="+mn-ea"/>
+                <a:cs typeface="+mn-cs"/>
+              </a:defRPr>
+            </a:lvl5pPr>
+            <a:lvl6pPr marL="2286000" algn="l" defTabSz="914400" rtl="0" eaLnBrk="1" latinLnBrk="0" hangingPunct="1">
+              <a:defRPr sz="1800" kern="1200">
+                <a:solidFill>
+                  <a:schemeClr val="tx1"/>
+                </a:solidFill>
+                <a:latin typeface="+mn-lt"/>
+                <a:ea typeface="+mn-ea"/>
+                <a:cs typeface="+mn-cs"/>
+              </a:defRPr>
+            </a:lvl6pPr>
+            <a:lvl7pPr marL="2743200" algn="l" defTabSz="914400" rtl="0" eaLnBrk="1" latinLnBrk="0" hangingPunct="1">
+              <a:defRPr sz="1800" kern="1200">
+                <a:solidFill>
+                  <a:schemeClr val="tx1"/>
+                </a:solidFill>
+                <a:latin typeface="+mn-lt"/>
+                <a:ea typeface="+mn-ea"/>
+                <a:cs typeface="+mn-cs"/>
+              </a:defRPr>
+            </a:lvl7pPr>
+            <a:lvl8pPr marL="3200400" algn="l" defTabSz="914400" rtl="0" eaLnBrk="1" latinLnBrk="0" hangingPunct="1">
+              <a:defRPr sz="1800" kern="1200">
+                <a:solidFill>
+                  <a:schemeClr val="tx1"/>
+                </a:solidFill>
+                <a:latin typeface="+mn-lt"/>
+                <a:ea typeface="+mn-ea"/>
+                <a:cs typeface="+mn-cs"/>
+              </a:defRPr>
+            </a:lvl8pPr>
+            <a:lvl9pPr marL="3657600" algn="l" defTabSz="914400" rtl="0" eaLnBrk="1" latinLnBrk="0" hangingPunct="1">
+              <a:defRPr sz="1800" kern="1200">
+                <a:solidFill>
+                  <a:schemeClr val="tx1"/>
+                </a:solidFill>
+                <a:latin typeface="+mn-lt"/>
+                <a:ea typeface="+mn-ea"/>
+                <a:cs typeface="+mn-cs"/>
+              </a:defRPr>
+            </a:lvl9pPr>
+          </a:lstStyle>
+          <a:p>
+            <a:r>
+              <a:rPr lang="en-US" sz="3200" dirty="0" err="1">
+                <a:latin typeface="Georgia"/>
+                <a:cs typeface="Calibri"/>
+              </a:rPr>
+              <a:t>Caráter</a:t>
+            </a:r>
+            <a:r>
+              <a:rPr lang="en-US" sz="3200" dirty="0">
+                <a:latin typeface="Georgia"/>
+                <a:cs typeface="Calibri"/>
+              </a:rPr>
+              <a:t> e </a:t>
+            </a:r>
+            <a:r>
+              <a:rPr lang="en-US" sz="3200" dirty="0" err="1">
+                <a:latin typeface="Georgia"/>
+                <a:cs typeface="Calibri"/>
+              </a:rPr>
+              <a:t>definições</a:t>
+            </a:r>
+            <a:endParaRPr lang="en-US" sz="3200" dirty="0">
+              <a:latin typeface="Georgia"/>
+              <a:cs typeface="Calibri"/>
+            </a:endParaRPr>
+          </a:p>
+        </p:txBody>
+      </p:sp>
+      <p:sp>
+        <p:nvSpPr>
+          <p:cNvPr id="8" name="TextBox 1">
+            <a:extLst>
+              <a:ext uri="{FF2B5EF4-FFF2-40B4-BE49-F238E27FC236}">
+                <a16:creationId xmlns:a16="http://schemas.microsoft.com/office/drawing/2014/main" id="{A31647C8-7484-B2B9-98C0-2236FF38E072}"/>
+              </a:ext>
+            </a:extLst>
+          </p:cNvPr>
+          <p:cNvSpPr txBox="1"/>
+          <p:nvPr/>
+        </p:nvSpPr>
+        <p:spPr>
+          <a:xfrm>
+            <a:off x="208699" y="4707962"/>
+            <a:ext cx="3287527" cy="584775"/>
+          </a:xfrm>
+          <a:prstGeom prst="rect">
+            <a:avLst/>
+          </a:prstGeom>
+          <a:noFill/>
+        </p:spPr>
+        <p:txBody>
+          <a:bodyPr rot="0" spcFirstLastPara="0" vert="horz" wrap="square" lIns="91440" tIns="45720" rIns="91440" bIns="45720" numCol="1" spcCol="0" rtlCol="0" fromWordArt="0" anchor="t" anchorCtr="0" forceAA="0" compatLnSpc="1">
+            <a:prstTxWarp prst="textNoShape">
+              <a:avLst/>
+            </a:prstTxWarp>
+            <a:spAutoFit/>
+          </a:bodyPr>
+          <a:lstStyle>
+            <a:defPPr>
+              <a:defRPr lang="pt-BR"/>
+            </a:defPPr>
+            <a:lvl1pPr marL="0" algn="l" defTabSz="914400" rtl="0" eaLnBrk="1" latinLnBrk="0" hangingPunct="1">
+              <a:defRPr sz="1800" kern="1200">
+                <a:solidFill>
+                  <a:schemeClr val="tx1"/>
+                </a:solidFill>
+                <a:latin typeface="+mn-lt"/>
+                <a:ea typeface="+mn-ea"/>
+                <a:cs typeface="+mn-cs"/>
+              </a:defRPr>
+            </a:lvl1pPr>
+            <a:lvl2pPr marL="457200" algn="l" defTabSz="914400" rtl="0" eaLnBrk="1" latinLnBrk="0" hangingPunct="1">
+              <a:defRPr sz="1800" kern="1200">
+                <a:solidFill>
+                  <a:schemeClr val="tx1"/>
+                </a:solidFill>
+                <a:latin typeface="+mn-lt"/>
+                <a:ea typeface="+mn-ea"/>
+                <a:cs typeface="+mn-cs"/>
+              </a:defRPr>
+            </a:lvl2pPr>
+            <a:lvl3pPr marL="914400" algn="l" defTabSz="914400" rtl="0" eaLnBrk="1" latinLnBrk="0" hangingPunct="1">
+              <a:defRPr sz="1800" kern="1200">
+                <a:solidFill>
+                  <a:schemeClr val="tx1"/>
+                </a:solidFill>
+                <a:latin typeface="+mn-lt"/>
+                <a:ea typeface="+mn-ea"/>
+                <a:cs typeface="+mn-cs"/>
+              </a:defRPr>
+            </a:lvl3pPr>
+            <a:lvl4pPr marL="1371600" algn="l" defTabSz="914400" rtl="0" eaLnBrk="1" latinLnBrk="0" hangingPunct="1">
+              <a:defRPr sz="1800" kern="1200">
+                <a:solidFill>
+                  <a:schemeClr val="tx1"/>
+                </a:solidFill>
+                <a:latin typeface="+mn-lt"/>
+                <a:ea typeface="+mn-ea"/>
+                <a:cs typeface="+mn-cs"/>
+              </a:defRPr>
+            </a:lvl4pPr>
+            <a:lvl5pPr marL="1828800" algn="l" defTabSz="914400" rtl="0" eaLnBrk="1" latinLnBrk="0" hangingPunct="1">
+              <a:defRPr sz="1800" kern="1200">
+                <a:solidFill>
+                  <a:schemeClr val="tx1"/>
+                </a:solidFill>
+                <a:latin typeface="+mn-lt"/>
+                <a:ea typeface="+mn-ea"/>
+                <a:cs typeface="+mn-cs"/>
+              </a:defRPr>
+            </a:lvl5pPr>
+            <a:lvl6pPr marL="2286000" algn="l" defTabSz="914400" rtl="0" eaLnBrk="1" latinLnBrk="0" hangingPunct="1">
+              <a:defRPr sz="1800" kern="1200">
+                <a:solidFill>
+                  <a:schemeClr val="tx1"/>
+                </a:solidFill>
+                <a:latin typeface="+mn-lt"/>
+                <a:ea typeface="+mn-ea"/>
+                <a:cs typeface="+mn-cs"/>
+              </a:defRPr>
+            </a:lvl6pPr>
+            <a:lvl7pPr marL="2743200" algn="l" defTabSz="914400" rtl="0" eaLnBrk="1" latinLnBrk="0" hangingPunct="1">
+              <a:defRPr sz="1800" kern="1200">
+                <a:solidFill>
+                  <a:schemeClr val="tx1"/>
+                </a:solidFill>
+                <a:latin typeface="+mn-lt"/>
+                <a:ea typeface="+mn-ea"/>
+                <a:cs typeface="+mn-cs"/>
+              </a:defRPr>
+            </a:lvl7pPr>
+            <a:lvl8pPr marL="3200400" algn="l" defTabSz="914400" rtl="0" eaLnBrk="1" latinLnBrk="0" hangingPunct="1">
+              <a:defRPr sz="1800" kern="1200">
+                <a:solidFill>
+                  <a:schemeClr val="tx1"/>
+                </a:solidFill>
+                <a:latin typeface="+mn-lt"/>
+                <a:ea typeface="+mn-ea"/>
+                <a:cs typeface="+mn-cs"/>
+              </a:defRPr>
+            </a:lvl8pPr>
+            <a:lvl9pPr marL="3657600" algn="l" defTabSz="914400" rtl="0" eaLnBrk="1" latinLnBrk="0" hangingPunct="1">
+              <a:defRPr sz="1800" kern="1200">
+                <a:solidFill>
+                  <a:schemeClr val="tx1"/>
+                </a:solidFill>
+                <a:latin typeface="+mn-lt"/>
+                <a:ea typeface="+mn-ea"/>
+                <a:cs typeface="+mn-cs"/>
+              </a:defRPr>
+            </a:lvl9pPr>
+          </a:lstStyle>
+          <a:p>
+            <a:r>
+              <a:rPr lang="en-US" sz="3200" dirty="0">
+                <a:solidFill>
+                  <a:srgbClr val="FFFFFF"/>
+                </a:solidFill>
+                <a:latin typeface="Georgia"/>
+                <a:cs typeface="Calibri"/>
+              </a:rPr>
+              <a:t>Monica Herrero </a:t>
+            </a:r>
+            <a:endParaRPr lang="en-US" sz="3200" dirty="0">
+              <a:solidFill>
+                <a:srgbClr val="FFFFFF"/>
+              </a:solidFill>
+              <a:latin typeface="Georgia"/>
+            </a:endParaRPr>
+          </a:p>
+        </p:txBody>
+      </p:sp>
+    </p:spTree>
+    <p:extLst>
+      <p:ext uri="{BB962C8B-B14F-4D97-AF65-F5344CB8AC3E}">
+        <p14:creationId xmlns:p14="http://schemas.microsoft.com/office/powerpoint/2010/main" val="20406262"/>
+      </p:ext>
+    </p:extLst>
+  </p:cSld>
+  <p:clrMapOvr>
+    <a:masterClrMapping/>
+  </p:clrMapOvr>
+  <p:transition spd="med">
+    <p:pull/>
+  </p:transition>
+</p:sld>
+</file>
+
+<file path=ppt/slides/slide6.xml><?xml version="1.0" encoding="utf-8"?>
+<p:sld xmlns:a="http://schemas.openxmlformats.org/drawingml/2006/main" xmlns:r="http://schemas.openxmlformats.org/officeDocument/2006/relationships" xmlns:p="http://schemas.openxmlformats.org/presentationml/2006/main">
+  <p:cSld>
+    <p:spTree>
+      <p:nvGrpSpPr>
+        <p:cNvPr id="1" name=""/>
+        <p:cNvGrpSpPr/>
+        <p:nvPr/>
+      </p:nvGrpSpPr>
+      <p:grpSpPr>
+        <a:xfrm>
+          <a:off x="0" y="0"/>
+          <a:ext cx="0" cy="0"/>
+          <a:chOff x="0" y="0"/>
+          <a:chExt cx="0" cy="0"/>
+        </a:xfrm>
+      </p:grpSpPr>
+      <p:pic>
+        <p:nvPicPr>
+          <p:cNvPr id="14338" name="Picture 2" descr="RH digital: novas tecnologias invadem a área de ... | Nube 12/04/2019"/>
+          <p:cNvPicPr>
+            <a:picLocks noChangeAspect="1" noChangeArrowheads="1"/>
+          </p:cNvPicPr>
+          <p:nvPr/>
+        </p:nvPicPr>
+        <p:blipFill rotWithShape="1">
+          <a:blip r:embed="rId2">
+            <a:duotone>
+              <a:prstClr val="black"/>
+              <a:schemeClr val="accent5">
+                <a:tint val="45000"/>
+                <a:satMod val="400000"/>
+              </a:schemeClr>
+            </a:duotone>
+            <a:extLst>
+              <a:ext uri="{28A0092B-C50C-407E-A947-70E740481C1C}">
+                <a14:useLocalDpi xmlns:a14="http://schemas.microsoft.com/office/drawing/2010/main" val="0"/>
+              </a:ext>
+            </a:extLst>
+          </a:blip>
+          <a:srcRect l="14397" r="57590"/>
+          <a:stretch/>
+        </p:blipFill>
+        <p:spPr bwMode="auto">
+          <a:xfrm>
+            <a:off x="-25758" y="0"/>
+            <a:ext cx="3837904" cy="6858000"/>
+          </a:xfrm>
+          <a:prstGeom prst="rect">
+            <a:avLst/>
+          </a:prstGeom>
+          <a:noFill/>
+          <a:extLst>
+            <a:ext uri="{909E8E84-426E-40DD-AFC4-6F175D3DCCD1}">
+              <a14:hiddenFill xmlns:a14="http://schemas.microsoft.com/office/drawing/2010/main">
+                <a:solidFill>
+                  <a:srgbClr val="FFFFFF"/>
+                </a:solidFill>
+              </a14:hiddenFill>
+            </a:ext>
+          </a:extLst>
+        </p:spPr>
+      </p:pic>
+      <p:sp>
+        <p:nvSpPr>
+          <p:cNvPr id="4" name="Retângulo 3"/>
           <p:cNvSpPr/>
           <p:nvPr/>
         </p:nvSpPr>
         <p:spPr>
           <a:xfrm>
-            <a:off x="244698" y="193183"/>
-            <a:ext cx="2949262" cy="3000777"/>
+            <a:off x="3464416" y="0"/>
+            <a:ext cx="8727582" cy="6858000"/>
           </a:xfrm>
           <a:prstGeom prst="rect">
             <a:avLst/>
           </a:prstGeom>
           <a:solidFill>
-            <a:srgbClr val="004478"/>
+            <a:schemeClr val="bg2">
+              <a:lumMod val="90000"/>
+            </a:schemeClr>
           </a:solidFill>
           <a:ln>
             <a:noFill/>
           </a:ln>
+          <a:effectLst>
+            <a:innerShdw blurRad="63500" dist="50800" dir="10800000">
+              <a:prstClr val="black">
+                <a:alpha val="50000"/>
+              </a:prstClr>
+            </a:innerShdw>
+          </a:effectLst>
         </p:spPr>
         <p:style>
           <a:lnRef idx="2">
@@ -4989,33 +7683,989 @@
           <a:lstStyle/>
           <a:p>
             <a:pPr algn="ctr"/>
-            <a:r>
-              <a:rPr lang="pt-BR" dirty="0"/>
-              <a:t>Imagem</a:t>
-            </a:r>
-          </a:p>
-        </p:txBody>
-      </p:sp>
-      <p:sp>
-        <p:nvSpPr>
-          <p:cNvPr id="5" name="Retângulo 4"/>
+            <a:endParaRPr lang="pt-BR"/>
+          </a:p>
+        </p:txBody>
+      </p:sp>
+      <p:sp>
+        <p:nvSpPr>
+          <p:cNvPr id="2" name="CaixaDeTexto 1"/>
+          <p:cNvSpPr txBox="1"/>
+          <p:nvPr/>
+        </p:nvSpPr>
+        <p:spPr>
+          <a:xfrm>
+            <a:off x="9069551" y="5757816"/>
+            <a:ext cx="2745348" cy="707886"/>
+          </a:xfrm>
+          <a:prstGeom prst="rect">
+            <a:avLst/>
+          </a:prstGeom>
+          <a:noFill/>
+        </p:spPr>
+        <p:txBody>
+          <a:bodyPr wrap="square" rtlCol="0">
+            <a:spAutoFit/>
+          </a:bodyPr>
+          <a:lstStyle/>
+          <a:p>
+            <a:r>
+              <a:rPr lang="pt-BR" sz="4000" b="1" dirty="0">
+                <a:solidFill>
+                  <a:srgbClr val="004478"/>
+                </a:solidFill>
+                <a:latin typeface="Georgia" panose="02040502050405020303" pitchFamily="18" charset="0"/>
+                <a:cs typeface="Aharoni" panose="02010803020104030203" pitchFamily="2" charset="-79"/>
+              </a:rPr>
+              <a:t>Personas</a:t>
+            </a:r>
+          </a:p>
+        </p:txBody>
+      </p:sp>
+      <p:pic>
+        <p:nvPicPr>
+          <p:cNvPr id="1026" name="Picture 2">
+            <a:extLst>
+              <a:ext uri="{FF2B5EF4-FFF2-40B4-BE49-F238E27FC236}">
+                <a16:creationId xmlns:a16="http://schemas.microsoft.com/office/drawing/2014/main" id="{DFF05C9B-0542-C814-B767-58619745BCCF}"/>
+              </a:ext>
+            </a:extLst>
+          </p:cNvPr>
+          <p:cNvPicPr>
+            <a:picLocks noChangeAspect="1" noChangeArrowheads="1"/>
+          </p:cNvPicPr>
+          <p:nvPr/>
+        </p:nvPicPr>
+        <p:blipFill>
+          <a:blip r:embed="rId3">
+            <a:extLst>
+              <a:ext uri="{28A0092B-C50C-407E-A947-70E740481C1C}">
+                <a14:useLocalDpi xmlns:a14="http://schemas.microsoft.com/office/drawing/2010/main" val="0"/>
+              </a:ext>
+            </a:extLst>
+          </a:blip>
+          <a:srcRect/>
+          <a:stretch>
+            <a:fillRect/>
+          </a:stretch>
+        </p:blipFill>
+        <p:spPr bwMode="auto">
+          <a:xfrm>
+            <a:off x="414404" y="2233612"/>
+            <a:ext cx="2609850" cy="2390775"/>
+          </a:xfrm>
+          <a:prstGeom prst="rect">
+            <a:avLst/>
+          </a:prstGeom>
+          <a:noFill/>
+          <a:extLst>
+            <a:ext uri="{909E8E84-426E-40DD-AFC4-6F175D3DCCD1}">
+              <a14:hiddenFill xmlns:a14="http://schemas.microsoft.com/office/drawing/2010/main">
+                <a:solidFill>
+                  <a:srgbClr val="FFFFFF"/>
+                </a:solidFill>
+              </a14:hiddenFill>
+            </a:ext>
+          </a:extLst>
+        </p:spPr>
+      </p:pic>
+      <p:sp>
+        <p:nvSpPr>
+          <p:cNvPr id="3" name="TextBox 1">
+            <a:extLst>
+              <a:ext uri="{FF2B5EF4-FFF2-40B4-BE49-F238E27FC236}">
+                <a16:creationId xmlns:a16="http://schemas.microsoft.com/office/drawing/2014/main" id="{E10ACD10-A7D1-CB6D-2F8E-13AD6E078D48}"/>
+              </a:ext>
+            </a:extLst>
+          </p:cNvPr>
+          <p:cNvSpPr txBox="1"/>
+          <p:nvPr/>
+        </p:nvSpPr>
+        <p:spPr>
+          <a:xfrm>
+            <a:off x="3846440" y="839331"/>
+            <a:ext cx="8311263" cy="3841501"/>
+          </a:xfrm>
+          <a:prstGeom prst="rect">
+            <a:avLst/>
+          </a:prstGeom>
+          <a:noFill/>
+        </p:spPr>
+        <p:txBody>
+          <a:bodyPr rot="0" spcFirstLastPara="0" vert="horz" wrap="square" lIns="91440" tIns="45720" rIns="91440" bIns="45720" numCol="1" spcCol="0" rtlCol="0" fromWordArt="0" anchor="t" anchorCtr="0" forceAA="0" compatLnSpc="1">
+            <a:prstTxWarp prst="textNoShape">
+              <a:avLst/>
+            </a:prstTxWarp>
+            <a:spAutoFit/>
+          </a:bodyPr>
+          <a:lstStyle>
+            <a:defPPr>
+              <a:defRPr lang="pt-BR"/>
+            </a:defPPr>
+            <a:lvl1pPr marL="0" algn="l" defTabSz="914400" rtl="0" eaLnBrk="1" latinLnBrk="0" hangingPunct="1">
+              <a:defRPr sz="1800" kern="1200">
+                <a:solidFill>
+                  <a:schemeClr val="tx1"/>
+                </a:solidFill>
+                <a:latin typeface="+mn-lt"/>
+                <a:ea typeface="+mn-ea"/>
+                <a:cs typeface="+mn-cs"/>
+              </a:defRPr>
+            </a:lvl1pPr>
+            <a:lvl2pPr marL="457200" algn="l" defTabSz="914400" rtl="0" eaLnBrk="1" latinLnBrk="0" hangingPunct="1">
+              <a:defRPr sz="1800" kern="1200">
+                <a:solidFill>
+                  <a:schemeClr val="tx1"/>
+                </a:solidFill>
+                <a:latin typeface="+mn-lt"/>
+                <a:ea typeface="+mn-ea"/>
+                <a:cs typeface="+mn-cs"/>
+              </a:defRPr>
+            </a:lvl2pPr>
+            <a:lvl3pPr marL="914400" algn="l" defTabSz="914400" rtl="0" eaLnBrk="1" latinLnBrk="0" hangingPunct="1">
+              <a:defRPr sz="1800" kern="1200">
+                <a:solidFill>
+                  <a:schemeClr val="tx1"/>
+                </a:solidFill>
+                <a:latin typeface="+mn-lt"/>
+                <a:ea typeface="+mn-ea"/>
+                <a:cs typeface="+mn-cs"/>
+              </a:defRPr>
+            </a:lvl3pPr>
+            <a:lvl4pPr marL="1371600" algn="l" defTabSz="914400" rtl="0" eaLnBrk="1" latinLnBrk="0" hangingPunct="1">
+              <a:defRPr sz="1800" kern="1200">
+                <a:solidFill>
+                  <a:schemeClr val="tx1"/>
+                </a:solidFill>
+                <a:latin typeface="+mn-lt"/>
+                <a:ea typeface="+mn-ea"/>
+                <a:cs typeface="+mn-cs"/>
+              </a:defRPr>
+            </a:lvl4pPr>
+            <a:lvl5pPr marL="1828800" algn="l" defTabSz="914400" rtl="0" eaLnBrk="1" latinLnBrk="0" hangingPunct="1">
+              <a:defRPr sz="1800" kern="1200">
+                <a:solidFill>
+                  <a:schemeClr val="tx1"/>
+                </a:solidFill>
+                <a:latin typeface="+mn-lt"/>
+                <a:ea typeface="+mn-ea"/>
+                <a:cs typeface="+mn-cs"/>
+              </a:defRPr>
+            </a:lvl5pPr>
+            <a:lvl6pPr marL="2286000" algn="l" defTabSz="914400" rtl="0" eaLnBrk="1" latinLnBrk="0" hangingPunct="1">
+              <a:defRPr sz="1800" kern="1200">
+                <a:solidFill>
+                  <a:schemeClr val="tx1"/>
+                </a:solidFill>
+                <a:latin typeface="+mn-lt"/>
+                <a:ea typeface="+mn-ea"/>
+                <a:cs typeface="+mn-cs"/>
+              </a:defRPr>
+            </a:lvl6pPr>
+            <a:lvl7pPr marL="2743200" algn="l" defTabSz="914400" rtl="0" eaLnBrk="1" latinLnBrk="0" hangingPunct="1">
+              <a:defRPr sz="1800" kern="1200">
+                <a:solidFill>
+                  <a:schemeClr val="tx1"/>
+                </a:solidFill>
+                <a:latin typeface="+mn-lt"/>
+                <a:ea typeface="+mn-ea"/>
+                <a:cs typeface="+mn-cs"/>
+              </a:defRPr>
+            </a:lvl7pPr>
+            <a:lvl8pPr marL="3200400" algn="l" defTabSz="914400" rtl="0" eaLnBrk="1" latinLnBrk="0" hangingPunct="1">
+              <a:defRPr sz="1800" kern="1200">
+                <a:solidFill>
+                  <a:schemeClr val="tx1"/>
+                </a:solidFill>
+                <a:latin typeface="+mn-lt"/>
+                <a:ea typeface="+mn-ea"/>
+                <a:cs typeface="+mn-cs"/>
+              </a:defRPr>
+            </a:lvl8pPr>
+            <a:lvl9pPr marL="3657600" algn="l" defTabSz="914400" rtl="0" eaLnBrk="1" latinLnBrk="0" hangingPunct="1">
+              <a:defRPr sz="1800" kern="1200">
+                <a:solidFill>
+                  <a:schemeClr val="tx1"/>
+                </a:solidFill>
+                <a:latin typeface="+mn-lt"/>
+                <a:ea typeface="+mn-ea"/>
+                <a:cs typeface="+mn-cs"/>
+              </a:defRPr>
+            </a:lvl9pPr>
+          </a:lstStyle>
+          <a:p>
+            <a:endParaRPr lang="en-US" sz="3200" dirty="0">
+              <a:latin typeface="Georgia"/>
+              <a:cs typeface="Calibri"/>
+            </a:endParaRPr>
+          </a:p>
+          <a:p>
+            <a:pPr marL="457200" indent="-457200">
+              <a:lnSpc>
+                <a:spcPct val="150000"/>
+              </a:lnSpc>
+              <a:buFont typeface="Arial"/>
+              <a:buChar char="•"/>
+            </a:pPr>
+            <a:r>
+              <a:rPr lang="en-US" sz="2400" dirty="0" err="1">
+                <a:latin typeface="Georgia"/>
+                <a:cs typeface="Calibri"/>
+              </a:rPr>
+              <a:t>Já</a:t>
+            </a:r>
+            <a:r>
+              <a:rPr lang="en-US" sz="2400" dirty="0">
+                <a:latin typeface="Georgia"/>
+                <a:cs typeface="Calibri"/>
+              </a:rPr>
+              <a:t> </a:t>
+            </a:r>
+            <a:r>
+              <a:rPr lang="en-US" sz="2400" dirty="0" err="1">
+                <a:latin typeface="Georgia"/>
+                <a:cs typeface="Calibri"/>
+              </a:rPr>
+              <a:t>tive</a:t>
+            </a:r>
+            <a:r>
+              <a:rPr lang="en-US" sz="2400" dirty="0">
+                <a:latin typeface="Georgia"/>
+                <a:cs typeface="Calibri"/>
+              </a:rPr>
+              <a:t> </a:t>
+            </a:r>
+            <a:r>
+              <a:rPr lang="en-US" sz="2400" dirty="0" err="1">
+                <a:latin typeface="Georgia"/>
+                <a:cs typeface="Calibri"/>
+              </a:rPr>
+              <a:t>problemas</a:t>
+            </a:r>
+            <a:r>
+              <a:rPr lang="en-US" sz="2400" dirty="0">
+                <a:latin typeface="Georgia"/>
+                <a:cs typeface="Calibri"/>
+              </a:rPr>
+              <a:t> com </a:t>
+            </a:r>
+            <a:r>
+              <a:rPr lang="en-US" sz="2400" dirty="0" err="1">
+                <a:latin typeface="Georgia"/>
+                <a:cs typeface="Calibri"/>
+              </a:rPr>
+              <a:t>falhas</a:t>
+            </a:r>
+            <a:r>
+              <a:rPr lang="en-US" sz="2400" dirty="0">
+                <a:latin typeface="Georgia"/>
+                <a:cs typeface="Calibri"/>
+              </a:rPr>
+              <a:t> e </a:t>
+            </a:r>
+            <a:r>
+              <a:rPr lang="en-US" sz="2400" dirty="0" err="1">
+                <a:latin typeface="Georgia"/>
+                <a:cs typeface="Calibri"/>
+              </a:rPr>
+              <a:t>queda</a:t>
+            </a:r>
+            <a:r>
+              <a:rPr lang="en-US" sz="2400" dirty="0">
+                <a:latin typeface="Georgia"/>
+                <a:cs typeface="Calibri"/>
+              </a:rPr>
+              <a:t> do </a:t>
+            </a:r>
+            <a:r>
+              <a:rPr lang="en-US" sz="2400" dirty="0" err="1">
+                <a:latin typeface="Georgia"/>
+                <a:cs typeface="Calibri"/>
+              </a:rPr>
+              <a:t>sistema</a:t>
+            </a:r>
+            <a:r>
+              <a:rPr lang="en-US" sz="2400" dirty="0">
+                <a:latin typeface="Georgia"/>
+                <a:cs typeface="Calibri"/>
+              </a:rPr>
+              <a:t>;</a:t>
+            </a:r>
+          </a:p>
+          <a:p>
+            <a:pPr marL="457200" indent="-457200">
+              <a:lnSpc>
+                <a:spcPct val="150000"/>
+              </a:lnSpc>
+              <a:buFont typeface="Arial"/>
+              <a:buChar char="•"/>
+            </a:pPr>
+            <a:r>
+              <a:rPr lang="en-US" sz="2400" dirty="0" err="1">
+                <a:latin typeface="Georgia"/>
+                <a:cs typeface="Calibri"/>
+              </a:rPr>
+              <a:t>Preciso</a:t>
+            </a:r>
+            <a:r>
+              <a:rPr lang="en-US" sz="2400" dirty="0">
+                <a:latin typeface="Georgia"/>
+                <a:cs typeface="Calibri"/>
+              </a:rPr>
+              <a:t> de </a:t>
+            </a:r>
+            <a:r>
+              <a:rPr lang="en-US" sz="2400" dirty="0" err="1">
+                <a:latin typeface="Georgia"/>
+                <a:cs typeface="Calibri"/>
+              </a:rPr>
+              <a:t>monitoramento</a:t>
+            </a:r>
+            <a:r>
+              <a:rPr lang="en-US" sz="2400" dirty="0">
+                <a:latin typeface="Georgia"/>
+                <a:cs typeface="Calibri"/>
+              </a:rPr>
+              <a:t> 24/7 do </a:t>
+            </a:r>
+            <a:r>
+              <a:rPr lang="en-US" sz="2400" dirty="0" err="1">
+                <a:latin typeface="Georgia"/>
+                <a:cs typeface="Calibri"/>
+              </a:rPr>
+              <a:t>sistema</a:t>
+            </a:r>
+            <a:r>
+              <a:rPr lang="en-US" sz="2400" dirty="0">
+                <a:latin typeface="Georgia"/>
+                <a:cs typeface="Calibri"/>
+              </a:rPr>
+              <a:t> de check-in;</a:t>
+            </a:r>
+          </a:p>
+          <a:p>
+            <a:pPr marL="457200" indent="-457200">
+              <a:lnSpc>
+                <a:spcPct val="150000"/>
+              </a:lnSpc>
+              <a:buFont typeface="Arial"/>
+              <a:buChar char="•"/>
+            </a:pPr>
+            <a:r>
+              <a:rPr lang="en-US" sz="2400" dirty="0" err="1">
+                <a:latin typeface="Georgia"/>
+                <a:cs typeface="Calibri"/>
+              </a:rPr>
+              <a:t>Congestionamento</a:t>
+            </a:r>
+            <a:r>
+              <a:rPr lang="en-US" sz="2400" dirty="0">
+                <a:latin typeface="Georgia"/>
+                <a:cs typeface="Calibri"/>
+              </a:rPr>
+              <a:t> </a:t>
+            </a:r>
+            <a:r>
+              <a:rPr lang="en-US" sz="2400" dirty="0" err="1">
+                <a:latin typeface="Georgia"/>
+                <a:cs typeface="Calibri"/>
+              </a:rPr>
+              <a:t>por</a:t>
+            </a:r>
+            <a:r>
+              <a:rPr lang="en-US" sz="2400" dirty="0">
+                <a:latin typeface="Georgia"/>
+                <a:cs typeface="Calibri"/>
+              </a:rPr>
+              <a:t> </a:t>
+            </a:r>
+            <a:r>
+              <a:rPr lang="en-US" sz="2400" dirty="0" err="1">
+                <a:latin typeface="Georgia"/>
+                <a:cs typeface="Calibri"/>
+              </a:rPr>
+              <a:t>muitas</a:t>
+            </a:r>
+            <a:r>
+              <a:rPr lang="en-US" sz="2400" dirty="0">
+                <a:latin typeface="Georgia"/>
+                <a:cs typeface="Calibri"/>
+              </a:rPr>
+              <a:t> </a:t>
+            </a:r>
+            <a:r>
+              <a:rPr lang="en-US" sz="2400" dirty="0" err="1">
+                <a:latin typeface="Georgia"/>
+                <a:cs typeface="Calibri"/>
+              </a:rPr>
+              <a:t>utilizações</a:t>
+            </a:r>
+            <a:r>
+              <a:rPr lang="en-US" sz="2400" dirty="0">
+                <a:latin typeface="Georgia"/>
+                <a:cs typeface="Calibri"/>
+              </a:rPr>
+              <a:t>;</a:t>
+            </a:r>
+          </a:p>
+          <a:p>
+            <a:pPr marL="457200" indent="-457200">
+              <a:lnSpc>
+                <a:spcPct val="150000"/>
+              </a:lnSpc>
+              <a:buFont typeface="Arial"/>
+              <a:buChar char="•"/>
+            </a:pPr>
+            <a:r>
+              <a:rPr lang="en-US" sz="2400" dirty="0" err="1">
+                <a:latin typeface="Georgia"/>
+                <a:cs typeface="Calibri"/>
+              </a:rPr>
+              <a:t>Transtorno</a:t>
+            </a:r>
+            <a:r>
+              <a:rPr lang="en-US" sz="2400" dirty="0">
+                <a:latin typeface="Georgia"/>
+                <a:cs typeface="Calibri"/>
+              </a:rPr>
+              <a:t> </a:t>
+            </a:r>
+            <a:r>
+              <a:rPr lang="en-US" sz="2400" dirty="0" err="1">
+                <a:latin typeface="Georgia"/>
+                <a:cs typeface="Calibri"/>
+              </a:rPr>
+              <a:t>recorrente</a:t>
+            </a:r>
+            <a:r>
+              <a:rPr lang="en-US" sz="2400" dirty="0">
+                <a:latin typeface="Georgia"/>
+                <a:cs typeface="Calibri"/>
+              </a:rPr>
+              <a:t> com </a:t>
+            </a:r>
+            <a:r>
+              <a:rPr lang="en-US" sz="2400" dirty="0" err="1">
+                <a:latin typeface="Georgia"/>
+                <a:cs typeface="Calibri"/>
+              </a:rPr>
+              <a:t>usuários</a:t>
+            </a:r>
+            <a:r>
+              <a:rPr lang="en-US" sz="2400" dirty="0">
+                <a:latin typeface="Georgia"/>
+                <a:cs typeface="Calibri"/>
+              </a:rPr>
+              <a:t> do </a:t>
+            </a:r>
+            <a:r>
+              <a:rPr lang="en-US" sz="2400" dirty="0" err="1">
+                <a:latin typeface="Georgia"/>
+                <a:cs typeface="Calibri"/>
+              </a:rPr>
+              <a:t>sistema</a:t>
+            </a:r>
+            <a:r>
+              <a:rPr lang="en-US" sz="2400" dirty="0">
+                <a:latin typeface="Georgia"/>
+                <a:cs typeface="Calibri"/>
+              </a:rPr>
+              <a:t>;</a:t>
+            </a:r>
+          </a:p>
+          <a:p>
+            <a:pPr marL="457200" indent="-457200">
+              <a:lnSpc>
+                <a:spcPct val="150000"/>
+              </a:lnSpc>
+              <a:buFont typeface="Arial"/>
+              <a:buChar char="•"/>
+            </a:pPr>
+            <a:r>
+              <a:rPr lang="en-US" sz="2400" dirty="0">
+                <a:latin typeface="Georgia"/>
+                <a:cs typeface="Calibri"/>
+              </a:rPr>
+              <a:t>Falta de </a:t>
+            </a:r>
+            <a:r>
+              <a:rPr lang="en-US" sz="2400" dirty="0" err="1">
+                <a:latin typeface="Georgia"/>
+                <a:cs typeface="Calibri"/>
+              </a:rPr>
+              <a:t>avisos</a:t>
+            </a:r>
+            <a:r>
+              <a:rPr lang="en-US" sz="2400" dirty="0">
+                <a:latin typeface="Georgia"/>
+                <a:cs typeface="Calibri"/>
+              </a:rPr>
+              <a:t> de </a:t>
+            </a:r>
+            <a:r>
+              <a:rPr lang="en-US" sz="2400" dirty="0" err="1">
+                <a:latin typeface="Georgia"/>
+                <a:cs typeface="Calibri"/>
+              </a:rPr>
+              <a:t>possiveis</a:t>
+            </a:r>
+            <a:r>
+              <a:rPr lang="en-US" sz="2400" dirty="0">
+                <a:latin typeface="Georgia"/>
+                <a:cs typeface="Calibri"/>
+              </a:rPr>
+              <a:t> </a:t>
+            </a:r>
+            <a:r>
+              <a:rPr lang="en-US" sz="2400" dirty="0" err="1">
+                <a:latin typeface="Georgia"/>
+                <a:cs typeface="Calibri"/>
+              </a:rPr>
+              <a:t>falhas</a:t>
+            </a:r>
+            <a:r>
+              <a:rPr lang="en-US" sz="2400" dirty="0">
+                <a:latin typeface="Georgia"/>
+                <a:cs typeface="Calibri"/>
+              </a:rPr>
+              <a:t> e </a:t>
+            </a:r>
+            <a:r>
+              <a:rPr lang="en-US" sz="2400" dirty="0" err="1">
+                <a:latin typeface="Georgia"/>
+                <a:cs typeface="Calibri"/>
+              </a:rPr>
+              <a:t>predições</a:t>
+            </a:r>
+            <a:r>
+              <a:rPr lang="en-US" sz="2400" dirty="0">
+                <a:latin typeface="Georgia"/>
+                <a:cs typeface="Calibri"/>
+              </a:rPr>
+              <a:t> do </a:t>
+            </a:r>
+            <a:r>
+              <a:rPr lang="en-US" sz="2400" dirty="0" err="1">
+                <a:latin typeface="Georgia"/>
+                <a:cs typeface="Calibri"/>
+              </a:rPr>
+              <a:t>sistema</a:t>
+            </a:r>
+            <a:r>
+              <a:rPr lang="en-US" sz="2400" dirty="0">
+                <a:latin typeface="Georgia"/>
+                <a:cs typeface="Calibri"/>
+              </a:rPr>
+              <a:t>;</a:t>
+            </a:r>
+          </a:p>
+        </p:txBody>
+      </p:sp>
+      <p:sp>
+        <p:nvSpPr>
+          <p:cNvPr id="5" name="TextBox 1">
+            <a:extLst>
+              <a:ext uri="{FF2B5EF4-FFF2-40B4-BE49-F238E27FC236}">
+                <a16:creationId xmlns:a16="http://schemas.microsoft.com/office/drawing/2014/main" id="{BBCA574B-5055-EFC2-4042-609AECE3EA70}"/>
+              </a:ext>
+            </a:extLst>
+          </p:cNvPr>
+          <p:cNvSpPr txBox="1"/>
+          <p:nvPr/>
+        </p:nvSpPr>
+        <p:spPr>
+          <a:xfrm>
+            <a:off x="3846440" y="546944"/>
+            <a:ext cx="4236720" cy="584775"/>
+          </a:xfrm>
+          <a:prstGeom prst="rect">
+            <a:avLst/>
+          </a:prstGeom>
+          <a:noFill/>
+        </p:spPr>
+        <p:txBody>
+          <a:bodyPr rot="0" spcFirstLastPara="0" vert="horz" wrap="square" lIns="91440" tIns="45720" rIns="91440" bIns="45720" numCol="1" spcCol="0" rtlCol="0" fromWordArt="0" anchor="t" anchorCtr="0" forceAA="0" compatLnSpc="1">
+            <a:prstTxWarp prst="textNoShape">
+              <a:avLst/>
+            </a:prstTxWarp>
+            <a:spAutoFit/>
+          </a:bodyPr>
+          <a:lstStyle>
+            <a:defPPr>
+              <a:defRPr lang="pt-BR"/>
+            </a:defPPr>
+            <a:lvl1pPr marL="0" algn="l" defTabSz="914400" rtl="0" eaLnBrk="1" latinLnBrk="0" hangingPunct="1">
+              <a:defRPr sz="1800" kern="1200">
+                <a:solidFill>
+                  <a:schemeClr val="tx1"/>
+                </a:solidFill>
+                <a:latin typeface="+mn-lt"/>
+                <a:ea typeface="+mn-ea"/>
+                <a:cs typeface="+mn-cs"/>
+              </a:defRPr>
+            </a:lvl1pPr>
+            <a:lvl2pPr marL="457200" algn="l" defTabSz="914400" rtl="0" eaLnBrk="1" latinLnBrk="0" hangingPunct="1">
+              <a:defRPr sz="1800" kern="1200">
+                <a:solidFill>
+                  <a:schemeClr val="tx1"/>
+                </a:solidFill>
+                <a:latin typeface="+mn-lt"/>
+                <a:ea typeface="+mn-ea"/>
+                <a:cs typeface="+mn-cs"/>
+              </a:defRPr>
+            </a:lvl2pPr>
+            <a:lvl3pPr marL="914400" algn="l" defTabSz="914400" rtl="0" eaLnBrk="1" latinLnBrk="0" hangingPunct="1">
+              <a:defRPr sz="1800" kern="1200">
+                <a:solidFill>
+                  <a:schemeClr val="tx1"/>
+                </a:solidFill>
+                <a:latin typeface="+mn-lt"/>
+                <a:ea typeface="+mn-ea"/>
+                <a:cs typeface="+mn-cs"/>
+              </a:defRPr>
+            </a:lvl3pPr>
+            <a:lvl4pPr marL="1371600" algn="l" defTabSz="914400" rtl="0" eaLnBrk="1" latinLnBrk="0" hangingPunct="1">
+              <a:defRPr sz="1800" kern="1200">
+                <a:solidFill>
+                  <a:schemeClr val="tx1"/>
+                </a:solidFill>
+                <a:latin typeface="+mn-lt"/>
+                <a:ea typeface="+mn-ea"/>
+                <a:cs typeface="+mn-cs"/>
+              </a:defRPr>
+            </a:lvl4pPr>
+            <a:lvl5pPr marL="1828800" algn="l" defTabSz="914400" rtl="0" eaLnBrk="1" latinLnBrk="0" hangingPunct="1">
+              <a:defRPr sz="1800" kern="1200">
+                <a:solidFill>
+                  <a:schemeClr val="tx1"/>
+                </a:solidFill>
+                <a:latin typeface="+mn-lt"/>
+                <a:ea typeface="+mn-ea"/>
+                <a:cs typeface="+mn-cs"/>
+              </a:defRPr>
+            </a:lvl5pPr>
+            <a:lvl6pPr marL="2286000" algn="l" defTabSz="914400" rtl="0" eaLnBrk="1" latinLnBrk="0" hangingPunct="1">
+              <a:defRPr sz="1800" kern="1200">
+                <a:solidFill>
+                  <a:schemeClr val="tx1"/>
+                </a:solidFill>
+                <a:latin typeface="+mn-lt"/>
+                <a:ea typeface="+mn-ea"/>
+                <a:cs typeface="+mn-cs"/>
+              </a:defRPr>
+            </a:lvl6pPr>
+            <a:lvl7pPr marL="2743200" algn="l" defTabSz="914400" rtl="0" eaLnBrk="1" latinLnBrk="0" hangingPunct="1">
+              <a:defRPr sz="1800" kern="1200">
+                <a:solidFill>
+                  <a:schemeClr val="tx1"/>
+                </a:solidFill>
+                <a:latin typeface="+mn-lt"/>
+                <a:ea typeface="+mn-ea"/>
+                <a:cs typeface="+mn-cs"/>
+              </a:defRPr>
+            </a:lvl7pPr>
+            <a:lvl8pPr marL="3200400" algn="l" defTabSz="914400" rtl="0" eaLnBrk="1" latinLnBrk="0" hangingPunct="1">
+              <a:defRPr sz="1800" kern="1200">
+                <a:solidFill>
+                  <a:schemeClr val="tx1"/>
+                </a:solidFill>
+                <a:latin typeface="+mn-lt"/>
+                <a:ea typeface="+mn-ea"/>
+                <a:cs typeface="+mn-cs"/>
+              </a:defRPr>
+            </a:lvl8pPr>
+            <a:lvl9pPr marL="3657600" algn="l" defTabSz="914400" rtl="0" eaLnBrk="1" latinLnBrk="0" hangingPunct="1">
+              <a:defRPr sz="1800" kern="1200">
+                <a:solidFill>
+                  <a:schemeClr val="tx1"/>
+                </a:solidFill>
+                <a:latin typeface="+mn-lt"/>
+                <a:ea typeface="+mn-ea"/>
+                <a:cs typeface="+mn-cs"/>
+              </a:defRPr>
+            </a:lvl9pPr>
+          </a:lstStyle>
+          <a:p>
+            <a:pPr algn="l"/>
+            <a:r>
+              <a:rPr lang="en-US" sz="3200" dirty="0" err="1">
+                <a:latin typeface="Georgia"/>
+                <a:cs typeface="Calibri"/>
+              </a:rPr>
+              <a:t>Dores</a:t>
+            </a:r>
+            <a:r>
+              <a:rPr lang="en-US" sz="3200" dirty="0">
+                <a:latin typeface="Georgia"/>
+                <a:cs typeface="Calibri"/>
+              </a:rPr>
+              <a:t> e </a:t>
+            </a:r>
+            <a:r>
+              <a:rPr lang="en-US" sz="3200" dirty="0" err="1">
+                <a:latin typeface="Georgia"/>
+                <a:cs typeface="Calibri"/>
+              </a:rPr>
+              <a:t>Necessidades</a:t>
+            </a:r>
+            <a:endParaRPr lang="en-US" sz="3200" dirty="0">
+              <a:latin typeface="Georgia"/>
+            </a:endParaRPr>
+          </a:p>
+        </p:txBody>
+      </p:sp>
+      <p:sp>
+        <p:nvSpPr>
+          <p:cNvPr id="7" name="TextBox 1">
+            <a:extLst>
+              <a:ext uri="{FF2B5EF4-FFF2-40B4-BE49-F238E27FC236}">
+                <a16:creationId xmlns:a16="http://schemas.microsoft.com/office/drawing/2014/main" id="{E0F00403-E784-3AEA-EA77-C91C1E0B4016}"/>
+              </a:ext>
+            </a:extLst>
+          </p:cNvPr>
+          <p:cNvSpPr txBox="1"/>
+          <p:nvPr/>
+        </p:nvSpPr>
+        <p:spPr>
+          <a:xfrm>
+            <a:off x="208699" y="4707962"/>
+            <a:ext cx="3287527" cy="584775"/>
+          </a:xfrm>
+          <a:prstGeom prst="rect">
+            <a:avLst/>
+          </a:prstGeom>
+          <a:noFill/>
+        </p:spPr>
+        <p:txBody>
+          <a:bodyPr rot="0" spcFirstLastPara="0" vert="horz" wrap="square" lIns="91440" tIns="45720" rIns="91440" bIns="45720" numCol="1" spcCol="0" rtlCol="0" fromWordArt="0" anchor="t" anchorCtr="0" forceAA="0" compatLnSpc="1">
+            <a:prstTxWarp prst="textNoShape">
+              <a:avLst/>
+            </a:prstTxWarp>
+            <a:spAutoFit/>
+          </a:bodyPr>
+          <a:lstStyle>
+            <a:defPPr>
+              <a:defRPr lang="pt-BR"/>
+            </a:defPPr>
+            <a:lvl1pPr marL="0" algn="l" defTabSz="914400" rtl="0" eaLnBrk="1" latinLnBrk="0" hangingPunct="1">
+              <a:defRPr sz="1800" kern="1200">
+                <a:solidFill>
+                  <a:schemeClr val="tx1"/>
+                </a:solidFill>
+                <a:latin typeface="+mn-lt"/>
+                <a:ea typeface="+mn-ea"/>
+                <a:cs typeface="+mn-cs"/>
+              </a:defRPr>
+            </a:lvl1pPr>
+            <a:lvl2pPr marL="457200" algn="l" defTabSz="914400" rtl="0" eaLnBrk="1" latinLnBrk="0" hangingPunct="1">
+              <a:defRPr sz="1800" kern="1200">
+                <a:solidFill>
+                  <a:schemeClr val="tx1"/>
+                </a:solidFill>
+                <a:latin typeface="+mn-lt"/>
+                <a:ea typeface="+mn-ea"/>
+                <a:cs typeface="+mn-cs"/>
+              </a:defRPr>
+            </a:lvl2pPr>
+            <a:lvl3pPr marL="914400" algn="l" defTabSz="914400" rtl="0" eaLnBrk="1" latinLnBrk="0" hangingPunct="1">
+              <a:defRPr sz="1800" kern="1200">
+                <a:solidFill>
+                  <a:schemeClr val="tx1"/>
+                </a:solidFill>
+                <a:latin typeface="+mn-lt"/>
+                <a:ea typeface="+mn-ea"/>
+                <a:cs typeface="+mn-cs"/>
+              </a:defRPr>
+            </a:lvl3pPr>
+            <a:lvl4pPr marL="1371600" algn="l" defTabSz="914400" rtl="0" eaLnBrk="1" latinLnBrk="0" hangingPunct="1">
+              <a:defRPr sz="1800" kern="1200">
+                <a:solidFill>
+                  <a:schemeClr val="tx1"/>
+                </a:solidFill>
+                <a:latin typeface="+mn-lt"/>
+                <a:ea typeface="+mn-ea"/>
+                <a:cs typeface="+mn-cs"/>
+              </a:defRPr>
+            </a:lvl4pPr>
+            <a:lvl5pPr marL="1828800" algn="l" defTabSz="914400" rtl="0" eaLnBrk="1" latinLnBrk="0" hangingPunct="1">
+              <a:defRPr sz="1800" kern="1200">
+                <a:solidFill>
+                  <a:schemeClr val="tx1"/>
+                </a:solidFill>
+                <a:latin typeface="+mn-lt"/>
+                <a:ea typeface="+mn-ea"/>
+                <a:cs typeface="+mn-cs"/>
+              </a:defRPr>
+            </a:lvl5pPr>
+            <a:lvl6pPr marL="2286000" algn="l" defTabSz="914400" rtl="0" eaLnBrk="1" latinLnBrk="0" hangingPunct="1">
+              <a:defRPr sz="1800" kern="1200">
+                <a:solidFill>
+                  <a:schemeClr val="tx1"/>
+                </a:solidFill>
+                <a:latin typeface="+mn-lt"/>
+                <a:ea typeface="+mn-ea"/>
+                <a:cs typeface="+mn-cs"/>
+              </a:defRPr>
+            </a:lvl6pPr>
+            <a:lvl7pPr marL="2743200" algn="l" defTabSz="914400" rtl="0" eaLnBrk="1" latinLnBrk="0" hangingPunct="1">
+              <a:defRPr sz="1800" kern="1200">
+                <a:solidFill>
+                  <a:schemeClr val="tx1"/>
+                </a:solidFill>
+                <a:latin typeface="+mn-lt"/>
+                <a:ea typeface="+mn-ea"/>
+                <a:cs typeface="+mn-cs"/>
+              </a:defRPr>
+            </a:lvl7pPr>
+            <a:lvl8pPr marL="3200400" algn="l" defTabSz="914400" rtl="0" eaLnBrk="1" latinLnBrk="0" hangingPunct="1">
+              <a:defRPr sz="1800" kern="1200">
+                <a:solidFill>
+                  <a:schemeClr val="tx1"/>
+                </a:solidFill>
+                <a:latin typeface="+mn-lt"/>
+                <a:ea typeface="+mn-ea"/>
+                <a:cs typeface="+mn-cs"/>
+              </a:defRPr>
+            </a:lvl8pPr>
+            <a:lvl9pPr marL="3657600" algn="l" defTabSz="914400" rtl="0" eaLnBrk="1" latinLnBrk="0" hangingPunct="1">
+              <a:defRPr sz="1800" kern="1200">
+                <a:solidFill>
+                  <a:schemeClr val="tx1"/>
+                </a:solidFill>
+                <a:latin typeface="+mn-lt"/>
+                <a:ea typeface="+mn-ea"/>
+                <a:cs typeface="+mn-cs"/>
+              </a:defRPr>
+            </a:lvl9pPr>
+          </a:lstStyle>
+          <a:p>
+            <a:r>
+              <a:rPr lang="en-US" sz="3200" dirty="0">
+                <a:solidFill>
+                  <a:srgbClr val="FFFFFF"/>
+                </a:solidFill>
+                <a:latin typeface="Georgia"/>
+                <a:cs typeface="Calibri"/>
+              </a:rPr>
+              <a:t>Monica Herrero </a:t>
+            </a:r>
+            <a:endParaRPr lang="en-US" sz="3200" dirty="0">
+              <a:solidFill>
+                <a:srgbClr val="FFFFFF"/>
+              </a:solidFill>
+              <a:latin typeface="Georgia"/>
+            </a:endParaRPr>
+          </a:p>
+        </p:txBody>
+      </p:sp>
+    </p:spTree>
+    <p:extLst>
+      <p:ext uri="{BB962C8B-B14F-4D97-AF65-F5344CB8AC3E}">
+        <p14:creationId xmlns:p14="http://schemas.microsoft.com/office/powerpoint/2010/main" val="4292694289"/>
+      </p:ext>
+    </p:extLst>
+  </p:cSld>
+  <p:clrMapOvr>
+    <a:masterClrMapping/>
+  </p:clrMapOvr>
+  <p:transition spd="med">
+    <p:pull/>
+  </p:transition>
+</p:sld>
+</file>
+
+<file path=ppt/slides/slide7.xml><?xml version="1.0" encoding="utf-8"?>
+<p:sld xmlns:a="http://schemas.openxmlformats.org/drawingml/2006/main" xmlns:r="http://schemas.openxmlformats.org/officeDocument/2006/relationships" xmlns:p="http://schemas.openxmlformats.org/presentationml/2006/main">
+  <p:cSld>
+    <p:spTree>
+      <p:nvGrpSpPr>
+        <p:cNvPr id="1" name=""/>
+        <p:cNvGrpSpPr/>
+        <p:nvPr/>
+      </p:nvGrpSpPr>
+      <p:grpSpPr>
+        <a:xfrm>
+          <a:off x="0" y="0"/>
+          <a:ext cx="0" cy="0"/>
+          <a:chOff x="0" y="0"/>
+          <a:chExt cx="0" cy="0"/>
+        </a:xfrm>
+      </p:grpSpPr>
+      <p:pic>
+        <p:nvPicPr>
+          <p:cNvPr id="14338" name="Picture 2" descr="RH digital: novas tecnologias invadem a área de ... | Nube 12/04/2019"/>
+          <p:cNvPicPr>
+            <a:picLocks noChangeAspect="1" noChangeArrowheads="1"/>
+          </p:cNvPicPr>
+          <p:nvPr/>
+        </p:nvPicPr>
+        <p:blipFill rotWithShape="1">
+          <a:blip r:embed="rId2">
+            <a:duotone>
+              <a:prstClr val="black"/>
+              <a:schemeClr val="accent5">
+                <a:tint val="45000"/>
+                <a:satMod val="400000"/>
+              </a:schemeClr>
+            </a:duotone>
+            <a:extLst>
+              <a:ext uri="{28A0092B-C50C-407E-A947-70E740481C1C}">
+                <a14:useLocalDpi xmlns:a14="http://schemas.microsoft.com/office/drawing/2010/main" val="0"/>
+              </a:ext>
+            </a:extLst>
+          </a:blip>
+          <a:srcRect l="14397" r="57590"/>
+          <a:stretch/>
+        </p:blipFill>
+        <p:spPr bwMode="auto">
+          <a:xfrm flipH="1">
+            <a:off x="8345909" y="0"/>
+            <a:ext cx="3837904" cy="6858000"/>
+          </a:xfrm>
+          <a:prstGeom prst="rect">
+            <a:avLst/>
+          </a:prstGeom>
+          <a:noFill/>
+          <a:extLst>
+            <a:ext uri="{909E8E84-426E-40DD-AFC4-6F175D3DCCD1}">
+              <a14:hiddenFill xmlns:a14="http://schemas.microsoft.com/office/drawing/2010/main">
+                <a:solidFill>
+                  <a:srgbClr val="FFFFFF"/>
+                </a:solidFill>
+              </a14:hiddenFill>
+            </a:ext>
+          </a:extLst>
+        </p:spPr>
+      </p:pic>
+      <p:sp>
+        <p:nvSpPr>
+          <p:cNvPr id="4" name="Retângulo 3"/>
           <p:cNvSpPr/>
           <p:nvPr/>
         </p:nvSpPr>
         <p:spPr>
-          <a:xfrm>
-            <a:off x="244698" y="3609304"/>
-            <a:ext cx="2949262" cy="3000777"/>
+          <a:xfrm flipH="1">
+            <a:off x="-15641" y="0"/>
+            <a:ext cx="8727582" cy="6858000"/>
           </a:xfrm>
           <a:prstGeom prst="rect">
             <a:avLst/>
           </a:prstGeom>
           <a:solidFill>
-            <a:srgbClr val="004478"/>
+            <a:schemeClr val="bg2">
+              <a:lumMod val="90000"/>
+            </a:schemeClr>
           </a:solidFill>
           <a:ln>
             <a:noFill/>
           </a:ln>
+          <a:effectLst>
+            <a:innerShdw blurRad="63500" dist="50800" dir="10800000">
+              <a:prstClr val="black">
+                <a:alpha val="50000"/>
+              </a:prstClr>
+            </a:innerShdw>
+          </a:effectLst>
         </p:spPr>
         <p:style>
           <a:lnRef idx="2">
@@ -5038,27 +8688,1663 @@
           <a:lstStyle/>
           <a:p>
             <a:pPr algn="ctr"/>
-            <a:r>
-              <a:rPr lang="pt-BR" dirty="0"/>
-              <a:t>Imagem</a:t>
-            </a:r>
+            <a:endParaRPr lang="pt-BR"/>
+          </a:p>
+        </p:txBody>
+      </p:sp>
+      <p:sp>
+        <p:nvSpPr>
+          <p:cNvPr id="2" name="CaixaDeTexto 1"/>
+          <p:cNvSpPr txBox="1"/>
+          <p:nvPr/>
+        </p:nvSpPr>
+        <p:spPr>
+          <a:xfrm>
+            <a:off x="378286" y="5757816"/>
+            <a:ext cx="2745348" cy="707886"/>
+          </a:xfrm>
+          <a:prstGeom prst="rect">
+            <a:avLst/>
+          </a:prstGeom>
+          <a:noFill/>
+        </p:spPr>
+        <p:txBody>
+          <a:bodyPr wrap="square" rtlCol="0">
+            <a:spAutoFit/>
+          </a:bodyPr>
+          <a:lstStyle/>
+          <a:p>
+            <a:r>
+              <a:rPr lang="pt-BR" sz="4000" b="1" dirty="0">
+                <a:solidFill>
+                  <a:srgbClr val="004478"/>
+                </a:solidFill>
+                <a:latin typeface="Georgia" panose="02040502050405020303" pitchFamily="18" charset="0"/>
+                <a:cs typeface="Aharoni" panose="02010803020104030203" pitchFamily="2" charset="-79"/>
+              </a:rPr>
+              <a:t>Personas</a:t>
+            </a:r>
+          </a:p>
+        </p:txBody>
+      </p:sp>
+      <p:pic>
+        <p:nvPicPr>
+          <p:cNvPr id="2050" name="Picture 2">
+            <a:extLst>
+              <a:ext uri="{FF2B5EF4-FFF2-40B4-BE49-F238E27FC236}">
+                <a16:creationId xmlns:a16="http://schemas.microsoft.com/office/drawing/2014/main" id="{AE1C6AFB-4406-52AD-6EE1-1D74094E987D}"/>
+              </a:ext>
+            </a:extLst>
+          </p:cNvPr>
+          <p:cNvPicPr>
+            <a:picLocks noChangeAspect="1" noChangeArrowheads="1"/>
+          </p:cNvPicPr>
+          <p:nvPr/>
+        </p:nvPicPr>
+        <p:blipFill>
+          <a:blip r:embed="rId3">
+            <a:extLst>
+              <a:ext uri="{28A0092B-C50C-407E-A947-70E740481C1C}">
+                <a14:useLocalDpi xmlns:a14="http://schemas.microsoft.com/office/drawing/2010/main" val="0"/>
+              </a:ext>
+            </a:extLst>
+          </a:blip>
+          <a:srcRect/>
+          <a:stretch>
+            <a:fillRect/>
+          </a:stretch>
+        </p:blipFill>
+        <p:spPr bwMode="auto">
+          <a:xfrm>
+            <a:off x="9081404" y="2081213"/>
+            <a:ext cx="2800350" cy="2695575"/>
+          </a:xfrm>
+          <a:prstGeom prst="rect">
+            <a:avLst/>
+          </a:prstGeom>
+          <a:noFill/>
+          <a:extLst>
+            <a:ext uri="{909E8E84-426E-40DD-AFC4-6F175D3DCCD1}">
+              <a14:hiddenFill xmlns:a14="http://schemas.microsoft.com/office/drawing/2010/main">
+                <a:solidFill>
+                  <a:srgbClr val="FFFFFF"/>
+                </a:solidFill>
+              </a14:hiddenFill>
+            </a:ext>
+          </a:extLst>
+        </p:spPr>
+      </p:pic>
+      <p:sp>
+        <p:nvSpPr>
+          <p:cNvPr id="6" name="TextBox 1">
+            <a:extLst>
+              <a:ext uri="{FF2B5EF4-FFF2-40B4-BE49-F238E27FC236}">
+                <a16:creationId xmlns:a16="http://schemas.microsoft.com/office/drawing/2014/main" id="{9FE559AC-7996-4B16-1B60-4B635C3865ED}"/>
+              </a:ext>
+            </a:extLst>
+          </p:cNvPr>
+          <p:cNvSpPr txBox="1"/>
+          <p:nvPr/>
+        </p:nvSpPr>
+        <p:spPr>
+          <a:xfrm>
+            <a:off x="8970982" y="4858880"/>
+            <a:ext cx="3287527" cy="584775"/>
+          </a:xfrm>
+          <a:prstGeom prst="rect">
+            <a:avLst/>
+          </a:prstGeom>
+          <a:noFill/>
+        </p:spPr>
+        <p:txBody>
+          <a:bodyPr rot="0" spcFirstLastPara="0" vert="horz" wrap="square" lIns="91440" tIns="45720" rIns="91440" bIns="45720" numCol="1" spcCol="0" rtlCol="0" fromWordArt="0" anchor="t" anchorCtr="0" forceAA="0" compatLnSpc="1">
+            <a:prstTxWarp prst="textNoShape">
+              <a:avLst/>
+            </a:prstTxWarp>
+            <a:spAutoFit/>
+          </a:bodyPr>
+          <a:lstStyle>
+            <a:defPPr>
+              <a:defRPr lang="pt-BR"/>
+            </a:defPPr>
+            <a:lvl1pPr marL="0" algn="l" defTabSz="914400" rtl="0" eaLnBrk="1" latinLnBrk="0" hangingPunct="1">
+              <a:defRPr sz="1800" kern="1200">
+                <a:solidFill>
+                  <a:schemeClr val="tx1"/>
+                </a:solidFill>
+                <a:latin typeface="+mn-lt"/>
+                <a:ea typeface="+mn-ea"/>
+                <a:cs typeface="+mn-cs"/>
+              </a:defRPr>
+            </a:lvl1pPr>
+            <a:lvl2pPr marL="457200" algn="l" defTabSz="914400" rtl="0" eaLnBrk="1" latinLnBrk="0" hangingPunct="1">
+              <a:defRPr sz="1800" kern="1200">
+                <a:solidFill>
+                  <a:schemeClr val="tx1"/>
+                </a:solidFill>
+                <a:latin typeface="+mn-lt"/>
+                <a:ea typeface="+mn-ea"/>
+                <a:cs typeface="+mn-cs"/>
+              </a:defRPr>
+            </a:lvl2pPr>
+            <a:lvl3pPr marL="914400" algn="l" defTabSz="914400" rtl="0" eaLnBrk="1" latinLnBrk="0" hangingPunct="1">
+              <a:defRPr sz="1800" kern="1200">
+                <a:solidFill>
+                  <a:schemeClr val="tx1"/>
+                </a:solidFill>
+                <a:latin typeface="+mn-lt"/>
+                <a:ea typeface="+mn-ea"/>
+                <a:cs typeface="+mn-cs"/>
+              </a:defRPr>
+            </a:lvl3pPr>
+            <a:lvl4pPr marL="1371600" algn="l" defTabSz="914400" rtl="0" eaLnBrk="1" latinLnBrk="0" hangingPunct="1">
+              <a:defRPr sz="1800" kern="1200">
+                <a:solidFill>
+                  <a:schemeClr val="tx1"/>
+                </a:solidFill>
+                <a:latin typeface="+mn-lt"/>
+                <a:ea typeface="+mn-ea"/>
+                <a:cs typeface="+mn-cs"/>
+              </a:defRPr>
+            </a:lvl4pPr>
+            <a:lvl5pPr marL="1828800" algn="l" defTabSz="914400" rtl="0" eaLnBrk="1" latinLnBrk="0" hangingPunct="1">
+              <a:defRPr sz="1800" kern="1200">
+                <a:solidFill>
+                  <a:schemeClr val="tx1"/>
+                </a:solidFill>
+                <a:latin typeface="+mn-lt"/>
+                <a:ea typeface="+mn-ea"/>
+                <a:cs typeface="+mn-cs"/>
+              </a:defRPr>
+            </a:lvl5pPr>
+            <a:lvl6pPr marL="2286000" algn="l" defTabSz="914400" rtl="0" eaLnBrk="1" latinLnBrk="0" hangingPunct="1">
+              <a:defRPr sz="1800" kern="1200">
+                <a:solidFill>
+                  <a:schemeClr val="tx1"/>
+                </a:solidFill>
+                <a:latin typeface="+mn-lt"/>
+                <a:ea typeface="+mn-ea"/>
+                <a:cs typeface="+mn-cs"/>
+              </a:defRPr>
+            </a:lvl6pPr>
+            <a:lvl7pPr marL="2743200" algn="l" defTabSz="914400" rtl="0" eaLnBrk="1" latinLnBrk="0" hangingPunct="1">
+              <a:defRPr sz="1800" kern="1200">
+                <a:solidFill>
+                  <a:schemeClr val="tx1"/>
+                </a:solidFill>
+                <a:latin typeface="+mn-lt"/>
+                <a:ea typeface="+mn-ea"/>
+                <a:cs typeface="+mn-cs"/>
+              </a:defRPr>
+            </a:lvl7pPr>
+            <a:lvl8pPr marL="3200400" algn="l" defTabSz="914400" rtl="0" eaLnBrk="1" latinLnBrk="0" hangingPunct="1">
+              <a:defRPr sz="1800" kern="1200">
+                <a:solidFill>
+                  <a:schemeClr val="tx1"/>
+                </a:solidFill>
+                <a:latin typeface="+mn-lt"/>
+                <a:ea typeface="+mn-ea"/>
+                <a:cs typeface="+mn-cs"/>
+              </a:defRPr>
+            </a:lvl8pPr>
+            <a:lvl9pPr marL="3657600" algn="l" defTabSz="914400" rtl="0" eaLnBrk="1" latinLnBrk="0" hangingPunct="1">
+              <a:defRPr sz="1800" kern="1200">
+                <a:solidFill>
+                  <a:schemeClr val="tx1"/>
+                </a:solidFill>
+                <a:latin typeface="+mn-lt"/>
+                <a:ea typeface="+mn-ea"/>
+                <a:cs typeface="+mn-cs"/>
+              </a:defRPr>
+            </a:lvl9pPr>
+          </a:lstStyle>
+          <a:p>
+            <a:r>
+              <a:rPr lang="en-US" sz="3200" dirty="0">
+                <a:solidFill>
+                  <a:srgbClr val="FFFFFF"/>
+                </a:solidFill>
+                <a:latin typeface="Georgia"/>
+                <a:cs typeface="Calibri"/>
+              </a:rPr>
+              <a:t>Marise Miranda </a:t>
+            </a:r>
+            <a:endParaRPr lang="en-US" sz="3200" dirty="0">
+              <a:solidFill>
+                <a:srgbClr val="FFFFFF"/>
+              </a:solidFill>
+              <a:latin typeface="Georgia"/>
+            </a:endParaRPr>
+          </a:p>
+        </p:txBody>
+      </p:sp>
+      <p:sp>
+        <p:nvSpPr>
+          <p:cNvPr id="7" name="TextBox 1">
+            <a:extLst>
+              <a:ext uri="{FF2B5EF4-FFF2-40B4-BE49-F238E27FC236}">
+                <a16:creationId xmlns:a16="http://schemas.microsoft.com/office/drawing/2014/main" id="{3C69B4C4-9182-26C0-E1AD-B154883BBFDE}"/>
+              </a:ext>
+            </a:extLst>
+          </p:cNvPr>
+          <p:cNvSpPr txBox="1"/>
+          <p:nvPr/>
+        </p:nvSpPr>
+        <p:spPr>
+          <a:xfrm>
+            <a:off x="533106" y="322385"/>
+            <a:ext cx="4236720" cy="584775"/>
+          </a:xfrm>
+          <a:prstGeom prst="rect">
+            <a:avLst/>
+          </a:prstGeom>
+          <a:noFill/>
+        </p:spPr>
+        <p:txBody>
+          <a:bodyPr rot="0" spcFirstLastPara="0" vert="horz" wrap="square" lIns="91440" tIns="45720" rIns="91440" bIns="45720" numCol="1" spcCol="0" rtlCol="0" fromWordArt="0" anchor="t" anchorCtr="0" forceAA="0" compatLnSpc="1">
+            <a:prstTxWarp prst="textNoShape">
+              <a:avLst/>
+            </a:prstTxWarp>
+            <a:spAutoFit/>
+          </a:bodyPr>
+          <a:lstStyle>
+            <a:defPPr>
+              <a:defRPr lang="pt-BR"/>
+            </a:defPPr>
+            <a:lvl1pPr marL="0" algn="l" defTabSz="914400" rtl="0" eaLnBrk="1" latinLnBrk="0" hangingPunct="1">
+              <a:defRPr sz="1800" kern="1200">
+                <a:solidFill>
+                  <a:schemeClr val="tx1"/>
+                </a:solidFill>
+                <a:latin typeface="+mn-lt"/>
+                <a:ea typeface="+mn-ea"/>
+                <a:cs typeface="+mn-cs"/>
+              </a:defRPr>
+            </a:lvl1pPr>
+            <a:lvl2pPr marL="457200" algn="l" defTabSz="914400" rtl="0" eaLnBrk="1" latinLnBrk="0" hangingPunct="1">
+              <a:defRPr sz="1800" kern="1200">
+                <a:solidFill>
+                  <a:schemeClr val="tx1"/>
+                </a:solidFill>
+                <a:latin typeface="+mn-lt"/>
+                <a:ea typeface="+mn-ea"/>
+                <a:cs typeface="+mn-cs"/>
+              </a:defRPr>
+            </a:lvl2pPr>
+            <a:lvl3pPr marL="914400" algn="l" defTabSz="914400" rtl="0" eaLnBrk="1" latinLnBrk="0" hangingPunct="1">
+              <a:defRPr sz="1800" kern="1200">
+                <a:solidFill>
+                  <a:schemeClr val="tx1"/>
+                </a:solidFill>
+                <a:latin typeface="+mn-lt"/>
+                <a:ea typeface="+mn-ea"/>
+                <a:cs typeface="+mn-cs"/>
+              </a:defRPr>
+            </a:lvl3pPr>
+            <a:lvl4pPr marL="1371600" algn="l" defTabSz="914400" rtl="0" eaLnBrk="1" latinLnBrk="0" hangingPunct="1">
+              <a:defRPr sz="1800" kern="1200">
+                <a:solidFill>
+                  <a:schemeClr val="tx1"/>
+                </a:solidFill>
+                <a:latin typeface="+mn-lt"/>
+                <a:ea typeface="+mn-ea"/>
+                <a:cs typeface="+mn-cs"/>
+              </a:defRPr>
+            </a:lvl4pPr>
+            <a:lvl5pPr marL="1828800" algn="l" defTabSz="914400" rtl="0" eaLnBrk="1" latinLnBrk="0" hangingPunct="1">
+              <a:defRPr sz="1800" kern="1200">
+                <a:solidFill>
+                  <a:schemeClr val="tx1"/>
+                </a:solidFill>
+                <a:latin typeface="+mn-lt"/>
+                <a:ea typeface="+mn-ea"/>
+                <a:cs typeface="+mn-cs"/>
+              </a:defRPr>
+            </a:lvl5pPr>
+            <a:lvl6pPr marL="2286000" algn="l" defTabSz="914400" rtl="0" eaLnBrk="1" latinLnBrk="0" hangingPunct="1">
+              <a:defRPr sz="1800" kern="1200">
+                <a:solidFill>
+                  <a:schemeClr val="tx1"/>
+                </a:solidFill>
+                <a:latin typeface="+mn-lt"/>
+                <a:ea typeface="+mn-ea"/>
+                <a:cs typeface="+mn-cs"/>
+              </a:defRPr>
+            </a:lvl6pPr>
+            <a:lvl7pPr marL="2743200" algn="l" defTabSz="914400" rtl="0" eaLnBrk="1" latinLnBrk="0" hangingPunct="1">
+              <a:defRPr sz="1800" kern="1200">
+                <a:solidFill>
+                  <a:schemeClr val="tx1"/>
+                </a:solidFill>
+                <a:latin typeface="+mn-lt"/>
+                <a:ea typeface="+mn-ea"/>
+                <a:cs typeface="+mn-cs"/>
+              </a:defRPr>
+            </a:lvl7pPr>
+            <a:lvl8pPr marL="3200400" algn="l" defTabSz="914400" rtl="0" eaLnBrk="1" latinLnBrk="0" hangingPunct="1">
+              <a:defRPr sz="1800" kern="1200">
+                <a:solidFill>
+                  <a:schemeClr val="tx1"/>
+                </a:solidFill>
+                <a:latin typeface="+mn-lt"/>
+                <a:ea typeface="+mn-ea"/>
+                <a:cs typeface="+mn-cs"/>
+              </a:defRPr>
+            </a:lvl8pPr>
+            <a:lvl9pPr marL="3657600" algn="l" defTabSz="914400" rtl="0" eaLnBrk="1" latinLnBrk="0" hangingPunct="1">
+              <a:defRPr sz="1800" kern="1200">
+                <a:solidFill>
+                  <a:schemeClr val="tx1"/>
+                </a:solidFill>
+                <a:latin typeface="+mn-lt"/>
+                <a:ea typeface="+mn-ea"/>
+                <a:cs typeface="+mn-cs"/>
+              </a:defRPr>
+            </a:lvl9pPr>
+          </a:lstStyle>
+          <a:p>
+            <a:r>
+              <a:rPr lang="en-US" sz="3200" dirty="0" err="1">
+                <a:latin typeface="Georgia"/>
+                <a:cs typeface="Calibri"/>
+              </a:rPr>
+              <a:t>Caráter</a:t>
+            </a:r>
+            <a:r>
+              <a:rPr lang="en-US" sz="3200" dirty="0">
+                <a:latin typeface="Georgia"/>
+                <a:cs typeface="Calibri"/>
+              </a:rPr>
+              <a:t> e </a:t>
+            </a:r>
+            <a:r>
+              <a:rPr lang="en-US" sz="3200" dirty="0" err="1">
+                <a:latin typeface="Georgia"/>
+                <a:cs typeface="Calibri"/>
+              </a:rPr>
+              <a:t>definições</a:t>
+            </a:r>
+            <a:endParaRPr lang="en-US" sz="3200" dirty="0">
+              <a:latin typeface="Georgia"/>
+              <a:cs typeface="Calibri"/>
+            </a:endParaRPr>
+          </a:p>
+        </p:txBody>
+      </p:sp>
+      <p:sp>
+        <p:nvSpPr>
+          <p:cNvPr id="9" name="TextBox 1">
+            <a:extLst>
+              <a:ext uri="{FF2B5EF4-FFF2-40B4-BE49-F238E27FC236}">
+                <a16:creationId xmlns:a16="http://schemas.microsoft.com/office/drawing/2014/main" id="{F0E838FE-D49C-C005-8A4C-AFDE31C285EB}"/>
+              </a:ext>
+            </a:extLst>
+          </p:cNvPr>
+          <p:cNvSpPr txBox="1"/>
+          <p:nvPr/>
+        </p:nvSpPr>
+        <p:spPr>
+          <a:xfrm>
+            <a:off x="533106" y="790900"/>
+            <a:ext cx="7894320" cy="3091680"/>
+          </a:xfrm>
+          <a:prstGeom prst="rect">
+            <a:avLst/>
+          </a:prstGeom>
+          <a:noFill/>
+        </p:spPr>
+        <p:txBody>
+          <a:bodyPr rot="0" spcFirstLastPara="0" vert="horz" wrap="square" lIns="91440" tIns="45720" rIns="91440" bIns="45720" numCol="1" spcCol="0" rtlCol="0" fromWordArt="0" anchor="t" anchorCtr="0" forceAA="0" compatLnSpc="1">
+            <a:prstTxWarp prst="textNoShape">
+              <a:avLst/>
+            </a:prstTxWarp>
+            <a:spAutoFit/>
+          </a:bodyPr>
+          <a:lstStyle>
+            <a:defPPr>
+              <a:defRPr lang="pt-BR"/>
+            </a:defPPr>
+            <a:lvl1pPr marL="0" algn="l" defTabSz="914400" rtl="0" eaLnBrk="1" latinLnBrk="0" hangingPunct="1">
+              <a:defRPr sz="1800" kern="1200">
+                <a:solidFill>
+                  <a:schemeClr val="tx1"/>
+                </a:solidFill>
+                <a:latin typeface="+mn-lt"/>
+                <a:ea typeface="+mn-ea"/>
+                <a:cs typeface="+mn-cs"/>
+              </a:defRPr>
+            </a:lvl1pPr>
+            <a:lvl2pPr marL="457200" algn="l" defTabSz="914400" rtl="0" eaLnBrk="1" latinLnBrk="0" hangingPunct="1">
+              <a:defRPr sz="1800" kern="1200">
+                <a:solidFill>
+                  <a:schemeClr val="tx1"/>
+                </a:solidFill>
+                <a:latin typeface="+mn-lt"/>
+                <a:ea typeface="+mn-ea"/>
+                <a:cs typeface="+mn-cs"/>
+              </a:defRPr>
+            </a:lvl2pPr>
+            <a:lvl3pPr marL="914400" algn="l" defTabSz="914400" rtl="0" eaLnBrk="1" latinLnBrk="0" hangingPunct="1">
+              <a:defRPr sz="1800" kern="1200">
+                <a:solidFill>
+                  <a:schemeClr val="tx1"/>
+                </a:solidFill>
+                <a:latin typeface="+mn-lt"/>
+                <a:ea typeface="+mn-ea"/>
+                <a:cs typeface="+mn-cs"/>
+              </a:defRPr>
+            </a:lvl3pPr>
+            <a:lvl4pPr marL="1371600" algn="l" defTabSz="914400" rtl="0" eaLnBrk="1" latinLnBrk="0" hangingPunct="1">
+              <a:defRPr sz="1800" kern="1200">
+                <a:solidFill>
+                  <a:schemeClr val="tx1"/>
+                </a:solidFill>
+                <a:latin typeface="+mn-lt"/>
+                <a:ea typeface="+mn-ea"/>
+                <a:cs typeface="+mn-cs"/>
+              </a:defRPr>
+            </a:lvl4pPr>
+            <a:lvl5pPr marL="1828800" algn="l" defTabSz="914400" rtl="0" eaLnBrk="1" latinLnBrk="0" hangingPunct="1">
+              <a:defRPr sz="1800" kern="1200">
+                <a:solidFill>
+                  <a:schemeClr val="tx1"/>
+                </a:solidFill>
+                <a:latin typeface="+mn-lt"/>
+                <a:ea typeface="+mn-ea"/>
+                <a:cs typeface="+mn-cs"/>
+              </a:defRPr>
+            </a:lvl5pPr>
+            <a:lvl6pPr marL="2286000" algn="l" defTabSz="914400" rtl="0" eaLnBrk="1" latinLnBrk="0" hangingPunct="1">
+              <a:defRPr sz="1800" kern="1200">
+                <a:solidFill>
+                  <a:schemeClr val="tx1"/>
+                </a:solidFill>
+                <a:latin typeface="+mn-lt"/>
+                <a:ea typeface="+mn-ea"/>
+                <a:cs typeface="+mn-cs"/>
+              </a:defRPr>
+            </a:lvl6pPr>
+            <a:lvl7pPr marL="2743200" algn="l" defTabSz="914400" rtl="0" eaLnBrk="1" latinLnBrk="0" hangingPunct="1">
+              <a:defRPr sz="1800" kern="1200">
+                <a:solidFill>
+                  <a:schemeClr val="tx1"/>
+                </a:solidFill>
+                <a:latin typeface="+mn-lt"/>
+                <a:ea typeface="+mn-ea"/>
+                <a:cs typeface="+mn-cs"/>
+              </a:defRPr>
+            </a:lvl7pPr>
+            <a:lvl8pPr marL="3200400" algn="l" defTabSz="914400" rtl="0" eaLnBrk="1" latinLnBrk="0" hangingPunct="1">
+              <a:defRPr sz="1800" kern="1200">
+                <a:solidFill>
+                  <a:schemeClr val="tx1"/>
+                </a:solidFill>
+                <a:latin typeface="+mn-lt"/>
+                <a:ea typeface="+mn-ea"/>
+                <a:cs typeface="+mn-cs"/>
+              </a:defRPr>
+            </a:lvl8pPr>
+            <a:lvl9pPr marL="3657600" algn="l" defTabSz="914400" rtl="0" eaLnBrk="1" latinLnBrk="0" hangingPunct="1">
+              <a:defRPr sz="1800" kern="1200">
+                <a:solidFill>
+                  <a:schemeClr val="tx1"/>
+                </a:solidFill>
+                <a:latin typeface="+mn-lt"/>
+                <a:ea typeface="+mn-ea"/>
+                <a:cs typeface="+mn-cs"/>
+              </a:defRPr>
+            </a:lvl9pPr>
+          </a:lstStyle>
+          <a:p>
+            <a:endParaRPr lang="en-US" sz="3200" dirty="0">
+              <a:latin typeface="Georgia"/>
+              <a:cs typeface="Calibri"/>
+            </a:endParaRPr>
+          </a:p>
+          <a:p>
+            <a:pPr marL="285750" indent="-285750">
+              <a:lnSpc>
+                <a:spcPct val="150000"/>
+              </a:lnSpc>
+              <a:buFont typeface="Arial"/>
+              <a:buChar char="•"/>
+            </a:pPr>
+            <a:r>
+              <a:rPr lang="en-US" sz="2800" dirty="0" err="1">
+                <a:latin typeface="Georgia"/>
+                <a:cs typeface="Calibri"/>
+              </a:rPr>
+              <a:t>Pronta</a:t>
+            </a:r>
+            <a:r>
+              <a:rPr lang="en-US" sz="2800" dirty="0">
+                <a:latin typeface="Georgia"/>
+                <a:cs typeface="Calibri"/>
+              </a:rPr>
+              <a:t>- </a:t>
+            </a:r>
+            <a:r>
+              <a:rPr lang="en-US" sz="2800" dirty="0" err="1">
+                <a:latin typeface="Georgia"/>
+                <a:cs typeface="Calibri"/>
+              </a:rPr>
+              <a:t>resposta</a:t>
+            </a:r>
+            <a:r>
+              <a:rPr lang="en-US" sz="2800" dirty="0">
+                <a:latin typeface="Georgia"/>
+                <a:cs typeface="Calibri"/>
+              </a:rPr>
+              <a:t>;</a:t>
+            </a:r>
+          </a:p>
+          <a:p>
+            <a:pPr marL="285750" indent="-285750">
+              <a:lnSpc>
+                <a:spcPct val="150000"/>
+              </a:lnSpc>
+              <a:buFont typeface="Arial"/>
+              <a:buChar char="•"/>
+            </a:pPr>
+            <a:r>
+              <a:rPr lang="en-US" sz="2800" dirty="0" err="1">
+                <a:latin typeface="Georgia"/>
+                <a:cs typeface="Calibri"/>
+              </a:rPr>
+              <a:t>Ligação</a:t>
+            </a:r>
+            <a:r>
+              <a:rPr lang="en-US" sz="2800" dirty="0">
+                <a:latin typeface="Georgia"/>
+                <a:cs typeface="Calibri"/>
+              </a:rPr>
+              <a:t> entre o </a:t>
+            </a:r>
+            <a:r>
+              <a:rPr lang="en-US" sz="2800" dirty="0" err="1">
+                <a:latin typeface="Georgia"/>
+                <a:cs typeface="Calibri"/>
+              </a:rPr>
+              <a:t>sistema</a:t>
+            </a:r>
+            <a:r>
+              <a:rPr lang="en-US" sz="2800" dirty="0">
+                <a:latin typeface="Georgia"/>
+                <a:cs typeface="Calibri"/>
+              </a:rPr>
+              <a:t> e a </a:t>
+            </a:r>
+            <a:r>
+              <a:rPr lang="en-US" sz="2800" dirty="0" err="1">
+                <a:latin typeface="Georgia"/>
+                <a:cs typeface="Calibri"/>
+              </a:rPr>
+              <a:t>gerência</a:t>
+            </a:r>
+            <a:r>
+              <a:rPr lang="en-US" sz="2800" dirty="0">
+                <a:latin typeface="Georgia"/>
+                <a:cs typeface="Calibri"/>
+              </a:rPr>
+              <a:t>;</a:t>
+            </a:r>
+          </a:p>
+          <a:p>
+            <a:pPr marL="285750" indent="-285750">
+              <a:lnSpc>
+                <a:spcPct val="150000"/>
+              </a:lnSpc>
+              <a:buFont typeface="Arial"/>
+              <a:buChar char="•"/>
+            </a:pPr>
+            <a:r>
+              <a:rPr lang="en-US" sz="2800" dirty="0" err="1">
+                <a:latin typeface="Georgia"/>
+                <a:cs typeface="Calibri"/>
+              </a:rPr>
+              <a:t>Demanda</a:t>
+            </a:r>
+            <a:r>
+              <a:rPr lang="en-US" sz="2800" dirty="0">
+                <a:latin typeface="Georgia"/>
+                <a:cs typeface="Calibri"/>
+              </a:rPr>
+              <a:t> </a:t>
+            </a:r>
+            <a:r>
+              <a:rPr lang="en-US" sz="2800" dirty="0" err="1">
+                <a:latin typeface="Georgia"/>
+                <a:cs typeface="Calibri"/>
+              </a:rPr>
+              <a:t>estabilidade</a:t>
+            </a:r>
+            <a:r>
+              <a:rPr lang="en-US" sz="2800" dirty="0">
+                <a:latin typeface="Georgia"/>
+                <a:cs typeface="Calibri"/>
+              </a:rPr>
+              <a:t>;</a:t>
+            </a:r>
+          </a:p>
+          <a:p>
+            <a:pPr marL="285750" indent="-285750">
+              <a:lnSpc>
+                <a:spcPct val="150000"/>
+              </a:lnSpc>
+              <a:buFont typeface="Arial"/>
+              <a:buChar char="•"/>
+            </a:pPr>
+            <a:endParaRPr lang="en-US" sz="2800" dirty="0">
+              <a:latin typeface="Georgia"/>
+              <a:cs typeface="Calibri"/>
+            </a:endParaRPr>
           </a:p>
         </p:txBody>
       </p:sp>
     </p:spTree>
     <p:extLst>
       <p:ext uri="{BB962C8B-B14F-4D97-AF65-F5344CB8AC3E}">
-        <p14:creationId xmlns:p14="http://schemas.microsoft.com/office/powerpoint/2010/main" val="20406262"/>
+        <p14:creationId xmlns:p14="http://schemas.microsoft.com/office/powerpoint/2010/main" val="2935063781"/>
       </p:ext>
     </p:extLst>
   </p:cSld>
   <p:clrMapOvr>
     <a:masterClrMapping/>
   </p:clrMapOvr>
+  <p:transition spd="med">
+    <p:pull/>
+  </p:transition>
 </p:sld>
 </file>
 
-<file path=ppt/slides/slide6.xml><?xml version="1.0" encoding="utf-8"?>
+<file path=ppt/slides/slide8.xml><?xml version="1.0" encoding="utf-8"?>
+<p:sld xmlns:a="http://schemas.openxmlformats.org/drawingml/2006/main" xmlns:r="http://schemas.openxmlformats.org/officeDocument/2006/relationships" xmlns:p="http://schemas.openxmlformats.org/presentationml/2006/main">
+  <p:cSld>
+    <p:spTree>
+      <p:nvGrpSpPr>
+        <p:cNvPr id="1" name=""/>
+        <p:cNvGrpSpPr/>
+        <p:nvPr/>
+      </p:nvGrpSpPr>
+      <p:grpSpPr>
+        <a:xfrm>
+          <a:off x="0" y="0"/>
+          <a:ext cx="0" cy="0"/>
+          <a:chOff x="0" y="0"/>
+          <a:chExt cx="0" cy="0"/>
+        </a:xfrm>
+      </p:grpSpPr>
+      <p:pic>
+        <p:nvPicPr>
+          <p:cNvPr id="14338" name="Picture 2" descr="RH digital: novas tecnologias invadem a área de ... | Nube 12/04/2019"/>
+          <p:cNvPicPr>
+            <a:picLocks noChangeAspect="1" noChangeArrowheads="1"/>
+          </p:cNvPicPr>
+          <p:nvPr/>
+        </p:nvPicPr>
+        <p:blipFill rotWithShape="1">
+          <a:blip r:embed="rId2">
+            <a:duotone>
+              <a:prstClr val="black"/>
+              <a:schemeClr val="accent5">
+                <a:tint val="45000"/>
+                <a:satMod val="400000"/>
+              </a:schemeClr>
+            </a:duotone>
+            <a:extLst>
+              <a:ext uri="{28A0092B-C50C-407E-A947-70E740481C1C}">
+                <a14:useLocalDpi xmlns:a14="http://schemas.microsoft.com/office/drawing/2010/main" val="0"/>
+              </a:ext>
+            </a:extLst>
+          </a:blip>
+          <a:srcRect l="14397" r="57590"/>
+          <a:stretch/>
+        </p:blipFill>
+        <p:spPr bwMode="auto">
+          <a:xfrm flipH="1">
+            <a:off x="8345909" y="0"/>
+            <a:ext cx="3837904" cy="6858000"/>
+          </a:xfrm>
+          <a:prstGeom prst="rect">
+            <a:avLst/>
+          </a:prstGeom>
+          <a:noFill/>
+          <a:extLst>
+            <a:ext uri="{909E8E84-426E-40DD-AFC4-6F175D3DCCD1}">
+              <a14:hiddenFill xmlns:a14="http://schemas.microsoft.com/office/drawing/2010/main">
+                <a:solidFill>
+                  <a:srgbClr val="FFFFFF"/>
+                </a:solidFill>
+              </a14:hiddenFill>
+            </a:ext>
+          </a:extLst>
+        </p:spPr>
+      </p:pic>
+      <p:sp>
+        <p:nvSpPr>
+          <p:cNvPr id="4" name="Retângulo 3"/>
+          <p:cNvSpPr/>
+          <p:nvPr/>
+        </p:nvSpPr>
+        <p:spPr>
+          <a:xfrm flipH="1">
+            <a:off x="-15641" y="0"/>
+            <a:ext cx="8727582" cy="6858000"/>
+          </a:xfrm>
+          <a:prstGeom prst="rect">
+            <a:avLst/>
+          </a:prstGeom>
+          <a:solidFill>
+            <a:schemeClr val="bg2">
+              <a:lumMod val="90000"/>
+            </a:schemeClr>
+          </a:solidFill>
+          <a:ln>
+            <a:noFill/>
+          </a:ln>
+          <a:effectLst>
+            <a:innerShdw blurRad="63500" dist="50800" dir="10800000">
+              <a:prstClr val="black">
+                <a:alpha val="50000"/>
+              </a:prstClr>
+            </a:innerShdw>
+          </a:effectLst>
+        </p:spPr>
+        <p:style>
+          <a:lnRef idx="2">
+            <a:schemeClr val="accent1">
+              <a:shade val="50000"/>
+            </a:schemeClr>
+          </a:lnRef>
+          <a:fillRef idx="1">
+            <a:schemeClr val="accent1"/>
+          </a:fillRef>
+          <a:effectRef idx="0">
+            <a:schemeClr val="accent1"/>
+          </a:effectRef>
+          <a:fontRef idx="minor">
+            <a:schemeClr val="lt1"/>
+          </a:fontRef>
+        </p:style>
+        <p:txBody>
+          <a:bodyPr rtlCol="0" anchor="ctr"/>
+          <a:lstStyle/>
+          <a:p>
+            <a:pPr algn="ctr"/>
+            <a:endParaRPr lang="pt-BR"/>
+          </a:p>
+        </p:txBody>
+      </p:sp>
+      <p:sp>
+        <p:nvSpPr>
+          <p:cNvPr id="2" name="CaixaDeTexto 1"/>
+          <p:cNvSpPr txBox="1"/>
+          <p:nvPr/>
+        </p:nvSpPr>
+        <p:spPr>
+          <a:xfrm>
+            <a:off x="378286" y="5757816"/>
+            <a:ext cx="2745348" cy="707886"/>
+          </a:xfrm>
+          <a:prstGeom prst="rect">
+            <a:avLst/>
+          </a:prstGeom>
+          <a:noFill/>
+        </p:spPr>
+        <p:txBody>
+          <a:bodyPr wrap="square" rtlCol="0">
+            <a:spAutoFit/>
+          </a:bodyPr>
+          <a:lstStyle/>
+          <a:p>
+            <a:r>
+              <a:rPr lang="pt-BR" sz="4000" b="1" dirty="0">
+                <a:solidFill>
+                  <a:srgbClr val="004478"/>
+                </a:solidFill>
+                <a:latin typeface="Georgia" panose="02040502050405020303" pitchFamily="18" charset="0"/>
+                <a:cs typeface="Aharoni" panose="02010803020104030203" pitchFamily="2" charset="-79"/>
+              </a:rPr>
+              <a:t>Personas</a:t>
+            </a:r>
+          </a:p>
+        </p:txBody>
+      </p:sp>
+      <p:pic>
+        <p:nvPicPr>
+          <p:cNvPr id="2050" name="Picture 2">
+            <a:extLst>
+              <a:ext uri="{FF2B5EF4-FFF2-40B4-BE49-F238E27FC236}">
+                <a16:creationId xmlns:a16="http://schemas.microsoft.com/office/drawing/2014/main" id="{AE1C6AFB-4406-52AD-6EE1-1D74094E987D}"/>
+              </a:ext>
+            </a:extLst>
+          </p:cNvPr>
+          <p:cNvPicPr>
+            <a:picLocks noChangeAspect="1" noChangeArrowheads="1"/>
+          </p:cNvPicPr>
+          <p:nvPr/>
+        </p:nvPicPr>
+        <p:blipFill>
+          <a:blip r:embed="rId3">
+            <a:extLst>
+              <a:ext uri="{28A0092B-C50C-407E-A947-70E740481C1C}">
+                <a14:useLocalDpi xmlns:a14="http://schemas.microsoft.com/office/drawing/2010/main" val="0"/>
+              </a:ext>
+            </a:extLst>
+          </a:blip>
+          <a:srcRect/>
+          <a:stretch>
+            <a:fillRect/>
+          </a:stretch>
+        </p:blipFill>
+        <p:spPr bwMode="auto">
+          <a:xfrm>
+            <a:off x="9081404" y="2081213"/>
+            <a:ext cx="2800350" cy="2695575"/>
+          </a:xfrm>
+          <a:prstGeom prst="rect">
+            <a:avLst/>
+          </a:prstGeom>
+          <a:noFill/>
+          <a:extLst>
+            <a:ext uri="{909E8E84-426E-40DD-AFC4-6F175D3DCCD1}">
+              <a14:hiddenFill xmlns:a14="http://schemas.microsoft.com/office/drawing/2010/main">
+                <a:solidFill>
+                  <a:srgbClr val="FFFFFF"/>
+                </a:solidFill>
+              </a14:hiddenFill>
+            </a:ext>
+          </a:extLst>
+        </p:spPr>
+      </p:pic>
+      <p:sp>
+        <p:nvSpPr>
+          <p:cNvPr id="6" name="TextBox 1">
+            <a:extLst>
+              <a:ext uri="{FF2B5EF4-FFF2-40B4-BE49-F238E27FC236}">
+                <a16:creationId xmlns:a16="http://schemas.microsoft.com/office/drawing/2014/main" id="{9FE559AC-7996-4B16-1B60-4B635C3865ED}"/>
+              </a:ext>
+            </a:extLst>
+          </p:cNvPr>
+          <p:cNvSpPr txBox="1"/>
+          <p:nvPr/>
+        </p:nvSpPr>
+        <p:spPr>
+          <a:xfrm>
+            <a:off x="8970982" y="4858880"/>
+            <a:ext cx="3287527" cy="584775"/>
+          </a:xfrm>
+          <a:prstGeom prst="rect">
+            <a:avLst/>
+          </a:prstGeom>
+          <a:noFill/>
+        </p:spPr>
+        <p:txBody>
+          <a:bodyPr rot="0" spcFirstLastPara="0" vert="horz" wrap="square" lIns="91440" tIns="45720" rIns="91440" bIns="45720" numCol="1" spcCol="0" rtlCol="0" fromWordArt="0" anchor="t" anchorCtr="0" forceAA="0" compatLnSpc="1">
+            <a:prstTxWarp prst="textNoShape">
+              <a:avLst/>
+            </a:prstTxWarp>
+            <a:spAutoFit/>
+          </a:bodyPr>
+          <a:lstStyle>
+            <a:defPPr>
+              <a:defRPr lang="pt-BR"/>
+            </a:defPPr>
+            <a:lvl1pPr marL="0" algn="l" defTabSz="914400" rtl="0" eaLnBrk="1" latinLnBrk="0" hangingPunct="1">
+              <a:defRPr sz="1800" kern="1200">
+                <a:solidFill>
+                  <a:schemeClr val="tx1"/>
+                </a:solidFill>
+                <a:latin typeface="+mn-lt"/>
+                <a:ea typeface="+mn-ea"/>
+                <a:cs typeface="+mn-cs"/>
+              </a:defRPr>
+            </a:lvl1pPr>
+            <a:lvl2pPr marL="457200" algn="l" defTabSz="914400" rtl="0" eaLnBrk="1" latinLnBrk="0" hangingPunct="1">
+              <a:defRPr sz="1800" kern="1200">
+                <a:solidFill>
+                  <a:schemeClr val="tx1"/>
+                </a:solidFill>
+                <a:latin typeface="+mn-lt"/>
+                <a:ea typeface="+mn-ea"/>
+                <a:cs typeface="+mn-cs"/>
+              </a:defRPr>
+            </a:lvl2pPr>
+            <a:lvl3pPr marL="914400" algn="l" defTabSz="914400" rtl="0" eaLnBrk="1" latinLnBrk="0" hangingPunct="1">
+              <a:defRPr sz="1800" kern="1200">
+                <a:solidFill>
+                  <a:schemeClr val="tx1"/>
+                </a:solidFill>
+                <a:latin typeface="+mn-lt"/>
+                <a:ea typeface="+mn-ea"/>
+                <a:cs typeface="+mn-cs"/>
+              </a:defRPr>
+            </a:lvl3pPr>
+            <a:lvl4pPr marL="1371600" algn="l" defTabSz="914400" rtl="0" eaLnBrk="1" latinLnBrk="0" hangingPunct="1">
+              <a:defRPr sz="1800" kern="1200">
+                <a:solidFill>
+                  <a:schemeClr val="tx1"/>
+                </a:solidFill>
+                <a:latin typeface="+mn-lt"/>
+                <a:ea typeface="+mn-ea"/>
+                <a:cs typeface="+mn-cs"/>
+              </a:defRPr>
+            </a:lvl4pPr>
+            <a:lvl5pPr marL="1828800" algn="l" defTabSz="914400" rtl="0" eaLnBrk="1" latinLnBrk="0" hangingPunct="1">
+              <a:defRPr sz="1800" kern="1200">
+                <a:solidFill>
+                  <a:schemeClr val="tx1"/>
+                </a:solidFill>
+                <a:latin typeface="+mn-lt"/>
+                <a:ea typeface="+mn-ea"/>
+                <a:cs typeface="+mn-cs"/>
+              </a:defRPr>
+            </a:lvl5pPr>
+            <a:lvl6pPr marL="2286000" algn="l" defTabSz="914400" rtl="0" eaLnBrk="1" latinLnBrk="0" hangingPunct="1">
+              <a:defRPr sz="1800" kern="1200">
+                <a:solidFill>
+                  <a:schemeClr val="tx1"/>
+                </a:solidFill>
+                <a:latin typeface="+mn-lt"/>
+                <a:ea typeface="+mn-ea"/>
+                <a:cs typeface="+mn-cs"/>
+              </a:defRPr>
+            </a:lvl6pPr>
+            <a:lvl7pPr marL="2743200" algn="l" defTabSz="914400" rtl="0" eaLnBrk="1" latinLnBrk="0" hangingPunct="1">
+              <a:defRPr sz="1800" kern="1200">
+                <a:solidFill>
+                  <a:schemeClr val="tx1"/>
+                </a:solidFill>
+                <a:latin typeface="+mn-lt"/>
+                <a:ea typeface="+mn-ea"/>
+                <a:cs typeface="+mn-cs"/>
+              </a:defRPr>
+            </a:lvl7pPr>
+            <a:lvl8pPr marL="3200400" algn="l" defTabSz="914400" rtl="0" eaLnBrk="1" latinLnBrk="0" hangingPunct="1">
+              <a:defRPr sz="1800" kern="1200">
+                <a:solidFill>
+                  <a:schemeClr val="tx1"/>
+                </a:solidFill>
+                <a:latin typeface="+mn-lt"/>
+                <a:ea typeface="+mn-ea"/>
+                <a:cs typeface="+mn-cs"/>
+              </a:defRPr>
+            </a:lvl8pPr>
+            <a:lvl9pPr marL="3657600" algn="l" defTabSz="914400" rtl="0" eaLnBrk="1" latinLnBrk="0" hangingPunct="1">
+              <a:defRPr sz="1800" kern="1200">
+                <a:solidFill>
+                  <a:schemeClr val="tx1"/>
+                </a:solidFill>
+                <a:latin typeface="+mn-lt"/>
+                <a:ea typeface="+mn-ea"/>
+                <a:cs typeface="+mn-cs"/>
+              </a:defRPr>
+            </a:lvl9pPr>
+          </a:lstStyle>
+          <a:p>
+            <a:r>
+              <a:rPr lang="en-US" sz="3200" dirty="0">
+                <a:solidFill>
+                  <a:srgbClr val="FFFFFF"/>
+                </a:solidFill>
+                <a:latin typeface="Georgia"/>
+                <a:cs typeface="Calibri"/>
+              </a:rPr>
+              <a:t>Marise Miranda </a:t>
+            </a:r>
+            <a:endParaRPr lang="en-US" sz="3200" dirty="0">
+              <a:solidFill>
+                <a:srgbClr val="FFFFFF"/>
+              </a:solidFill>
+              <a:latin typeface="Georgia"/>
+            </a:endParaRPr>
+          </a:p>
+        </p:txBody>
+      </p:sp>
+      <p:sp>
+        <p:nvSpPr>
+          <p:cNvPr id="5" name="TextBox 1">
+            <a:extLst>
+              <a:ext uri="{FF2B5EF4-FFF2-40B4-BE49-F238E27FC236}">
+                <a16:creationId xmlns:a16="http://schemas.microsoft.com/office/drawing/2014/main" id="{15E1B83A-FAB4-C4D1-ED48-283CA5F78E6C}"/>
+              </a:ext>
+            </a:extLst>
+          </p:cNvPr>
+          <p:cNvSpPr txBox="1"/>
+          <p:nvPr/>
+        </p:nvSpPr>
+        <p:spPr>
+          <a:xfrm>
+            <a:off x="378286" y="242492"/>
+            <a:ext cx="4236720" cy="584775"/>
+          </a:xfrm>
+          <a:prstGeom prst="rect">
+            <a:avLst/>
+          </a:prstGeom>
+          <a:noFill/>
+        </p:spPr>
+        <p:txBody>
+          <a:bodyPr rot="0" spcFirstLastPara="0" vert="horz" wrap="square" lIns="91440" tIns="45720" rIns="91440" bIns="45720" numCol="1" spcCol="0" rtlCol="0" fromWordArt="0" anchor="t" anchorCtr="0" forceAA="0" compatLnSpc="1">
+            <a:prstTxWarp prst="textNoShape">
+              <a:avLst/>
+            </a:prstTxWarp>
+            <a:spAutoFit/>
+          </a:bodyPr>
+          <a:lstStyle>
+            <a:defPPr>
+              <a:defRPr lang="pt-BR"/>
+            </a:defPPr>
+            <a:lvl1pPr marL="0" algn="l" defTabSz="914400" rtl="0" eaLnBrk="1" latinLnBrk="0" hangingPunct="1">
+              <a:defRPr sz="1800" kern="1200">
+                <a:solidFill>
+                  <a:schemeClr val="tx1"/>
+                </a:solidFill>
+                <a:latin typeface="+mn-lt"/>
+                <a:ea typeface="+mn-ea"/>
+                <a:cs typeface="+mn-cs"/>
+              </a:defRPr>
+            </a:lvl1pPr>
+            <a:lvl2pPr marL="457200" algn="l" defTabSz="914400" rtl="0" eaLnBrk="1" latinLnBrk="0" hangingPunct="1">
+              <a:defRPr sz="1800" kern="1200">
+                <a:solidFill>
+                  <a:schemeClr val="tx1"/>
+                </a:solidFill>
+                <a:latin typeface="+mn-lt"/>
+                <a:ea typeface="+mn-ea"/>
+                <a:cs typeface="+mn-cs"/>
+              </a:defRPr>
+            </a:lvl2pPr>
+            <a:lvl3pPr marL="914400" algn="l" defTabSz="914400" rtl="0" eaLnBrk="1" latinLnBrk="0" hangingPunct="1">
+              <a:defRPr sz="1800" kern="1200">
+                <a:solidFill>
+                  <a:schemeClr val="tx1"/>
+                </a:solidFill>
+                <a:latin typeface="+mn-lt"/>
+                <a:ea typeface="+mn-ea"/>
+                <a:cs typeface="+mn-cs"/>
+              </a:defRPr>
+            </a:lvl3pPr>
+            <a:lvl4pPr marL="1371600" algn="l" defTabSz="914400" rtl="0" eaLnBrk="1" latinLnBrk="0" hangingPunct="1">
+              <a:defRPr sz="1800" kern="1200">
+                <a:solidFill>
+                  <a:schemeClr val="tx1"/>
+                </a:solidFill>
+                <a:latin typeface="+mn-lt"/>
+                <a:ea typeface="+mn-ea"/>
+                <a:cs typeface="+mn-cs"/>
+              </a:defRPr>
+            </a:lvl4pPr>
+            <a:lvl5pPr marL="1828800" algn="l" defTabSz="914400" rtl="0" eaLnBrk="1" latinLnBrk="0" hangingPunct="1">
+              <a:defRPr sz="1800" kern="1200">
+                <a:solidFill>
+                  <a:schemeClr val="tx1"/>
+                </a:solidFill>
+                <a:latin typeface="+mn-lt"/>
+                <a:ea typeface="+mn-ea"/>
+                <a:cs typeface="+mn-cs"/>
+              </a:defRPr>
+            </a:lvl5pPr>
+            <a:lvl6pPr marL="2286000" algn="l" defTabSz="914400" rtl="0" eaLnBrk="1" latinLnBrk="0" hangingPunct="1">
+              <a:defRPr sz="1800" kern="1200">
+                <a:solidFill>
+                  <a:schemeClr val="tx1"/>
+                </a:solidFill>
+                <a:latin typeface="+mn-lt"/>
+                <a:ea typeface="+mn-ea"/>
+                <a:cs typeface="+mn-cs"/>
+              </a:defRPr>
+            </a:lvl6pPr>
+            <a:lvl7pPr marL="2743200" algn="l" defTabSz="914400" rtl="0" eaLnBrk="1" latinLnBrk="0" hangingPunct="1">
+              <a:defRPr sz="1800" kern="1200">
+                <a:solidFill>
+                  <a:schemeClr val="tx1"/>
+                </a:solidFill>
+                <a:latin typeface="+mn-lt"/>
+                <a:ea typeface="+mn-ea"/>
+                <a:cs typeface="+mn-cs"/>
+              </a:defRPr>
+            </a:lvl7pPr>
+            <a:lvl8pPr marL="3200400" algn="l" defTabSz="914400" rtl="0" eaLnBrk="1" latinLnBrk="0" hangingPunct="1">
+              <a:defRPr sz="1800" kern="1200">
+                <a:solidFill>
+                  <a:schemeClr val="tx1"/>
+                </a:solidFill>
+                <a:latin typeface="+mn-lt"/>
+                <a:ea typeface="+mn-ea"/>
+                <a:cs typeface="+mn-cs"/>
+              </a:defRPr>
+            </a:lvl8pPr>
+            <a:lvl9pPr marL="3657600" algn="l" defTabSz="914400" rtl="0" eaLnBrk="1" latinLnBrk="0" hangingPunct="1">
+              <a:defRPr sz="1800" kern="1200">
+                <a:solidFill>
+                  <a:schemeClr val="tx1"/>
+                </a:solidFill>
+                <a:latin typeface="+mn-lt"/>
+                <a:ea typeface="+mn-ea"/>
+                <a:cs typeface="+mn-cs"/>
+              </a:defRPr>
+            </a:lvl9pPr>
+          </a:lstStyle>
+          <a:p>
+            <a:pPr algn="l"/>
+            <a:r>
+              <a:rPr lang="en-US" sz="3200" dirty="0" err="1">
+                <a:latin typeface="Georgia"/>
+                <a:cs typeface="Calibri"/>
+              </a:rPr>
+              <a:t>Necessidades</a:t>
+            </a:r>
+            <a:endParaRPr lang="en-US" sz="3200" dirty="0" err="1">
+              <a:latin typeface="Georgia"/>
+            </a:endParaRPr>
+          </a:p>
+        </p:txBody>
+      </p:sp>
+      <p:sp>
+        <p:nvSpPr>
+          <p:cNvPr id="8" name="TextBox 1">
+            <a:extLst>
+              <a:ext uri="{FF2B5EF4-FFF2-40B4-BE49-F238E27FC236}">
+                <a16:creationId xmlns:a16="http://schemas.microsoft.com/office/drawing/2014/main" id="{8984D512-DABA-51EA-ACA2-CE26F69FF90E}"/>
+              </a:ext>
+            </a:extLst>
+          </p:cNvPr>
+          <p:cNvSpPr txBox="1"/>
+          <p:nvPr/>
+        </p:nvSpPr>
+        <p:spPr>
+          <a:xfrm>
+            <a:off x="378286" y="381289"/>
+            <a:ext cx="7784791" cy="3841501"/>
+          </a:xfrm>
+          <a:prstGeom prst="rect">
+            <a:avLst/>
+          </a:prstGeom>
+          <a:noFill/>
+        </p:spPr>
+        <p:txBody>
+          <a:bodyPr rot="0" spcFirstLastPara="0" vert="horz" wrap="square" lIns="91440" tIns="45720" rIns="91440" bIns="45720" numCol="1" spcCol="0" rtlCol="0" fromWordArt="0" anchor="t" anchorCtr="0" forceAA="0" compatLnSpc="1">
+            <a:prstTxWarp prst="textNoShape">
+              <a:avLst/>
+            </a:prstTxWarp>
+            <a:spAutoFit/>
+          </a:bodyPr>
+          <a:lstStyle>
+            <a:defPPr>
+              <a:defRPr lang="pt-BR"/>
+            </a:defPPr>
+            <a:lvl1pPr marL="0" algn="l" defTabSz="914400" rtl="0" eaLnBrk="1" latinLnBrk="0" hangingPunct="1">
+              <a:defRPr sz="1800" kern="1200">
+                <a:solidFill>
+                  <a:schemeClr val="tx1"/>
+                </a:solidFill>
+                <a:latin typeface="+mn-lt"/>
+                <a:ea typeface="+mn-ea"/>
+                <a:cs typeface="+mn-cs"/>
+              </a:defRPr>
+            </a:lvl1pPr>
+            <a:lvl2pPr marL="457200" algn="l" defTabSz="914400" rtl="0" eaLnBrk="1" latinLnBrk="0" hangingPunct="1">
+              <a:defRPr sz="1800" kern="1200">
+                <a:solidFill>
+                  <a:schemeClr val="tx1"/>
+                </a:solidFill>
+                <a:latin typeface="+mn-lt"/>
+                <a:ea typeface="+mn-ea"/>
+                <a:cs typeface="+mn-cs"/>
+              </a:defRPr>
+            </a:lvl2pPr>
+            <a:lvl3pPr marL="914400" algn="l" defTabSz="914400" rtl="0" eaLnBrk="1" latinLnBrk="0" hangingPunct="1">
+              <a:defRPr sz="1800" kern="1200">
+                <a:solidFill>
+                  <a:schemeClr val="tx1"/>
+                </a:solidFill>
+                <a:latin typeface="+mn-lt"/>
+                <a:ea typeface="+mn-ea"/>
+                <a:cs typeface="+mn-cs"/>
+              </a:defRPr>
+            </a:lvl3pPr>
+            <a:lvl4pPr marL="1371600" algn="l" defTabSz="914400" rtl="0" eaLnBrk="1" latinLnBrk="0" hangingPunct="1">
+              <a:defRPr sz="1800" kern="1200">
+                <a:solidFill>
+                  <a:schemeClr val="tx1"/>
+                </a:solidFill>
+                <a:latin typeface="+mn-lt"/>
+                <a:ea typeface="+mn-ea"/>
+                <a:cs typeface="+mn-cs"/>
+              </a:defRPr>
+            </a:lvl4pPr>
+            <a:lvl5pPr marL="1828800" algn="l" defTabSz="914400" rtl="0" eaLnBrk="1" latinLnBrk="0" hangingPunct="1">
+              <a:defRPr sz="1800" kern="1200">
+                <a:solidFill>
+                  <a:schemeClr val="tx1"/>
+                </a:solidFill>
+                <a:latin typeface="+mn-lt"/>
+                <a:ea typeface="+mn-ea"/>
+                <a:cs typeface="+mn-cs"/>
+              </a:defRPr>
+            </a:lvl5pPr>
+            <a:lvl6pPr marL="2286000" algn="l" defTabSz="914400" rtl="0" eaLnBrk="1" latinLnBrk="0" hangingPunct="1">
+              <a:defRPr sz="1800" kern="1200">
+                <a:solidFill>
+                  <a:schemeClr val="tx1"/>
+                </a:solidFill>
+                <a:latin typeface="+mn-lt"/>
+                <a:ea typeface="+mn-ea"/>
+                <a:cs typeface="+mn-cs"/>
+              </a:defRPr>
+            </a:lvl6pPr>
+            <a:lvl7pPr marL="2743200" algn="l" defTabSz="914400" rtl="0" eaLnBrk="1" latinLnBrk="0" hangingPunct="1">
+              <a:defRPr sz="1800" kern="1200">
+                <a:solidFill>
+                  <a:schemeClr val="tx1"/>
+                </a:solidFill>
+                <a:latin typeface="+mn-lt"/>
+                <a:ea typeface="+mn-ea"/>
+                <a:cs typeface="+mn-cs"/>
+              </a:defRPr>
+            </a:lvl7pPr>
+            <a:lvl8pPr marL="3200400" algn="l" defTabSz="914400" rtl="0" eaLnBrk="1" latinLnBrk="0" hangingPunct="1">
+              <a:defRPr sz="1800" kern="1200">
+                <a:solidFill>
+                  <a:schemeClr val="tx1"/>
+                </a:solidFill>
+                <a:latin typeface="+mn-lt"/>
+                <a:ea typeface="+mn-ea"/>
+                <a:cs typeface="+mn-cs"/>
+              </a:defRPr>
+            </a:lvl8pPr>
+            <a:lvl9pPr marL="3657600" algn="l" defTabSz="914400" rtl="0" eaLnBrk="1" latinLnBrk="0" hangingPunct="1">
+              <a:defRPr sz="1800" kern="1200">
+                <a:solidFill>
+                  <a:schemeClr val="tx1"/>
+                </a:solidFill>
+                <a:latin typeface="+mn-lt"/>
+                <a:ea typeface="+mn-ea"/>
+                <a:cs typeface="+mn-cs"/>
+              </a:defRPr>
+            </a:lvl9pPr>
+          </a:lstStyle>
+          <a:p>
+            <a:endParaRPr lang="en-US" sz="3200" dirty="0">
+              <a:latin typeface="Georgia"/>
+              <a:cs typeface="Calibri"/>
+            </a:endParaRPr>
+          </a:p>
+          <a:p>
+            <a:pPr marL="457200" indent="-457200">
+              <a:lnSpc>
+                <a:spcPct val="150000"/>
+              </a:lnSpc>
+              <a:buFont typeface="Arial"/>
+              <a:buChar char="•"/>
+            </a:pPr>
+            <a:r>
+              <a:rPr lang="en-US" sz="2400" dirty="0" err="1">
+                <a:latin typeface="Georgia"/>
+                <a:cs typeface="Calibri"/>
+              </a:rPr>
+              <a:t>Não</a:t>
+            </a:r>
+            <a:r>
+              <a:rPr lang="en-US" sz="2400" dirty="0">
+                <a:latin typeface="Georgia"/>
+                <a:cs typeface="Calibri"/>
+              </a:rPr>
+              <a:t> sou </a:t>
+            </a:r>
+            <a:r>
+              <a:rPr lang="en-US" sz="2400" dirty="0" err="1">
+                <a:latin typeface="Georgia"/>
+                <a:cs typeface="Calibri"/>
+              </a:rPr>
+              <a:t>prontamente</a:t>
+            </a:r>
+            <a:r>
+              <a:rPr lang="en-US" sz="2400" dirty="0">
+                <a:latin typeface="Georgia"/>
+                <a:cs typeface="Calibri"/>
+              </a:rPr>
+              <a:t> </a:t>
+            </a:r>
+            <a:r>
+              <a:rPr lang="en-US" sz="2400" dirty="0" err="1">
+                <a:latin typeface="Georgia"/>
+                <a:cs typeface="Calibri"/>
+              </a:rPr>
+              <a:t>avisada</a:t>
+            </a:r>
+            <a:r>
+              <a:rPr lang="en-US" sz="2400" dirty="0">
+                <a:latin typeface="Georgia"/>
+                <a:cs typeface="Calibri"/>
+              </a:rPr>
+              <a:t> </a:t>
+            </a:r>
+            <a:r>
+              <a:rPr lang="en-US" sz="2400" dirty="0" err="1">
+                <a:latin typeface="Georgia"/>
+                <a:cs typeface="Calibri"/>
+              </a:rPr>
+              <a:t>quando</a:t>
+            </a:r>
+            <a:r>
+              <a:rPr lang="en-US" sz="2400" dirty="0">
+                <a:latin typeface="Georgia"/>
+                <a:cs typeface="Calibri"/>
+              </a:rPr>
+              <a:t> a </a:t>
+            </a:r>
+            <a:r>
+              <a:rPr lang="en-US" sz="2400" dirty="0" err="1">
+                <a:latin typeface="Georgia"/>
+                <a:cs typeface="Calibri"/>
+              </a:rPr>
+              <a:t>falha</a:t>
+            </a:r>
+            <a:r>
+              <a:rPr lang="en-US" sz="2400" dirty="0">
+                <a:latin typeface="Georgia"/>
+                <a:cs typeface="Calibri"/>
+              </a:rPr>
+              <a:t> </a:t>
+            </a:r>
+            <a:r>
+              <a:rPr lang="en-US" sz="2400" dirty="0" err="1">
+                <a:latin typeface="Georgia"/>
+                <a:cs typeface="Calibri"/>
+              </a:rPr>
+              <a:t>em</a:t>
+            </a:r>
+            <a:r>
+              <a:rPr lang="en-US" sz="2400" dirty="0">
+                <a:latin typeface="Georgia"/>
+                <a:cs typeface="Calibri"/>
+              </a:rPr>
+              <a:t> </a:t>
+            </a:r>
+            <a:r>
+              <a:rPr lang="en-US" sz="2400" dirty="0" err="1">
+                <a:latin typeface="Georgia"/>
+                <a:cs typeface="Calibri"/>
+              </a:rPr>
+              <a:t>algum</a:t>
+            </a:r>
+            <a:r>
+              <a:rPr lang="en-US" sz="2400" dirty="0">
+                <a:latin typeface="Georgia"/>
+                <a:cs typeface="Calibri"/>
+              </a:rPr>
+              <a:t> </a:t>
+            </a:r>
+            <a:r>
+              <a:rPr lang="en-US" sz="2400" dirty="0" err="1">
+                <a:latin typeface="Georgia"/>
+                <a:cs typeface="Calibri"/>
+              </a:rPr>
+              <a:t>equipamento</a:t>
+            </a:r>
+            <a:r>
+              <a:rPr lang="en-US" sz="2400" dirty="0">
+                <a:latin typeface="Georgia"/>
+                <a:cs typeface="Calibri"/>
+              </a:rPr>
+              <a:t>;</a:t>
+            </a:r>
+          </a:p>
+          <a:p>
+            <a:pPr marL="457200" indent="-457200">
+              <a:lnSpc>
+                <a:spcPct val="150000"/>
+              </a:lnSpc>
+              <a:buFont typeface="Arial"/>
+              <a:buChar char="•"/>
+            </a:pPr>
+            <a:r>
+              <a:rPr lang="en-US" sz="2400" dirty="0" err="1">
+                <a:latin typeface="Georgia"/>
+                <a:cs typeface="Calibri"/>
+              </a:rPr>
+              <a:t>Preciso</a:t>
+            </a:r>
+            <a:r>
+              <a:rPr lang="en-US" sz="2400" dirty="0">
+                <a:latin typeface="Georgia"/>
+                <a:cs typeface="Calibri"/>
+              </a:rPr>
+              <a:t> </a:t>
+            </a:r>
+            <a:r>
+              <a:rPr lang="en-US" sz="2400" dirty="0" err="1">
+                <a:latin typeface="Georgia"/>
+                <a:cs typeface="Calibri"/>
+              </a:rPr>
+              <a:t>monitorar</a:t>
+            </a:r>
+            <a:r>
+              <a:rPr lang="en-US" sz="2400" dirty="0">
+                <a:latin typeface="Georgia"/>
+                <a:cs typeface="Calibri"/>
+              </a:rPr>
+              <a:t> o </a:t>
+            </a:r>
+            <a:r>
+              <a:rPr lang="en-US" sz="2400" dirty="0" err="1">
+                <a:latin typeface="Georgia"/>
+                <a:cs typeface="Calibri"/>
+              </a:rPr>
+              <a:t>uso</a:t>
+            </a:r>
+            <a:r>
+              <a:rPr lang="en-US" sz="2400" dirty="0">
+                <a:latin typeface="Georgia"/>
+                <a:cs typeface="Calibri"/>
+              </a:rPr>
+              <a:t> </a:t>
+            </a:r>
+            <a:r>
+              <a:rPr lang="en-US" sz="2400" dirty="0" err="1">
+                <a:latin typeface="Georgia"/>
+                <a:cs typeface="Calibri"/>
+              </a:rPr>
+              <a:t>em</a:t>
+            </a:r>
+            <a:r>
+              <a:rPr lang="en-US" sz="2400" dirty="0">
+                <a:latin typeface="Georgia"/>
+                <a:cs typeface="Calibri"/>
+              </a:rPr>
+              <a:t> tempo real, para </a:t>
+            </a:r>
+            <a:r>
+              <a:rPr lang="en-US" sz="2400" dirty="0" err="1">
+                <a:latin typeface="Georgia"/>
+                <a:cs typeface="Calibri"/>
+              </a:rPr>
+              <a:t>relatar</a:t>
+            </a:r>
+            <a:r>
+              <a:rPr lang="en-US" sz="2400" dirty="0">
+                <a:latin typeface="Georgia"/>
+                <a:cs typeface="Calibri"/>
+              </a:rPr>
+              <a:t> se </a:t>
+            </a:r>
+            <a:r>
+              <a:rPr lang="en-US" sz="2400" dirty="0" err="1">
+                <a:latin typeface="Georgia"/>
+                <a:cs typeface="Calibri"/>
+              </a:rPr>
+              <a:t>há</a:t>
+            </a:r>
+            <a:r>
+              <a:rPr lang="en-US" sz="2400" dirty="0">
+                <a:latin typeface="Georgia"/>
+                <a:cs typeface="Calibri"/>
+              </a:rPr>
+              <a:t> </a:t>
+            </a:r>
+            <a:r>
+              <a:rPr lang="en-US" sz="2400" dirty="0" err="1">
+                <a:latin typeface="Georgia"/>
+                <a:cs typeface="Calibri"/>
+              </a:rPr>
+              <a:t>demanda</a:t>
+            </a:r>
+            <a:r>
+              <a:rPr lang="en-US" sz="2400" dirty="0">
+                <a:latin typeface="Georgia"/>
+                <a:cs typeface="Calibri"/>
+              </a:rPr>
+              <a:t> para </a:t>
+            </a:r>
+            <a:r>
+              <a:rPr lang="en-US" sz="2400" dirty="0" err="1">
+                <a:latin typeface="Georgia"/>
+                <a:cs typeface="Calibri"/>
+              </a:rPr>
+              <a:t>ampliar</a:t>
+            </a:r>
+            <a:r>
+              <a:rPr lang="en-US" sz="2400" dirty="0">
+                <a:latin typeface="Georgia"/>
+                <a:cs typeface="Calibri"/>
+              </a:rPr>
+              <a:t> </a:t>
+            </a:r>
+            <a:r>
+              <a:rPr lang="en-US" sz="2400" dirty="0" err="1">
+                <a:latin typeface="Georgia"/>
+                <a:cs typeface="Calibri"/>
+              </a:rPr>
+              <a:t>ou</a:t>
+            </a:r>
+            <a:r>
+              <a:rPr lang="en-US" sz="2400" dirty="0">
+                <a:latin typeface="Georgia"/>
+                <a:cs typeface="Calibri"/>
+              </a:rPr>
+              <a:t> </a:t>
+            </a:r>
+            <a:r>
+              <a:rPr lang="en-US" sz="2400" dirty="0" err="1">
+                <a:latin typeface="Georgia"/>
+                <a:cs typeface="Calibri"/>
+              </a:rPr>
+              <a:t>retomar</a:t>
+            </a:r>
+            <a:r>
+              <a:rPr lang="en-US" sz="2400" dirty="0">
+                <a:latin typeface="Georgia"/>
+                <a:cs typeface="Calibri"/>
+              </a:rPr>
+              <a:t> a </a:t>
+            </a:r>
+            <a:r>
+              <a:rPr lang="en-US" sz="2400" dirty="0" err="1">
+                <a:latin typeface="Georgia"/>
+                <a:cs typeface="Calibri"/>
+              </a:rPr>
+              <a:t>capacidade</a:t>
+            </a:r>
+            <a:r>
+              <a:rPr lang="en-US" sz="2400" dirty="0">
+                <a:latin typeface="Georgia"/>
+                <a:cs typeface="Calibri"/>
+              </a:rPr>
+              <a:t>;</a:t>
+            </a:r>
+          </a:p>
+          <a:p>
+            <a:pPr marL="457200" indent="-457200">
+              <a:lnSpc>
+                <a:spcPct val="150000"/>
+              </a:lnSpc>
+              <a:buFont typeface="Arial"/>
+              <a:buChar char="•"/>
+            </a:pPr>
+            <a:r>
+              <a:rPr lang="en-US" sz="2400" dirty="0">
+                <a:latin typeface="Georgia"/>
+                <a:cs typeface="Calibri"/>
+              </a:rPr>
+              <a:t>Falta de </a:t>
+            </a:r>
+            <a:r>
+              <a:rPr lang="en-US" sz="2400" dirty="0" err="1">
+                <a:latin typeface="Georgia"/>
+                <a:cs typeface="Calibri"/>
+              </a:rPr>
+              <a:t>avisos</a:t>
+            </a:r>
+            <a:r>
+              <a:rPr lang="en-US" sz="2400" dirty="0">
+                <a:latin typeface="Georgia"/>
+                <a:cs typeface="Calibri"/>
+              </a:rPr>
+              <a:t> de </a:t>
+            </a:r>
+            <a:r>
+              <a:rPr lang="en-US" sz="2400" dirty="0" err="1">
+                <a:latin typeface="Georgia"/>
+                <a:cs typeface="Calibri"/>
+              </a:rPr>
+              <a:t>falhas</a:t>
+            </a:r>
+            <a:r>
+              <a:rPr lang="en-US" sz="2400" dirty="0">
+                <a:latin typeface="Georgia"/>
+                <a:cs typeface="Calibri"/>
+              </a:rPr>
+              <a:t> e </a:t>
+            </a:r>
+            <a:r>
+              <a:rPr lang="en-US" sz="2400" dirty="0" err="1">
+                <a:latin typeface="Georgia"/>
+                <a:cs typeface="Calibri"/>
+              </a:rPr>
+              <a:t>predições</a:t>
+            </a:r>
+            <a:r>
+              <a:rPr lang="en-US" sz="2400" dirty="0">
+                <a:latin typeface="Georgia"/>
+                <a:cs typeface="Calibri"/>
+              </a:rPr>
+              <a:t> do </a:t>
+            </a:r>
+            <a:r>
+              <a:rPr lang="en-US" sz="2400" dirty="0" err="1">
+                <a:latin typeface="Georgia"/>
+                <a:cs typeface="Calibri"/>
+              </a:rPr>
+              <a:t>sistema</a:t>
+            </a:r>
+            <a:r>
+              <a:rPr lang="en-US" sz="2400" dirty="0">
+                <a:latin typeface="Georgia"/>
+                <a:cs typeface="Calibri"/>
+              </a:rPr>
+              <a:t>;</a:t>
+            </a:r>
+          </a:p>
+        </p:txBody>
+      </p:sp>
+    </p:spTree>
+    <p:extLst>
+      <p:ext uri="{BB962C8B-B14F-4D97-AF65-F5344CB8AC3E}">
+        <p14:creationId xmlns:p14="http://schemas.microsoft.com/office/powerpoint/2010/main" val="3029709033"/>
+      </p:ext>
+    </p:extLst>
+  </p:cSld>
+  <p:clrMapOvr>
+    <a:masterClrMapping/>
+  </p:clrMapOvr>
+  <p:transition spd="med">
+    <p:pull/>
+  </p:transition>
+</p:sld>
+</file>
+
+<file path=ppt/slides/slide9.xml><?xml version="1.0" encoding="utf-8"?>
 <p:sld xmlns:a="http://schemas.openxmlformats.org/drawingml/2006/main" xmlns:r="http://schemas.openxmlformats.org/officeDocument/2006/relationships" xmlns:p="http://schemas.openxmlformats.org/presentationml/2006/main">
   <p:cSld>
     <p:spTree>
@@ -5221,504 +10507,9 @@
   <p:clrMapOvr>
     <a:masterClrMapping/>
   </p:clrMapOvr>
-</p:sld>
-</file>
-
-<file path=ppt/slides/slide7.xml><?xml version="1.0" encoding="utf-8"?>
-<p:sld xmlns:a="http://schemas.openxmlformats.org/drawingml/2006/main" xmlns:r="http://schemas.openxmlformats.org/officeDocument/2006/relationships" xmlns:p="http://schemas.openxmlformats.org/presentationml/2006/main">
-  <p:cSld>
-    <p:spTree>
-      <p:nvGrpSpPr>
-        <p:cNvPr id="1" name=""/>
-        <p:cNvGrpSpPr/>
-        <p:nvPr/>
-      </p:nvGrpSpPr>
-      <p:grpSpPr>
-        <a:xfrm>
-          <a:off x="0" y="0"/>
-          <a:ext cx="0" cy="0"/>
-          <a:chOff x="0" y="0"/>
-          <a:chExt cx="0" cy="0"/>
-        </a:xfrm>
-      </p:grpSpPr>
-      <p:pic>
-        <p:nvPicPr>
-          <p:cNvPr id="6" name="Picture 2" descr="Saiba tudo sobre tecnologia da informação e qual a sua importância – Blog  da EAD Unipar"/>
-          <p:cNvPicPr>
-            <a:picLocks noChangeAspect="1" noChangeArrowheads="1"/>
-          </p:cNvPicPr>
-          <p:nvPr/>
-        </p:nvPicPr>
-        <p:blipFill rotWithShape="1">
-          <a:blip r:embed="rId2">
-            <a:duotone>
-              <a:prstClr val="black"/>
-              <a:schemeClr val="accent5">
-                <a:tint val="45000"/>
-                <a:satMod val="400000"/>
-              </a:schemeClr>
-            </a:duotone>
-            <a:extLst>
-              <a:ext uri="{28A0092B-C50C-407E-A947-70E740481C1C}">
-                <a14:useLocalDpi xmlns:a14="http://schemas.microsoft.com/office/drawing/2010/main" val="0"/>
-              </a:ext>
-            </a:extLst>
-          </a:blip>
-          <a:srcRect l="13031" t="193" r="70788" b="-193"/>
-          <a:stretch/>
-        </p:blipFill>
-        <p:spPr bwMode="auto">
-          <a:xfrm>
-            <a:off x="9895268" y="0"/>
-            <a:ext cx="2309611" cy="6858000"/>
-          </a:xfrm>
-          <a:prstGeom prst="rect">
-            <a:avLst/>
-          </a:prstGeom>
-          <a:noFill/>
-          <a:extLst>
-            <a:ext uri="{909E8E84-426E-40DD-AFC4-6F175D3DCCD1}">
-              <a14:hiddenFill xmlns:a14="http://schemas.microsoft.com/office/drawing/2010/main">
-                <a:solidFill>
-                  <a:srgbClr val="FFFFFF"/>
-                </a:solidFill>
-              </a14:hiddenFill>
-            </a:ext>
-          </a:extLst>
-        </p:spPr>
-      </p:pic>
-      <p:sp>
-        <p:nvSpPr>
-          <p:cNvPr id="4" name="Retângulo 3"/>
-          <p:cNvSpPr/>
-          <p:nvPr/>
-        </p:nvSpPr>
-        <p:spPr>
-          <a:xfrm>
-            <a:off x="4688" y="0"/>
-            <a:ext cx="9890580" cy="6858000"/>
-          </a:xfrm>
-          <a:prstGeom prst="rect">
-            <a:avLst/>
-          </a:prstGeom>
-          <a:solidFill>
-            <a:schemeClr val="bg2">
-              <a:lumMod val="90000"/>
-            </a:schemeClr>
-          </a:solidFill>
-          <a:ln>
-            <a:noFill/>
-          </a:ln>
-          <a:effectLst>
-            <a:innerShdw blurRad="63500" dist="50800">
-              <a:prstClr val="black">
-                <a:alpha val="50000"/>
-              </a:prstClr>
-            </a:innerShdw>
-          </a:effectLst>
-        </p:spPr>
-        <p:style>
-          <a:lnRef idx="2">
-            <a:schemeClr val="accent1">
-              <a:shade val="50000"/>
-            </a:schemeClr>
-          </a:lnRef>
-          <a:fillRef idx="1">
-            <a:schemeClr val="accent1"/>
-          </a:fillRef>
-          <a:effectRef idx="0">
-            <a:schemeClr val="accent1"/>
-          </a:effectRef>
-          <a:fontRef idx="minor">
-            <a:schemeClr val="lt1"/>
-          </a:fontRef>
-        </p:style>
-        <p:txBody>
-          <a:bodyPr rtlCol="0" anchor="ctr"/>
-          <a:lstStyle/>
-          <a:p>
-            <a:pPr algn="ctr"/>
-            <a:endParaRPr lang="pt-BR"/>
-          </a:p>
-        </p:txBody>
-      </p:sp>
-      <p:sp>
-        <p:nvSpPr>
-          <p:cNvPr id="5" name="CaixaDeTexto 4"/>
-          <p:cNvSpPr txBox="1"/>
-          <p:nvPr/>
-        </p:nvSpPr>
-        <p:spPr>
-          <a:xfrm>
-            <a:off x="6625389" y="5885645"/>
-            <a:ext cx="3269879" cy="707886"/>
-          </a:xfrm>
-          <a:prstGeom prst="rect">
-            <a:avLst/>
-          </a:prstGeom>
-          <a:noFill/>
-        </p:spPr>
-        <p:txBody>
-          <a:bodyPr wrap="square" rtlCol="0">
-            <a:spAutoFit/>
-          </a:bodyPr>
-          <a:lstStyle/>
-          <a:p>
-            <a:r>
-              <a:rPr lang="pt-BR" sz="4000" b="1" dirty="0">
-                <a:solidFill>
-                  <a:srgbClr val="004478"/>
-                </a:solidFill>
-                <a:latin typeface="Georgia" panose="02040502050405020303" pitchFamily="18" charset="0"/>
-                <a:cs typeface="Aharoni" panose="02010803020104030203" pitchFamily="2" charset="-79"/>
-              </a:rPr>
-              <a:t> User Story</a:t>
-            </a:r>
-          </a:p>
-        </p:txBody>
-      </p:sp>
-    </p:spTree>
-    <p:extLst>
-      <p:ext uri="{BB962C8B-B14F-4D97-AF65-F5344CB8AC3E}">
-        <p14:creationId xmlns:p14="http://schemas.microsoft.com/office/powerpoint/2010/main" val="1295864012"/>
-      </p:ext>
-    </p:extLst>
-  </p:cSld>
-  <p:clrMapOvr>
-    <a:masterClrMapping/>
-  </p:clrMapOvr>
-</p:sld>
-</file>
-
-<file path=ppt/slides/slide8.xml><?xml version="1.0" encoding="utf-8"?>
-<p:sld xmlns:a="http://schemas.openxmlformats.org/drawingml/2006/main" xmlns:r="http://schemas.openxmlformats.org/officeDocument/2006/relationships" xmlns:p="http://schemas.openxmlformats.org/presentationml/2006/main">
-  <p:cSld>
-    <p:spTree>
-      <p:nvGrpSpPr>
-        <p:cNvPr id="1" name=""/>
-        <p:cNvGrpSpPr/>
-        <p:nvPr/>
-      </p:nvGrpSpPr>
-      <p:grpSpPr>
-        <a:xfrm>
-          <a:off x="0" y="0"/>
-          <a:ext cx="0" cy="0"/>
-          <a:chOff x="0" y="0"/>
-          <a:chExt cx="0" cy="0"/>
-        </a:xfrm>
-      </p:grpSpPr>
-      <p:pic>
-        <p:nvPicPr>
-          <p:cNvPr id="13314" name="Picture 2" descr="Viabilidade Jurídica | Nova Vida TI"/>
-          <p:cNvPicPr>
-            <a:picLocks noChangeAspect="1" noChangeArrowheads="1"/>
-          </p:cNvPicPr>
-          <p:nvPr/>
-        </p:nvPicPr>
-        <p:blipFill rotWithShape="1">
-          <a:blip r:embed="rId2">
-            <a:duotone>
-              <a:prstClr val="black"/>
-              <a:schemeClr val="accent5">
-                <a:tint val="45000"/>
-                <a:satMod val="400000"/>
-              </a:schemeClr>
-            </a:duotone>
-            <a:extLst>
-              <a:ext uri="{28A0092B-C50C-407E-A947-70E740481C1C}">
-                <a14:useLocalDpi xmlns:a14="http://schemas.microsoft.com/office/drawing/2010/main" val="0"/>
-              </a:ext>
-            </a:extLst>
-          </a:blip>
-          <a:srcRect r="81083"/>
-          <a:stretch/>
-        </p:blipFill>
-        <p:spPr bwMode="auto">
-          <a:xfrm>
-            <a:off x="-1" y="0"/>
-            <a:ext cx="2410918" cy="6858000"/>
-          </a:xfrm>
-          <a:prstGeom prst="rect">
-            <a:avLst/>
-          </a:prstGeom>
-          <a:noFill/>
-          <a:extLst>
-            <a:ext uri="{909E8E84-426E-40DD-AFC4-6F175D3DCCD1}">
-              <a14:hiddenFill xmlns:a14="http://schemas.microsoft.com/office/drawing/2010/main">
-                <a:solidFill>
-                  <a:srgbClr val="FFFFFF"/>
-                </a:solidFill>
-              </a14:hiddenFill>
-            </a:ext>
-          </a:extLst>
-        </p:spPr>
-      </p:pic>
-      <p:sp>
-        <p:nvSpPr>
-          <p:cNvPr id="4" name="Retângulo 3"/>
-          <p:cNvSpPr/>
-          <p:nvPr/>
-        </p:nvSpPr>
-        <p:spPr>
-          <a:xfrm>
-            <a:off x="2410917" y="0"/>
-            <a:ext cx="9781082" cy="6858000"/>
-          </a:xfrm>
-          <a:prstGeom prst="rect">
-            <a:avLst/>
-          </a:prstGeom>
-          <a:solidFill>
-            <a:schemeClr val="bg2">
-              <a:lumMod val="90000"/>
-            </a:schemeClr>
-          </a:solidFill>
-          <a:ln>
-            <a:noFill/>
-          </a:ln>
-          <a:effectLst>
-            <a:innerShdw blurRad="63500" dist="50800" dir="10800000">
-              <a:prstClr val="black">
-                <a:alpha val="50000"/>
-              </a:prstClr>
-            </a:innerShdw>
-          </a:effectLst>
-        </p:spPr>
-        <p:style>
-          <a:lnRef idx="2">
-            <a:schemeClr val="accent1">
-              <a:shade val="50000"/>
-            </a:schemeClr>
-          </a:lnRef>
-          <a:fillRef idx="1">
-            <a:schemeClr val="accent1"/>
-          </a:fillRef>
-          <a:effectRef idx="0">
-            <a:schemeClr val="accent1"/>
-          </a:effectRef>
-          <a:fontRef idx="minor">
-            <a:schemeClr val="lt1"/>
-          </a:fontRef>
-        </p:style>
-        <p:txBody>
-          <a:bodyPr rtlCol="0" anchor="ctr"/>
-          <a:lstStyle/>
-          <a:p>
-            <a:pPr algn="ctr"/>
-            <a:endParaRPr lang="pt-BR"/>
-          </a:p>
-        </p:txBody>
-      </p:sp>
-      <p:sp>
-        <p:nvSpPr>
-          <p:cNvPr id="2" name="CaixaDeTexto 1"/>
-          <p:cNvSpPr txBox="1"/>
-          <p:nvPr/>
-        </p:nvSpPr>
-        <p:spPr>
-          <a:xfrm>
-            <a:off x="2715717" y="5882482"/>
-            <a:ext cx="2369629" cy="707886"/>
-          </a:xfrm>
-          <a:prstGeom prst="rect">
-            <a:avLst/>
-          </a:prstGeom>
-          <a:noFill/>
-        </p:spPr>
-        <p:txBody>
-          <a:bodyPr wrap="square" rtlCol="0">
-            <a:spAutoFit/>
-          </a:bodyPr>
-          <a:lstStyle/>
-          <a:p>
-            <a:r>
-              <a:rPr lang="pt-BR" sz="4000" b="1" dirty="0">
-                <a:solidFill>
-                  <a:srgbClr val="004478"/>
-                </a:solidFill>
-                <a:latin typeface="Georgia" panose="02040502050405020303" pitchFamily="18" charset="0"/>
-                <a:cs typeface="Aharoni" panose="02010803020104030203" pitchFamily="2" charset="-79"/>
-              </a:rPr>
-              <a:t>Planner</a:t>
-            </a:r>
-          </a:p>
-        </p:txBody>
-      </p:sp>
-    </p:spTree>
-    <p:extLst>
-      <p:ext uri="{BB962C8B-B14F-4D97-AF65-F5344CB8AC3E}">
-        <p14:creationId xmlns:p14="http://schemas.microsoft.com/office/powerpoint/2010/main" val="1663349360"/>
-      </p:ext>
-    </p:extLst>
-  </p:cSld>
-  <p:clrMapOvr>
-    <a:masterClrMapping/>
-  </p:clrMapOvr>
-</p:sld>
-</file>
-
-<file path=ppt/slides/slide9.xml><?xml version="1.0" encoding="utf-8"?>
-<p:sld xmlns:a="http://schemas.openxmlformats.org/drawingml/2006/main" xmlns:r="http://schemas.openxmlformats.org/officeDocument/2006/relationships" xmlns:p="http://schemas.openxmlformats.org/presentationml/2006/main">
-  <p:cSld>
-    <p:spTree>
-      <p:nvGrpSpPr>
-        <p:cNvPr id="1" name=""/>
-        <p:cNvGrpSpPr/>
-        <p:nvPr/>
-      </p:nvGrpSpPr>
-      <p:grpSpPr>
-        <a:xfrm>
-          <a:off x="0" y="0"/>
-          <a:ext cx="0" cy="0"/>
-          <a:chOff x="0" y="0"/>
-          <a:chExt cx="0" cy="0"/>
-        </a:xfrm>
-      </p:grpSpPr>
-      <p:sp>
-        <p:nvSpPr>
-          <p:cNvPr id="4" name="Retângulo 3"/>
-          <p:cNvSpPr/>
-          <p:nvPr/>
-        </p:nvSpPr>
-        <p:spPr>
-          <a:xfrm>
-            <a:off x="0" y="0"/>
-            <a:ext cx="9914021" cy="6858000"/>
-          </a:xfrm>
-          <a:prstGeom prst="rect">
-            <a:avLst/>
-          </a:prstGeom>
-          <a:solidFill>
-            <a:schemeClr val="bg2">
-              <a:lumMod val="90000"/>
-            </a:schemeClr>
-          </a:solidFill>
-          <a:ln>
-            <a:noFill/>
-          </a:ln>
-          <a:effectLst>
-            <a:innerShdw blurRad="63500" dist="50800">
-              <a:prstClr val="black">
-                <a:alpha val="50000"/>
-              </a:prstClr>
-            </a:innerShdw>
-          </a:effectLst>
-        </p:spPr>
-        <p:style>
-          <a:lnRef idx="2">
-            <a:schemeClr val="accent1">
-              <a:shade val="50000"/>
-            </a:schemeClr>
-          </a:lnRef>
-          <a:fillRef idx="1">
-            <a:schemeClr val="accent1"/>
-          </a:fillRef>
-          <a:effectRef idx="0">
-            <a:schemeClr val="accent1"/>
-          </a:effectRef>
-          <a:fontRef idx="minor">
-            <a:schemeClr val="lt1"/>
-          </a:fontRef>
-        </p:style>
-        <p:txBody>
-          <a:bodyPr rtlCol="0" anchor="ctr"/>
-          <a:lstStyle/>
-          <a:p>
-            <a:pPr algn="ctr"/>
-            <a:endParaRPr lang="pt-BR"/>
-          </a:p>
-        </p:txBody>
-      </p:sp>
-      <p:sp>
-        <p:nvSpPr>
-          <p:cNvPr id="5" name="CaixaDeTexto 4"/>
-          <p:cNvSpPr txBox="1"/>
-          <p:nvPr/>
-        </p:nvSpPr>
-        <p:spPr>
-          <a:xfrm>
-            <a:off x="5149517" y="5798369"/>
-            <a:ext cx="4553246" cy="707886"/>
-          </a:xfrm>
-          <a:prstGeom prst="rect">
-            <a:avLst/>
-          </a:prstGeom>
-          <a:noFill/>
-        </p:spPr>
-        <p:txBody>
-          <a:bodyPr wrap="square" rtlCol="0">
-            <a:spAutoFit/>
-          </a:bodyPr>
-          <a:lstStyle/>
-          <a:p>
-            <a:r>
-              <a:rPr lang="pt-BR" sz="4000" b="1" dirty="0">
-                <a:solidFill>
-                  <a:srgbClr val="004478"/>
-                </a:solidFill>
-                <a:latin typeface="Georgia" panose="02040502050405020303" pitchFamily="18" charset="0"/>
-                <a:cs typeface="Aharoni" panose="02010803020104030203" pitchFamily="2" charset="-79"/>
-              </a:rPr>
-              <a:t>Product Backlog</a:t>
-            </a:r>
-          </a:p>
-        </p:txBody>
-      </p:sp>
-      <p:pic>
-        <p:nvPicPr>
-          <p:cNvPr id="10242" name="Picture 2" descr="Tendências na advocacia: 10 mudanças que todo advogado precisa saber! -  Software Jurídico Software Jurídico Completo - ADVBOX"/>
-          <p:cNvPicPr>
-            <a:picLocks noChangeAspect="1" noChangeArrowheads="1"/>
-          </p:cNvPicPr>
-          <p:nvPr/>
-        </p:nvPicPr>
-        <p:blipFill rotWithShape="1">
-          <a:blip r:embed="rId2">
-            <a:duotone>
-              <a:prstClr val="black"/>
-              <a:schemeClr val="accent5">
-                <a:tint val="45000"/>
-                <a:satMod val="400000"/>
-              </a:schemeClr>
-            </a:duotone>
-            <a:extLst>
-              <a:ext uri="{28A0092B-C50C-407E-A947-70E740481C1C}">
-                <a14:useLocalDpi xmlns:a14="http://schemas.microsoft.com/office/drawing/2010/main" val="0"/>
-              </a:ext>
-            </a:extLst>
-          </a:blip>
-          <a:srcRect l="67447" t="-188" r="12035" b="188"/>
-          <a:stretch/>
-        </p:blipFill>
-        <p:spPr bwMode="auto">
-          <a:xfrm>
-            <a:off x="9914021" y="0"/>
-            <a:ext cx="2277979" cy="6862396"/>
-          </a:xfrm>
-          <a:prstGeom prst="rect">
-            <a:avLst/>
-          </a:prstGeom>
-          <a:noFill/>
-          <a:extLst>
-            <a:ext uri="{909E8E84-426E-40DD-AFC4-6F175D3DCCD1}">
-              <a14:hiddenFill xmlns:a14="http://schemas.microsoft.com/office/drawing/2010/main">
-                <a:solidFill>
-                  <a:srgbClr val="FFFFFF"/>
-                </a:solidFill>
-              </a14:hiddenFill>
-            </a:ext>
-          </a:extLst>
-        </p:spPr>
-      </p:pic>
-    </p:spTree>
-    <p:extLst>
-      <p:ext uri="{BB962C8B-B14F-4D97-AF65-F5344CB8AC3E}">
-        <p14:creationId xmlns:p14="http://schemas.microsoft.com/office/powerpoint/2010/main" val="3687702738"/>
-      </p:ext>
-    </p:extLst>
-  </p:cSld>
-  <p:clrMapOvr>
-    <a:masterClrMapping/>
-  </p:clrMapOvr>
+  <p:transition spd="med">
+    <p:pull/>
+  </p:transition>
 </p:sld>
 </file>
 
